--- a/掛機 RPG 小遊戲.pptx
+++ b/掛機 RPG 小遊戲.pptx
@@ -8,13 +8,15 @@
     <p:sldId id="256" r:id="rId2"/>
     <p:sldId id="257" r:id="rId3"/>
     <p:sldId id="263" r:id="rId4"/>
-    <p:sldId id="258" r:id="rId5"/>
-    <p:sldId id="259" r:id="rId6"/>
-    <p:sldId id="260" r:id="rId7"/>
-    <p:sldId id="261" r:id="rId8"/>
-    <p:sldId id="262" r:id="rId9"/>
-    <p:sldId id="264" r:id="rId10"/>
-    <p:sldId id="265" r:id="rId11"/>
+    <p:sldId id="267" r:id="rId5"/>
+    <p:sldId id="258" r:id="rId6"/>
+    <p:sldId id="266" r:id="rId7"/>
+    <p:sldId id="259" r:id="rId8"/>
+    <p:sldId id="260" r:id="rId9"/>
+    <p:sldId id="261" r:id="rId10"/>
+    <p:sldId id="262" r:id="rId11"/>
+    <p:sldId id="264" r:id="rId12"/>
+    <p:sldId id="265" r:id="rId13"/>
   </p:sldIdLst>
   <p:sldSz cx="9144000" cy="6858000" type="screen4x3"/>
   <p:notesSz cx="6858000" cy="9144000"/>
@@ -252,7 +254,7 @@
           <a:p>
             <a:fld id="{F21A4056-824F-48F0-9624-F9D26622DF00}" type="datetimeFigureOut">
               <a:rPr lang="zh-TW" altLang="en-US" smtClean="0"/>
-              <a:t>2022/1/5</a:t>
+              <a:t>2022/1/8</a:t>
             </a:fld>
             <a:endParaRPr lang="zh-TW" altLang="en-US"/>
           </a:p>
@@ -422,7 +424,7 @@
           <a:p>
             <a:fld id="{F21A4056-824F-48F0-9624-F9D26622DF00}" type="datetimeFigureOut">
               <a:rPr lang="zh-TW" altLang="en-US" smtClean="0"/>
-              <a:t>2022/1/5</a:t>
+              <a:t>2022/1/8</a:t>
             </a:fld>
             <a:endParaRPr lang="zh-TW" altLang="en-US"/>
           </a:p>
@@ -602,7 +604,7 @@
           <a:p>
             <a:fld id="{F21A4056-824F-48F0-9624-F9D26622DF00}" type="datetimeFigureOut">
               <a:rPr lang="zh-TW" altLang="en-US" smtClean="0"/>
-              <a:t>2022/1/5</a:t>
+              <a:t>2022/1/8</a:t>
             </a:fld>
             <a:endParaRPr lang="zh-TW" altLang="en-US"/>
           </a:p>
@@ -772,7 +774,7 @@
           <a:p>
             <a:fld id="{F21A4056-824F-48F0-9624-F9D26622DF00}" type="datetimeFigureOut">
               <a:rPr lang="zh-TW" altLang="en-US" smtClean="0"/>
-              <a:t>2022/1/5</a:t>
+              <a:t>2022/1/8</a:t>
             </a:fld>
             <a:endParaRPr lang="zh-TW" altLang="en-US"/>
           </a:p>
@@ -1016,7 +1018,7 @@
           <a:p>
             <a:fld id="{F21A4056-824F-48F0-9624-F9D26622DF00}" type="datetimeFigureOut">
               <a:rPr lang="zh-TW" altLang="en-US" smtClean="0"/>
-              <a:t>2022/1/5</a:t>
+              <a:t>2022/1/8</a:t>
             </a:fld>
             <a:endParaRPr lang="zh-TW" altLang="en-US"/>
           </a:p>
@@ -1248,7 +1250,7 @@
           <a:p>
             <a:fld id="{F21A4056-824F-48F0-9624-F9D26622DF00}" type="datetimeFigureOut">
               <a:rPr lang="zh-TW" altLang="en-US" smtClean="0"/>
-              <a:t>2022/1/5</a:t>
+              <a:t>2022/1/8</a:t>
             </a:fld>
             <a:endParaRPr lang="zh-TW" altLang="en-US"/>
           </a:p>
@@ -1615,7 +1617,7 @@
           <a:p>
             <a:fld id="{F21A4056-824F-48F0-9624-F9D26622DF00}" type="datetimeFigureOut">
               <a:rPr lang="zh-TW" altLang="en-US" smtClean="0"/>
-              <a:t>2022/1/5</a:t>
+              <a:t>2022/1/8</a:t>
             </a:fld>
             <a:endParaRPr lang="zh-TW" altLang="en-US"/>
           </a:p>
@@ -1733,7 +1735,7 @@
           <a:p>
             <a:fld id="{F21A4056-824F-48F0-9624-F9D26622DF00}" type="datetimeFigureOut">
               <a:rPr lang="zh-TW" altLang="en-US" smtClean="0"/>
-              <a:t>2022/1/5</a:t>
+              <a:t>2022/1/8</a:t>
             </a:fld>
             <a:endParaRPr lang="zh-TW" altLang="en-US"/>
           </a:p>
@@ -1828,7 +1830,7 @@
           <a:p>
             <a:fld id="{F21A4056-824F-48F0-9624-F9D26622DF00}" type="datetimeFigureOut">
               <a:rPr lang="zh-TW" altLang="en-US" smtClean="0"/>
-              <a:t>2022/1/5</a:t>
+              <a:t>2022/1/8</a:t>
             </a:fld>
             <a:endParaRPr lang="zh-TW" altLang="en-US"/>
           </a:p>
@@ -2105,7 +2107,7 @@
           <a:p>
             <a:fld id="{F21A4056-824F-48F0-9624-F9D26622DF00}" type="datetimeFigureOut">
               <a:rPr lang="zh-TW" altLang="en-US" smtClean="0"/>
-              <a:t>2022/1/5</a:t>
+              <a:t>2022/1/8</a:t>
             </a:fld>
             <a:endParaRPr lang="zh-TW" altLang="en-US"/>
           </a:p>
@@ -2362,7 +2364,7 @@
           <a:p>
             <a:fld id="{F21A4056-824F-48F0-9624-F9D26622DF00}" type="datetimeFigureOut">
               <a:rPr lang="zh-TW" altLang="en-US" smtClean="0"/>
-              <a:t>2022/1/5</a:t>
+              <a:t>2022/1/8</a:t>
             </a:fld>
             <a:endParaRPr lang="zh-TW" altLang="en-US"/>
           </a:p>
@@ -2585,7 +2587,7 @@
           <a:p>
             <a:fld id="{F21A4056-824F-48F0-9624-F9D26622DF00}" type="datetimeFigureOut">
               <a:rPr lang="zh-TW" altLang="en-US" smtClean="0"/>
-              <a:t>2022/1/5</a:t>
+              <a:t>2022/1/8</a:t>
             </a:fld>
             <a:endParaRPr lang="zh-TW" altLang="en-US"/>
           </a:p>
@@ -3066,7 +3068,7 @@
         </p:nvSpPr>
         <p:spPr>
           <a:xfrm>
-            <a:off x="372533" y="4905905"/>
+            <a:off x="372533" y="4872038"/>
             <a:ext cx="6858000" cy="1655762"/>
           </a:xfrm>
         </p:spPr>
@@ -3196,6 +3198,676 @@
 </file>
 
 <file path=ppt/slides/slide10.xml><?xml version="1.0" encoding="utf-8"?>
+<p:sld xmlns:a="http://schemas.openxmlformats.org/drawingml/2006/main" xmlns:r="http://schemas.openxmlformats.org/officeDocument/2006/relationships" xmlns:p="http://schemas.openxmlformats.org/presentationml/2006/main">
+  <p:cSld>
+    <p:spTree>
+      <p:nvGrpSpPr>
+        <p:cNvPr id="1" name=""/>
+        <p:cNvGrpSpPr/>
+        <p:nvPr/>
+      </p:nvGrpSpPr>
+      <p:grpSpPr>
+        <a:xfrm>
+          <a:off x="0" y="0"/>
+          <a:ext cx="0" cy="0"/>
+          <a:chOff x="0" y="0"/>
+          <a:chExt cx="0" cy="0"/>
+        </a:xfrm>
+      </p:grpSpPr>
+      <p:sp>
+        <p:nvSpPr>
+          <p:cNvPr id="4" name="標題 1">
+            <a:extLst>
+              <a:ext uri="{FF2B5EF4-FFF2-40B4-BE49-F238E27FC236}">
+                <a16:creationId xmlns:a16="http://schemas.microsoft.com/office/drawing/2014/main" id="{14DE5FB5-8580-4E59-A524-122C750EEF0A}"/>
+              </a:ext>
+            </a:extLst>
+          </p:cNvPr>
+          <p:cNvSpPr>
+            <a:spLocks noGrp="1"/>
+          </p:cNvSpPr>
+          <p:nvPr>
+            <p:ph type="title"/>
+          </p:nvPr>
+        </p:nvSpPr>
+        <p:spPr>
+          <a:xfrm>
+            <a:off x="349251" y="255060"/>
+            <a:ext cx="1250949" cy="557741"/>
+          </a:xfrm>
+          <a:blipFill dpi="0" rotWithShape="1">
+            <a:blip r:embed="rId2"/>
+            <a:srcRect/>
+            <a:tile tx="0" ty="0" sx="100000" sy="100000" flip="none" algn="tl"/>
+          </a:blipFill>
+        </p:spPr>
+        <p:txBody>
+          <a:bodyPr>
+            <a:normAutofit fontScale="90000"/>
+          </a:bodyPr>
+          <a:lstStyle/>
+          <a:p>
+            <a:r>
+              <a:rPr lang="zh-TW" altLang="en-US" dirty="0"/>
+              <a:t>選單</a:t>
+            </a:r>
+          </a:p>
+        </p:txBody>
+      </p:sp>
+      <p:pic>
+        <p:nvPicPr>
+          <p:cNvPr id="6" name="圖片 5">
+            <a:extLst>
+              <a:ext uri="{FF2B5EF4-FFF2-40B4-BE49-F238E27FC236}">
+                <a16:creationId xmlns:a16="http://schemas.microsoft.com/office/drawing/2014/main" id="{9C76B0AA-58F8-468B-9475-D15DCB4941DE}"/>
+              </a:ext>
+            </a:extLst>
+          </p:cNvPr>
+          <p:cNvPicPr>
+            <a:picLocks noChangeAspect="1"/>
+          </p:cNvPicPr>
+          <p:nvPr/>
+        </p:nvPicPr>
+        <p:blipFill>
+          <a:blip r:embed="rId3"/>
+          <a:stretch>
+            <a:fillRect/>
+          </a:stretch>
+        </p:blipFill>
+        <p:spPr>
+          <a:xfrm>
+            <a:off x="713835" y="1439517"/>
+            <a:ext cx="7716327" cy="4944165"/>
+          </a:xfrm>
+          <a:prstGeom prst="rect">
+            <a:avLst/>
+          </a:prstGeom>
+        </p:spPr>
+      </p:pic>
+      <p:pic>
+        <p:nvPicPr>
+          <p:cNvPr id="8" name="圖片 7">
+            <a:extLst>
+              <a:ext uri="{FF2B5EF4-FFF2-40B4-BE49-F238E27FC236}">
+                <a16:creationId xmlns:a16="http://schemas.microsoft.com/office/drawing/2014/main" id="{6592142C-111F-4B8A-A5D8-B3322B15A2E0}"/>
+              </a:ext>
+            </a:extLst>
+          </p:cNvPr>
+          <p:cNvPicPr>
+            <a:picLocks noChangeAspect="1"/>
+          </p:cNvPicPr>
+          <p:nvPr/>
+        </p:nvPicPr>
+        <p:blipFill>
+          <a:blip r:embed="rId4"/>
+          <a:stretch>
+            <a:fillRect/>
+          </a:stretch>
+        </p:blipFill>
+        <p:spPr>
+          <a:xfrm>
+            <a:off x="713836" y="1439517"/>
+            <a:ext cx="7716327" cy="4944165"/>
+          </a:xfrm>
+          <a:prstGeom prst="rect">
+            <a:avLst/>
+          </a:prstGeom>
+        </p:spPr>
+      </p:pic>
+    </p:spTree>
+    <p:extLst>
+      <p:ext uri="{BB962C8B-B14F-4D97-AF65-F5344CB8AC3E}">
+        <p14:creationId xmlns:p14="http://schemas.microsoft.com/office/powerpoint/2010/main" val="2139839948"/>
+      </p:ext>
+    </p:extLst>
+  </p:cSld>
+  <p:clrMapOvr>
+    <a:masterClrMapping/>
+  </p:clrMapOvr>
+  <p:timing>
+    <p:tnLst>
+      <p:par>
+        <p:cTn id="1" dur="indefinite" restart="never" nodeType="tmRoot">
+          <p:childTnLst>
+            <p:seq concurrent="1" nextAc="seek">
+              <p:cTn id="2" dur="indefinite" nodeType="mainSeq">
+                <p:childTnLst>
+                  <p:par>
+                    <p:cTn id="3" fill="hold">
+                      <p:stCondLst>
+                        <p:cond delay="indefinite"/>
+                      </p:stCondLst>
+                      <p:childTnLst>
+                        <p:par>
+                          <p:cTn id="4" fill="hold">
+                            <p:stCondLst>
+                              <p:cond delay="0"/>
+                            </p:stCondLst>
+                            <p:childTnLst>
+                              <p:par>
+                                <p:cTn id="5" presetID="22" presetClass="entr" presetSubtype="4" fill="hold" nodeType="clickEffect">
+                                  <p:stCondLst>
+                                    <p:cond delay="0"/>
+                                  </p:stCondLst>
+                                  <p:childTnLst>
+                                    <p:set>
+                                      <p:cBhvr>
+                                        <p:cTn id="6" dur="1" fill="hold">
+                                          <p:stCondLst>
+                                            <p:cond delay="0"/>
+                                          </p:stCondLst>
+                                        </p:cTn>
+                                        <p:tgtEl>
+                                          <p:spTgt spid="6"/>
+                                        </p:tgtEl>
+                                        <p:attrNameLst>
+                                          <p:attrName>style.visibility</p:attrName>
+                                        </p:attrNameLst>
+                                      </p:cBhvr>
+                                      <p:to>
+                                        <p:strVal val="visible"/>
+                                      </p:to>
+                                    </p:set>
+                                    <p:animEffect transition="in" filter="wipe(down)">
+                                      <p:cBhvr>
+                                        <p:cTn id="7" dur="500"/>
+                                        <p:tgtEl>
+                                          <p:spTgt spid="6"/>
+                                        </p:tgtEl>
+                                      </p:cBhvr>
+                                    </p:animEffect>
+                                  </p:childTnLst>
+                                </p:cTn>
+                              </p:par>
+                            </p:childTnLst>
+                          </p:cTn>
+                        </p:par>
+                      </p:childTnLst>
+                    </p:cTn>
+                  </p:par>
+                  <p:par>
+                    <p:cTn id="8" fill="hold">
+                      <p:stCondLst>
+                        <p:cond delay="indefinite"/>
+                      </p:stCondLst>
+                      <p:childTnLst>
+                        <p:par>
+                          <p:cTn id="9" fill="hold">
+                            <p:stCondLst>
+                              <p:cond delay="0"/>
+                            </p:stCondLst>
+                            <p:childTnLst>
+                              <p:par>
+                                <p:cTn id="10" presetID="22" presetClass="entr" presetSubtype="4" fill="hold" nodeType="clickEffect">
+                                  <p:stCondLst>
+                                    <p:cond delay="0"/>
+                                  </p:stCondLst>
+                                  <p:childTnLst>
+                                    <p:set>
+                                      <p:cBhvr>
+                                        <p:cTn id="11" dur="1" fill="hold">
+                                          <p:stCondLst>
+                                            <p:cond delay="0"/>
+                                          </p:stCondLst>
+                                        </p:cTn>
+                                        <p:tgtEl>
+                                          <p:spTgt spid="8"/>
+                                        </p:tgtEl>
+                                        <p:attrNameLst>
+                                          <p:attrName>style.visibility</p:attrName>
+                                        </p:attrNameLst>
+                                      </p:cBhvr>
+                                      <p:to>
+                                        <p:strVal val="visible"/>
+                                      </p:to>
+                                    </p:set>
+                                    <p:animEffect transition="in" filter="wipe(down)">
+                                      <p:cBhvr>
+                                        <p:cTn id="12" dur="500"/>
+                                        <p:tgtEl>
+                                          <p:spTgt spid="8"/>
+                                        </p:tgtEl>
+                                      </p:cBhvr>
+                                    </p:animEffect>
+                                  </p:childTnLst>
+                                </p:cTn>
+                              </p:par>
+                            </p:childTnLst>
+                          </p:cTn>
+                        </p:par>
+                      </p:childTnLst>
+                    </p:cTn>
+                  </p:par>
+                </p:childTnLst>
+              </p:cTn>
+              <p:prevCondLst>
+                <p:cond evt="onPrev" delay="0">
+                  <p:tgtEl>
+                    <p:sldTgt/>
+                  </p:tgtEl>
+                </p:cond>
+              </p:prevCondLst>
+              <p:nextCondLst>
+                <p:cond evt="onNext" delay="0">
+                  <p:tgtEl>
+                    <p:sldTgt/>
+                  </p:tgtEl>
+                </p:cond>
+              </p:nextCondLst>
+            </p:seq>
+          </p:childTnLst>
+        </p:cTn>
+      </p:par>
+    </p:tnLst>
+  </p:timing>
+</p:sld>
+</file>
+
+<file path=ppt/slides/slide11.xml><?xml version="1.0" encoding="utf-8"?>
+<p:sld xmlns:a="http://schemas.openxmlformats.org/drawingml/2006/main" xmlns:r="http://schemas.openxmlformats.org/officeDocument/2006/relationships" xmlns:p="http://schemas.openxmlformats.org/presentationml/2006/main">
+  <p:cSld>
+    <p:spTree>
+      <p:nvGrpSpPr>
+        <p:cNvPr id="1" name=""/>
+        <p:cNvGrpSpPr/>
+        <p:nvPr/>
+      </p:nvGrpSpPr>
+      <p:grpSpPr>
+        <a:xfrm>
+          <a:off x="0" y="0"/>
+          <a:ext cx="0" cy="0"/>
+          <a:chOff x="0" y="0"/>
+          <a:chExt cx="0" cy="0"/>
+        </a:xfrm>
+      </p:grpSpPr>
+      <p:sp>
+        <p:nvSpPr>
+          <p:cNvPr id="6" name="標題 1">
+            <a:extLst>
+              <a:ext uri="{FF2B5EF4-FFF2-40B4-BE49-F238E27FC236}">
+                <a16:creationId xmlns:a16="http://schemas.microsoft.com/office/drawing/2014/main" id="{C468DEEA-2BF8-456E-B904-E76DD8525AB9}"/>
+              </a:ext>
+            </a:extLst>
+          </p:cNvPr>
+          <p:cNvSpPr>
+            <a:spLocks noGrp="1"/>
+          </p:cNvSpPr>
+          <p:nvPr>
+            <p:ph type="title"/>
+          </p:nvPr>
+        </p:nvSpPr>
+        <p:spPr>
+          <a:xfrm>
+            <a:off x="349251" y="255060"/>
+            <a:ext cx="2266949" cy="557741"/>
+          </a:xfrm>
+          <a:blipFill dpi="0" rotWithShape="1">
+            <a:blip r:embed="rId3"/>
+            <a:srcRect/>
+            <a:tile tx="0" ty="0" sx="100000" sy="100000" flip="none" algn="tl"/>
+          </a:blipFill>
+        </p:spPr>
+        <p:txBody>
+          <a:bodyPr>
+            <a:normAutofit fontScale="90000"/>
+          </a:bodyPr>
+          <a:lstStyle/>
+          <a:p>
+            <a:r>
+              <a:rPr lang="zh-TW" altLang="en-US" dirty="0"/>
+              <a:t>開發日誌</a:t>
+            </a:r>
+          </a:p>
+        </p:txBody>
+      </p:sp>
+      <p:graphicFrame>
+        <p:nvGraphicFramePr>
+          <p:cNvPr id="8" name="表格 8">
+            <a:extLst>
+              <a:ext uri="{FF2B5EF4-FFF2-40B4-BE49-F238E27FC236}">
+                <a16:creationId xmlns:a16="http://schemas.microsoft.com/office/drawing/2014/main" id="{3194788F-0F20-413C-8F96-88BB25E11A73}"/>
+              </a:ext>
+            </a:extLst>
+          </p:cNvPr>
+          <p:cNvGraphicFramePr>
+            <a:graphicFrameLocks noGrp="1"/>
+          </p:cNvGraphicFramePr>
+          <p:nvPr>
+            <p:extLst>
+              <p:ext uri="{D42A27DB-BD31-4B8C-83A1-F6EECF244321}">
+                <p14:modId xmlns:p14="http://schemas.microsoft.com/office/powerpoint/2010/main" val="586808269"/>
+              </p:ext>
+            </p:extLst>
+          </p:nvPr>
+        </p:nvGraphicFramePr>
+        <p:xfrm>
+          <a:off x="125038" y="5581224"/>
+          <a:ext cx="9000067" cy="640080"/>
+        </p:xfrm>
+        <a:graphic>
+          <a:graphicData uri="http://schemas.openxmlformats.org/drawingml/2006/table">
+            <a:tbl>
+              <a:tblPr firstRow="1" bandRow="1">
+                <a:tableStyleId>{5C22544A-7EE6-4342-B048-85BDC9FD1C3A}</a:tableStyleId>
+              </a:tblPr>
+              <a:tblGrid>
+                <a:gridCol w="999067">
+                  <a:extLst>
+                    <a:ext uri="{9D8B030D-6E8A-4147-A177-3AD203B41FA5}">
+                      <a16:colId xmlns:a16="http://schemas.microsoft.com/office/drawing/2014/main" val="2987149438"/>
+                    </a:ext>
+                  </a:extLst>
+                </a:gridCol>
+                <a:gridCol w="1143000">
+                  <a:extLst>
+                    <a:ext uri="{9D8B030D-6E8A-4147-A177-3AD203B41FA5}">
+                      <a16:colId xmlns:a16="http://schemas.microsoft.com/office/drawing/2014/main" val="929843618"/>
+                    </a:ext>
+                  </a:extLst>
+                </a:gridCol>
+                <a:gridCol w="1143000">
+                  <a:extLst>
+                    <a:ext uri="{9D8B030D-6E8A-4147-A177-3AD203B41FA5}">
+                      <a16:colId xmlns:a16="http://schemas.microsoft.com/office/drawing/2014/main" val="1302300580"/>
+                    </a:ext>
+                  </a:extLst>
+                </a:gridCol>
+                <a:gridCol w="1143000">
+                  <a:extLst>
+                    <a:ext uri="{9D8B030D-6E8A-4147-A177-3AD203B41FA5}">
+                      <a16:colId xmlns:a16="http://schemas.microsoft.com/office/drawing/2014/main" val="3012901688"/>
+                    </a:ext>
+                  </a:extLst>
+                </a:gridCol>
+                <a:gridCol w="1143000">
+                  <a:extLst>
+                    <a:ext uri="{9D8B030D-6E8A-4147-A177-3AD203B41FA5}">
+                      <a16:colId xmlns:a16="http://schemas.microsoft.com/office/drawing/2014/main" val="2851238487"/>
+                    </a:ext>
+                  </a:extLst>
+                </a:gridCol>
+                <a:gridCol w="1143000">
+                  <a:extLst>
+                    <a:ext uri="{9D8B030D-6E8A-4147-A177-3AD203B41FA5}">
+                      <a16:colId xmlns:a16="http://schemas.microsoft.com/office/drawing/2014/main" val="2989070361"/>
+                    </a:ext>
+                  </a:extLst>
+                </a:gridCol>
+                <a:gridCol w="1143000">
+                  <a:extLst>
+                    <a:ext uri="{9D8B030D-6E8A-4147-A177-3AD203B41FA5}">
+                      <a16:colId xmlns:a16="http://schemas.microsoft.com/office/drawing/2014/main" val="1181675318"/>
+                    </a:ext>
+                  </a:extLst>
+                </a:gridCol>
+                <a:gridCol w="1143000">
+                  <a:extLst>
+                    <a:ext uri="{9D8B030D-6E8A-4147-A177-3AD203B41FA5}">
+                      <a16:colId xmlns:a16="http://schemas.microsoft.com/office/drawing/2014/main" val="3362786275"/>
+                    </a:ext>
+                  </a:extLst>
+                </a:gridCol>
+              </a:tblGrid>
+              <a:tr h="370840">
+                <a:tc>
+                  <a:txBody>
+                    <a:bodyPr/>
+                    <a:lstStyle/>
+                    <a:p>
+                      <a:r>
+                        <a:rPr lang="zh-TW" altLang="en-US" dirty="0">
+                          <a:solidFill>
+                            <a:schemeClr val="tx1"/>
+                          </a:solidFill>
+                          <a:latin typeface="微軟正黑體" panose="020B0604030504040204" pitchFamily="34" charset="-120"/>
+                          <a:ea typeface="微軟正黑體" panose="020B0604030504040204" pitchFamily="34" charset="-120"/>
+                        </a:rPr>
+                        <a:t>三人一起</a:t>
+                      </a:r>
+                    </a:p>
+                  </a:txBody>
+                  <a:tcPr>
+                    <a:solidFill>
+                      <a:schemeClr val="bg1"/>
+                    </a:solidFill>
+                  </a:tcPr>
+                </a:tc>
+                <a:tc>
+                  <a:txBody>
+                    <a:bodyPr/>
+                    <a:lstStyle/>
+                    <a:p>
+                      <a:endParaRPr lang="zh-TW" altLang="en-US" dirty="0">
+                        <a:latin typeface="微軟正黑體" panose="020B0604030504040204" pitchFamily="34" charset="-120"/>
+                        <a:ea typeface="微軟正黑體" panose="020B0604030504040204" pitchFamily="34" charset="-120"/>
+                      </a:endParaRPr>
+                    </a:p>
+                  </a:txBody>
+                  <a:tcPr>
+                    <a:solidFill>
+                      <a:srgbClr val="FF0000"/>
+                    </a:solidFill>
+                  </a:tcPr>
+                </a:tc>
+                <a:tc>
+                  <a:txBody>
+                    <a:bodyPr/>
+                    <a:lstStyle/>
+                    <a:p>
+                      <a:r>
+                        <a:rPr lang="zh-TW" altLang="zh-TW" sz="1800" b="1" kern="1200" dirty="0">
+                          <a:solidFill>
+                            <a:schemeClr val="tx1"/>
+                          </a:solidFill>
+                          <a:effectLst/>
+                          <a:latin typeface="微軟正黑體" panose="020B0604030504040204" pitchFamily="34" charset="-120"/>
+                          <a:ea typeface="微軟正黑體" panose="020B0604030504040204" pitchFamily="34" charset="-120"/>
+                          <a:cs typeface="+mn-cs"/>
+                        </a:rPr>
+                        <a:t>宋佳瑋</a:t>
+                      </a:r>
+                      <a:endParaRPr lang="zh-TW" altLang="en-US" dirty="0">
+                        <a:solidFill>
+                          <a:schemeClr val="tx1"/>
+                        </a:solidFill>
+                        <a:latin typeface="微軟正黑體" panose="020B0604030504040204" pitchFamily="34" charset="-120"/>
+                        <a:ea typeface="微軟正黑體" panose="020B0604030504040204" pitchFamily="34" charset="-120"/>
+                      </a:endParaRPr>
+                    </a:p>
+                  </a:txBody>
+                  <a:tcPr>
+                    <a:solidFill>
+                      <a:schemeClr val="bg1"/>
+                    </a:solidFill>
+                  </a:tcPr>
+                </a:tc>
+                <a:tc>
+                  <a:txBody>
+                    <a:bodyPr/>
+                    <a:lstStyle/>
+                    <a:p>
+                      <a:endParaRPr lang="zh-TW" altLang="en-US" dirty="0">
+                        <a:solidFill>
+                          <a:schemeClr val="tx1"/>
+                        </a:solidFill>
+                        <a:latin typeface="微軟正黑體" panose="020B0604030504040204" pitchFamily="34" charset="-120"/>
+                        <a:ea typeface="微軟正黑體" panose="020B0604030504040204" pitchFamily="34" charset="-120"/>
+                      </a:endParaRPr>
+                    </a:p>
+                  </a:txBody>
+                  <a:tcPr>
+                    <a:solidFill>
+                      <a:srgbClr val="92D050"/>
+                    </a:solidFill>
+                  </a:tcPr>
+                </a:tc>
+                <a:tc>
+                  <a:txBody>
+                    <a:bodyPr/>
+                    <a:lstStyle/>
+                    <a:p>
+                      <a:r>
+                        <a:rPr lang="zh-TW" altLang="en-US" dirty="0">
+                          <a:solidFill>
+                            <a:schemeClr val="tx1"/>
+                          </a:solidFill>
+                          <a:latin typeface="微軟正黑體" panose="020B0604030504040204" pitchFamily="34" charset="-120"/>
+                          <a:ea typeface="微軟正黑體" panose="020B0604030504040204" pitchFamily="34" charset="-120"/>
+                        </a:rPr>
+                        <a:t>王福賢</a:t>
+                      </a:r>
+                    </a:p>
+                  </a:txBody>
+                  <a:tcPr>
+                    <a:solidFill>
+                      <a:schemeClr val="bg1"/>
+                    </a:solidFill>
+                  </a:tcPr>
+                </a:tc>
+                <a:tc>
+                  <a:txBody>
+                    <a:bodyPr/>
+                    <a:lstStyle/>
+                    <a:p>
+                      <a:endParaRPr lang="zh-TW" altLang="en-US" dirty="0">
+                        <a:latin typeface="微軟正黑體" panose="020B0604030504040204" pitchFamily="34" charset="-120"/>
+                        <a:ea typeface="微軟正黑體" panose="020B0604030504040204" pitchFamily="34" charset="-120"/>
+                      </a:endParaRPr>
+                    </a:p>
+                  </a:txBody>
+                  <a:tcPr>
+                    <a:solidFill>
+                      <a:srgbClr val="FFC000"/>
+                    </a:solidFill>
+                  </a:tcPr>
+                </a:tc>
+                <a:tc>
+                  <a:txBody>
+                    <a:bodyPr/>
+                    <a:lstStyle/>
+                    <a:p>
+                      <a:r>
+                        <a:rPr lang="zh-TW" altLang="en-US" dirty="0">
+                          <a:solidFill>
+                            <a:sysClr val="windowText" lastClr="000000"/>
+                          </a:solidFill>
+                          <a:latin typeface="微軟正黑體" panose="020B0604030504040204" pitchFamily="34" charset="-120"/>
+                          <a:ea typeface="微軟正黑體" panose="020B0604030504040204" pitchFamily="34" charset="-120"/>
+                        </a:rPr>
+                        <a:t>王郁恩</a:t>
+                      </a:r>
+                    </a:p>
+                  </a:txBody>
+                  <a:tcPr>
+                    <a:solidFill>
+                      <a:schemeClr val="bg1"/>
+                    </a:solidFill>
+                  </a:tcPr>
+                </a:tc>
+                <a:tc>
+                  <a:txBody>
+                    <a:bodyPr/>
+                    <a:lstStyle/>
+                    <a:p>
+                      <a:endParaRPr lang="zh-TW" altLang="en-US" dirty="0">
+                        <a:latin typeface="微軟正黑體" panose="020B0604030504040204" pitchFamily="34" charset="-120"/>
+                        <a:ea typeface="微軟正黑體" panose="020B0604030504040204" pitchFamily="34" charset="-120"/>
+                      </a:endParaRPr>
+                    </a:p>
+                  </a:txBody>
+                  <a:tcPr>
+                    <a:solidFill>
+                      <a:srgbClr val="00B0F0"/>
+                    </a:solidFill>
+                  </a:tcPr>
+                </a:tc>
+                <a:extLst>
+                  <a:ext uri="{0D108BD9-81ED-4DB2-BD59-A6C34878D82A}">
+                    <a16:rowId xmlns:a16="http://schemas.microsoft.com/office/drawing/2014/main" val="3702871106"/>
+                  </a:ext>
+                </a:extLst>
+              </a:tr>
+            </a:tbl>
+          </a:graphicData>
+        </a:graphic>
+      </p:graphicFrame>
+      <p:graphicFrame>
+        <p:nvGraphicFramePr>
+          <p:cNvPr id="3" name="物件 2">
+            <a:extLst>
+              <a:ext uri="{FF2B5EF4-FFF2-40B4-BE49-F238E27FC236}">
+                <a16:creationId xmlns:a16="http://schemas.microsoft.com/office/drawing/2014/main" id="{78C068FC-C24C-46AB-B00D-92DBBA5C9C10}"/>
+              </a:ext>
+            </a:extLst>
+          </p:cNvPr>
+          <p:cNvGraphicFramePr>
+            <a:graphicFrameLocks noChangeAspect="1"/>
+          </p:cNvGraphicFramePr>
+          <p:nvPr>
+            <p:extLst>
+              <p:ext uri="{D42A27DB-BD31-4B8C-83A1-F6EECF244321}">
+                <p14:modId xmlns:p14="http://schemas.microsoft.com/office/powerpoint/2010/main" val="3653738867"/>
+              </p:ext>
+            </p:extLst>
+          </p:nvPr>
+        </p:nvGraphicFramePr>
+        <p:xfrm>
+          <a:off x="18894" y="1669414"/>
+          <a:ext cx="9106211" cy="3519171"/>
+        </p:xfrm>
+        <a:graphic>
+          <a:graphicData uri="http://schemas.openxmlformats.org/presentationml/2006/ole">
+            <mc:AlternateContent xmlns:mc="http://schemas.openxmlformats.org/markup-compatibility/2006">
+              <mc:Choice xmlns:v="urn:schemas-microsoft-com:vml" Requires="v">
+                <p:oleObj spid="_x0000_s1035" name="Worksheet" r:id="rId4" imgW="11953798" imgH="4619671" progId="Excel.Sheet.12">
+                  <p:embed/>
+                </p:oleObj>
+              </mc:Choice>
+              <mc:Fallback>
+                <p:oleObj name="Worksheet" r:id="rId4" imgW="11953798" imgH="4619671" progId="Excel.Sheet.12">
+                  <p:embed/>
+                  <p:pic>
+                    <p:nvPicPr>
+                      <p:cNvPr id="0" name=""/>
+                      <p:cNvPicPr/>
+                      <p:nvPr/>
+                    </p:nvPicPr>
+                    <p:blipFill>
+                      <a:blip r:embed="rId5"/>
+                      <a:stretch>
+                        <a:fillRect/>
+                      </a:stretch>
+                    </p:blipFill>
+                    <p:spPr>
+                      <a:xfrm>
+                        <a:off x="18894" y="1669414"/>
+                        <a:ext cx="9106211" cy="3519171"/>
+                      </a:xfrm>
+                      <a:prstGeom prst="rect">
+                        <a:avLst/>
+                      </a:prstGeom>
+                    </p:spPr>
+                  </p:pic>
+                </p:oleObj>
+              </mc:Fallback>
+            </mc:AlternateContent>
+          </a:graphicData>
+        </a:graphic>
+      </p:graphicFrame>
+    </p:spTree>
+    <p:extLst>
+      <p:ext uri="{BB962C8B-B14F-4D97-AF65-F5344CB8AC3E}">
+        <p14:creationId xmlns:p14="http://schemas.microsoft.com/office/powerpoint/2010/main" val="212352473"/>
+      </p:ext>
+    </p:extLst>
+  </p:cSld>
+  <p:clrMapOvr>
+    <a:masterClrMapping/>
+  </p:clrMapOvr>
+</p:sld>
+</file>
+
+<file path=ppt/slides/slide12.xml><?xml version="1.0" encoding="utf-8"?>
 <p:sld xmlns:a="http://schemas.openxmlformats.org/drawingml/2006/main" xmlns:r="http://schemas.openxmlformats.org/officeDocument/2006/relationships" xmlns:p="http://schemas.openxmlformats.org/presentationml/2006/main">
   <p:cSld>
     <p:spTree>
@@ -3363,8 +4035,8 @@
           <a:p>
             <a:r>
               <a:rPr lang="zh-TW" altLang="en-US" sz="3200" dirty="0">
-                <a:latin typeface="思源宋体 CN" panose="02020700000000000000" pitchFamily="18" charset="-128"/>
-                <a:ea typeface="思源宋体 CN" panose="02020700000000000000" pitchFamily="18" charset="-128"/>
+                <a:latin typeface="微軟正黑體" panose="020B0604030504040204" pitchFamily="34" charset="-120"/>
+                <a:ea typeface="微軟正黑體" panose="020B0604030504040204" pitchFamily="34" charset="-120"/>
               </a:rPr>
               <a:t>累了可以掛著玩的遊戲</a:t>
             </a:r>
@@ -3401,8 +4073,8 @@
           <a:p>
             <a:r>
               <a:rPr lang="zh-TW" altLang="en-US" sz="3200" dirty="0">
-                <a:latin typeface="思源宋体 CN" panose="02020700000000000000" pitchFamily="18" charset="-128"/>
-                <a:ea typeface="思源宋体 CN" panose="02020700000000000000" pitchFamily="18" charset="-128"/>
+                <a:latin typeface="微軟正黑體" panose="020B0604030504040204" pitchFamily="34" charset="-120"/>
+                <a:ea typeface="微軟正黑體" panose="020B0604030504040204" pitchFamily="34" charset="-120"/>
               </a:rPr>
               <a:t>可以無腦的玩著遊戲</a:t>
             </a:r>
@@ -3439,22 +4111,22 @@
           <a:p>
             <a:r>
               <a:rPr lang="zh-TW" altLang="en-US" sz="3200" dirty="0">
-                <a:latin typeface="思源宋体 CN" panose="02020700000000000000" pitchFamily="18" charset="-128"/>
-                <a:ea typeface="思源宋体 CN" panose="02020700000000000000" pitchFamily="18" charset="-128"/>
+                <a:latin typeface="微軟正黑體" panose="020B0604030504040204" pitchFamily="34" charset="-120"/>
+                <a:ea typeface="微軟正黑體" panose="020B0604030504040204" pitchFamily="34" charset="-120"/>
               </a:rPr>
               <a:t>體驗</a:t>
             </a:r>
             <a:r>
               <a:rPr lang="en-US" altLang="zh-TW" sz="3200" dirty="0">
-                <a:latin typeface="思源宋体 CN" panose="02020700000000000000" pitchFamily="18" charset="-128"/>
-                <a:ea typeface="思源宋体 CN" panose="02020700000000000000" pitchFamily="18" charset="-128"/>
+                <a:latin typeface="微軟正黑體" panose="020B0604030504040204" pitchFamily="34" charset="-120"/>
+                <a:ea typeface="微軟正黑體" panose="020B0604030504040204" pitchFamily="34" charset="-120"/>
               </a:rPr>
               <a:t>RPG</a:t>
             </a:r>
             <a:r>
               <a:rPr lang="zh-TW" altLang="en-US" sz="3200" dirty="0">
-                <a:latin typeface="思源宋体 CN" panose="02020700000000000000" pitchFamily="18" charset="-128"/>
-                <a:ea typeface="思源宋体 CN" panose="02020700000000000000" pitchFamily="18" charset="-128"/>
+                <a:latin typeface="微軟正黑體" panose="020B0604030504040204" pitchFamily="34" charset="-120"/>
+                <a:ea typeface="微軟正黑體" panose="020B0604030504040204" pitchFamily="34" charset="-120"/>
               </a:rPr>
               <a:t>遊戲的不合理之處</a:t>
             </a:r>
@@ -3902,42 +4574,6 @@
           <a:chExt cx="0" cy="0"/>
         </a:xfrm>
       </p:grpSpPr>
-      <p:pic>
-        <p:nvPicPr>
-          <p:cNvPr id="5" name="圖片 4">
-            <a:extLst>
-              <a:ext uri="{FF2B5EF4-FFF2-40B4-BE49-F238E27FC236}">
-                <a16:creationId xmlns:a16="http://schemas.microsoft.com/office/drawing/2014/main" id="{214164D0-5675-49EB-AB76-245B39005E31}"/>
-              </a:ext>
-            </a:extLst>
-          </p:cNvPr>
-          <p:cNvPicPr>
-            <a:picLocks noChangeAspect="1"/>
-          </p:cNvPicPr>
-          <p:nvPr/>
-        </p:nvPicPr>
-        <p:blipFill>
-          <a:blip r:embed="rId2">
-            <a:extLst>
-              <a:ext uri="{28A0092B-C50C-407E-A947-70E740481C1C}">
-                <a14:useLocalDpi xmlns:a14="http://schemas.microsoft.com/office/drawing/2010/main" val="0"/>
-              </a:ext>
-            </a:extLst>
-          </a:blip>
-          <a:stretch>
-            <a:fillRect/>
-          </a:stretch>
-        </p:blipFill>
-        <p:spPr>
-          <a:xfrm>
-            <a:off x="0" y="1074989"/>
-            <a:ext cx="9144000" cy="4708022"/>
-          </a:xfrm>
-          <a:prstGeom prst="rect">
-            <a:avLst/>
-          </a:prstGeom>
-        </p:spPr>
-      </p:pic>
       <p:sp>
         <p:nvSpPr>
           <p:cNvPr id="6" name="文字方塊 5">
@@ -3959,7 +4595,7 @@
             <a:avLst/>
           </a:prstGeom>
           <a:blipFill dpi="0" rotWithShape="1">
-            <a:blip r:embed="rId3"/>
+            <a:blip r:embed="rId2"/>
             <a:srcRect/>
             <a:tile tx="0" ty="0" sx="100000" sy="100000" flip="none" algn="tl"/>
           </a:blipFill>
@@ -3980,6 +4616,43 @@
           </a:p>
         </p:txBody>
       </p:sp>
+      <p:pic>
+        <p:nvPicPr>
+          <p:cNvPr id="3" name="圖片 2">
+            <a:hlinkClick r:id="rId3" action="ppaction://hlinkfile"/>
+            <a:extLst>
+              <a:ext uri="{FF2B5EF4-FFF2-40B4-BE49-F238E27FC236}">
+                <a16:creationId xmlns:a16="http://schemas.microsoft.com/office/drawing/2014/main" id="{36A97428-204D-4D90-9421-9AC23B4002E1}"/>
+              </a:ext>
+            </a:extLst>
+          </p:cNvPr>
+          <p:cNvPicPr>
+            <a:picLocks noChangeAspect="1"/>
+          </p:cNvPicPr>
+          <p:nvPr/>
+        </p:nvPicPr>
+        <p:blipFill>
+          <a:blip r:embed="rId4">
+            <a:extLst>
+              <a:ext uri="{28A0092B-C50C-407E-A947-70E740481C1C}">
+                <a14:useLocalDpi xmlns:a14="http://schemas.microsoft.com/office/drawing/2010/main" val="0"/>
+              </a:ext>
+            </a:extLst>
+          </a:blip>
+          <a:stretch>
+            <a:fillRect/>
+          </a:stretch>
+        </p:blipFill>
+        <p:spPr>
+          <a:xfrm>
+            <a:off x="0" y="342900"/>
+            <a:ext cx="9144000" cy="6172200"/>
+          </a:xfrm>
+          <a:prstGeom prst="rect">
+            <a:avLst/>
+          </a:prstGeom>
+        </p:spPr>
+      </p:pic>
     </p:spTree>
     <p:extLst>
       <p:ext uri="{BB962C8B-B14F-4D97-AF65-F5344CB8AC3E}">
@@ -4011,7 +4684,7 @@
                             </p:stCondLst>
                             <p:childTnLst>
                               <p:par>
-                                <p:cTn id="5" presetID="26" presetClass="entr" presetSubtype="0" fill="hold" grpId="0" nodeType="clickEffect">
+                                <p:cTn id="5" presetID="22" presetClass="entr" presetSubtype="8" fill="hold" grpId="0" nodeType="clickEffect">
                                   <p:stCondLst>
                                     <p:cond delay="0"/>
                                   </p:stCondLst>
@@ -4034,257 +4707,58 @@
                                         <p:strVal val="visible"/>
                                       </p:to>
                                     </p:set>
-                                    <p:animEffect transition="in" filter="wipe(down)">
+                                    <p:animEffect transition="in" filter="wipe(left)">
                                       <p:cBhvr>
-                                        <p:cTn id="7" dur="290">
+                                        <p:cTn id="7" dur="500"/>
+                                        <p:tgtEl>
+                                          <p:spTgt spid="6"/>
+                                        </p:tgtEl>
+                                      </p:cBhvr>
+                                    </p:animEffect>
+                                  </p:childTnLst>
+                                </p:cTn>
+                              </p:par>
+                            </p:childTnLst>
+                          </p:cTn>
+                        </p:par>
+                        <p:par>
+                          <p:cTn id="8" fill="hold">
+                            <p:stCondLst>
+                              <p:cond delay="500"/>
+                            </p:stCondLst>
+                            <p:childTnLst>
+                              <p:par>
+                                <p:cTn id="9" presetID="22" presetClass="entr" presetSubtype="8" fill="hold" nodeType="afterEffect">
+                                  <p:stCondLst>
+                                    <p:cond delay="0"/>
+                                  </p:stCondLst>
+                                  <p:childTnLst>
+                                    <p:set>
+                                      <p:cBhvr>
+                                        <p:cTn id="10" dur="1" fill="hold">
                                           <p:stCondLst>
                                             <p:cond delay="0"/>
                                           </p:stCondLst>
                                         </p:cTn>
                                         <p:tgtEl>
-                                          <p:spTgt spid="6"/>
+                                          <p:spTgt spid="3"/>
+                                        </p:tgtEl>
+                                        <p:attrNameLst>
+                                          <p:attrName>style.visibility</p:attrName>
+                                        </p:attrNameLst>
+                                      </p:cBhvr>
+                                      <p:to>
+                                        <p:strVal val="visible"/>
+                                      </p:to>
+                                    </p:set>
+                                    <p:animEffect transition="in" filter="wipe(left)">
+                                      <p:cBhvr>
+                                        <p:cTn id="11" dur="500"/>
+                                        <p:tgtEl>
+                                          <p:spTgt spid="3"/>
                                         </p:tgtEl>
                                       </p:cBhvr>
                                     </p:animEffect>
-                                    <p:anim calcmode="lin" valueType="num">
-                                      <p:cBhvr>
-                                        <p:cTn id="8" dur="911" tmFilter="0,0; 0.14,0.36; 0.43,0.73; 0.71,0.91; 1.0,1.0">
-                                          <p:stCondLst>
-                                            <p:cond delay="0"/>
-                                          </p:stCondLst>
-                                        </p:cTn>
-                                        <p:tgtEl>
-                                          <p:spTgt spid="6"/>
-                                        </p:tgtEl>
-                                        <p:attrNameLst>
-                                          <p:attrName>ppt_x</p:attrName>
-                                        </p:attrNameLst>
-                                      </p:cBhvr>
-                                      <p:tavLst>
-                                        <p:tav tm="0">
-                                          <p:val>
-                                            <p:strVal val="#ppt_x-0.25"/>
-                                          </p:val>
-                                        </p:tav>
-                                        <p:tav tm="100000">
-                                          <p:val>
-                                            <p:strVal val="#ppt_x"/>
-                                          </p:val>
-                                        </p:tav>
-                                      </p:tavLst>
-                                    </p:anim>
-                                    <p:anim calcmode="lin" valueType="num">
-                                      <p:cBhvr>
-                                        <p:cTn id="9" dur="332" tmFilter="0.0,0.0; 0.25,0.07; 0.50,0.2; 0.75,0.467; 1.0,1.0">
-                                          <p:stCondLst>
-                                            <p:cond delay="0"/>
-                                          </p:stCondLst>
-                                        </p:cTn>
-                                        <p:tgtEl>
-                                          <p:spTgt spid="6"/>
-                                        </p:tgtEl>
-                                        <p:attrNameLst>
-                                          <p:attrName>ppt_y</p:attrName>
-                                        </p:attrNameLst>
-                                      </p:cBhvr>
-                                      <p:tavLst>
-                                        <p:tav tm="0" fmla="#ppt_y-sin(pi*$)/3">
-                                          <p:val>
-                                            <p:fltVal val="0.5"/>
-                                          </p:val>
-                                        </p:tav>
-                                        <p:tav tm="100000">
-                                          <p:val>
-                                            <p:fltVal val="1"/>
-                                          </p:val>
-                                        </p:tav>
-                                      </p:tavLst>
-                                    </p:anim>
-                                    <p:anim calcmode="lin" valueType="num">
-                                      <p:cBhvr>
-                                        <p:cTn id="10" dur="332" tmFilter="0, 0; 0.125,0.2665; 0.25,0.4; 0.375,0.465; 0.5,0.5;  0.625,0.535; 0.75,0.6; 0.875,0.7335; 1,1">
-                                          <p:stCondLst>
-                                            <p:cond delay="332"/>
-                                          </p:stCondLst>
-                                        </p:cTn>
-                                        <p:tgtEl>
-                                          <p:spTgt spid="6"/>
-                                        </p:tgtEl>
-                                        <p:attrNameLst>
-                                          <p:attrName>ppt_y</p:attrName>
-                                        </p:attrNameLst>
-                                      </p:cBhvr>
-                                      <p:tavLst>
-                                        <p:tav tm="0" fmla="#ppt_y-sin(pi*$)/9">
-                                          <p:val>
-                                            <p:fltVal val="0"/>
-                                          </p:val>
-                                        </p:tav>
-                                        <p:tav tm="100000">
-                                          <p:val>
-                                            <p:fltVal val="1"/>
-                                          </p:val>
-                                        </p:tav>
-                                      </p:tavLst>
-                                    </p:anim>
-                                    <p:anim calcmode="lin" valueType="num">
-                                      <p:cBhvr>
-                                        <p:cTn id="11" dur="166" tmFilter="0, 0; 0.125,0.2665; 0.25,0.4; 0.375,0.465; 0.5,0.5;  0.625,0.535; 0.75,0.6; 0.875,0.7335; 1,1">
-                                          <p:stCondLst>
-                                            <p:cond delay="662"/>
-                                          </p:stCondLst>
-                                        </p:cTn>
-                                        <p:tgtEl>
-                                          <p:spTgt spid="6"/>
-                                        </p:tgtEl>
-                                        <p:attrNameLst>
-                                          <p:attrName>ppt_y</p:attrName>
-                                        </p:attrNameLst>
-                                      </p:cBhvr>
-                                      <p:tavLst>
-                                        <p:tav tm="0" fmla="#ppt_y-sin(pi*$)/27">
-                                          <p:val>
-                                            <p:fltVal val="0"/>
-                                          </p:val>
-                                        </p:tav>
-                                        <p:tav tm="100000">
-                                          <p:val>
-                                            <p:fltVal val="1"/>
-                                          </p:val>
-                                        </p:tav>
-                                      </p:tavLst>
-                                    </p:anim>
-                                    <p:anim calcmode="lin" valueType="num">
-                                      <p:cBhvr>
-                                        <p:cTn id="12" dur="82" tmFilter="0, 0; 0.125,0.2665; 0.25,0.4; 0.375,0.465; 0.5,0.5;  0.625,0.535; 0.75,0.6; 0.875,0.7335; 1,1">
-                                          <p:stCondLst>
-                                            <p:cond delay="828"/>
-                                          </p:stCondLst>
-                                        </p:cTn>
-                                        <p:tgtEl>
-                                          <p:spTgt spid="6"/>
-                                        </p:tgtEl>
-                                        <p:attrNameLst>
-                                          <p:attrName>ppt_y</p:attrName>
-                                        </p:attrNameLst>
-                                      </p:cBhvr>
-                                      <p:tavLst>
-                                        <p:tav tm="0" fmla="#ppt_y-sin(pi*$)/81">
-                                          <p:val>
-                                            <p:fltVal val="0"/>
-                                          </p:val>
-                                        </p:tav>
-                                        <p:tav tm="100000">
-                                          <p:val>
-                                            <p:fltVal val="1"/>
-                                          </p:val>
-                                        </p:tav>
-                                      </p:tavLst>
-                                    </p:anim>
-                                    <p:animScale>
-                                      <p:cBhvr>
-                                        <p:cTn id="13" dur="13">
-                                          <p:stCondLst>
-                                            <p:cond delay="325"/>
-                                          </p:stCondLst>
-                                        </p:cTn>
-                                        <p:tgtEl>
-                                          <p:spTgt spid="6"/>
-                                        </p:tgtEl>
-                                      </p:cBhvr>
-                                      <p:to x="100000" y="60000"/>
-                                    </p:animScale>
-                                    <p:animScale>
-                                      <p:cBhvr>
-                                        <p:cTn id="14" dur="83" decel="50000">
-                                          <p:stCondLst>
-                                            <p:cond delay="338"/>
-                                          </p:stCondLst>
-                                        </p:cTn>
-                                        <p:tgtEl>
-                                          <p:spTgt spid="6"/>
-                                        </p:tgtEl>
-                                      </p:cBhvr>
-                                      <p:to x="100000" y="100000"/>
-                                    </p:animScale>
-                                    <p:animScale>
-                                      <p:cBhvr>
-                                        <p:cTn id="15" dur="13">
-                                          <p:stCondLst>
-                                            <p:cond delay="656"/>
-                                          </p:stCondLst>
-                                        </p:cTn>
-                                        <p:tgtEl>
-                                          <p:spTgt spid="6"/>
-                                        </p:tgtEl>
-                                      </p:cBhvr>
-                                      <p:to x="100000" y="80000"/>
-                                    </p:animScale>
-                                    <p:animScale>
-                                      <p:cBhvr>
-                                        <p:cTn id="16" dur="83" decel="50000">
-                                          <p:stCondLst>
-                                            <p:cond delay="669"/>
-                                          </p:stCondLst>
-                                        </p:cTn>
-                                        <p:tgtEl>
-                                          <p:spTgt spid="6"/>
-                                        </p:tgtEl>
-                                      </p:cBhvr>
-                                      <p:to x="100000" y="100000"/>
-                                    </p:animScale>
-                                    <p:animScale>
-                                      <p:cBhvr>
-                                        <p:cTn id="17" dur="13">
-                                          <p:stCondLst>
-                                            <p:cond delay="821"/>
-                                          </p:stCondLst>
-                                        </p:cTn>
-                                        <p:tgtEl>
-                                          <p:spTgt spid="6"/>
-                                        </p:tgtEl>
-                                      </p:cBhvr>
-                                      <p:to x="100000" y="90000"/>
-                                    </p:animScale>
-                                    <p:animScale>
-                                      <p:cBhvr>
-                                        <p:cTn id="18" dur="83" decel="50000">
-                                          <p:stCondLst>
-                                            <p:cond delay="834"/>
-                                          </p:stCondLst>
-                                        </p:cTn>
-                                        <p:tgtEl>
-                                          <p:spTgt spid="6"/>
-                                        </p:tgtEl>
-                                      </p:cBhvr>
-                                      <p:to x="100000" y="100000"/>
-                                    </p:animScale>
-                                    <p:animScale>
-                                      <p:cBhvr>
-                                        <p:cTn id="19" dur="13">
-                                          <p:stCondLst>
-                                            <p:cond delay="904"/>
-                                          </p:stCondLst>
-                                        </p:cTn>
-                                        <p:tgtEl>
-                                          <p:spTgt spid="6"/>
-                                        </p:tgtEl>
-                                      </p:cBhvr>
-                                      <p:to x="100000" y="95000"/>
-                                    </p:animScale>
-                                    <p:animScale>
-                                      <p:cBhvr>
-                                        <p:cTn id="20" dur="83" decel="50000">
-                                          <p:stCondLst>
-                                            <p:cond delay="917"/>
-                                          </p:stCondLst>
-                                        </p:cTn>
-                                        <p:tgtEl>
-                                          <p:spTgt spid="6"/>
-                                        </p:tgtEl>
-                                      </p:cBhvr>
-                                      <p:to x="100000" y="100000"/>
-                                    </p:animScale>
                                   </p:childTnLst>
                                 </p:cTn>
                               </p:par>
@@ -4323,6 +4797,244 @@
 </file>
 
 <file path=ppt/slides/slide4.xml><?xml version="1.0" encoding="utf-8"?>
+<p:sld xmlns:a="http://schemas.openxmlformats.org/drawingml/2006/main" xmlns:r="http://schemas.openxmlformats.org/officeDocument/2006/relationships" xmlns:p="http://schemas.openxmlformats.org/presentationml/2006/main">
+  <p:cSld>
+    <p:spTree>
+      <p:nvGrpSpPr>
+        <p:cNvPr id="1" name=""/>
+        <p:cNvGrpSpPr/>
+        <p:nvPr/>
+      </p:nvGrpSpPr>
+      <p:grpSpPr>
+        <a:xfrm>
+          <a:off x="0" y="0"/>
+          <a:ext cx="0" cy="0"/>
+          <a:chOff x="0" y="0"/>
+          <a:chExt cx="0" cy="0"/>
+        </a:xfrm>
+      </p:grpSpPr>
+      <p:sp>
+        <p:nvSpPr>
+          <p:cNvPr id="6" name="文字方塊 5">
+            <a:extLst>
+              <a:ext uri="{FF2B5EF4-FFF2-40B4-BE49-F238E27FC236}">
+                <a16:creationId xmlns:a16="http://schemas.microsoft.com/office/drawing/2014/main" id="{0586E0F8-8F14-4B71-9E8F-5BD617040669}"/>
+              </a:ext>
+            </a:extLst>
+          </p:cNvPr>
+          <p:cNvSpPr txBox="1"/>
+          <p:nvPr/>
+        </p:nvSpPr>
+        <p:spPr>
+          <a:xfrm>
+            <a:off x="233757" y="164770"/>
+            <a:ext cx="2238510" cy="646331"/>
+          </a:xfrm>
+          <a:prstGeom prst="rect">
+            <a:avLst/>
+          </a:prstGeom>
+          <a:blipFill dpi="0" rotWithShape="1">
+            <a:blip r:embed="rId2"/>
+            <a:srcRect/>
+            <a:tile tx="0" ty="0" sx="100000" sy="100000" flip="none" algn="tl"/>
+          </a:blipFill>
+        </p:spPr>
+        <p:txBody>
+          <a:bodyPr wrap="square" rtlCol="0">
+            <a:spAutoFit/>
+          </a:bodyPr>
+          <a:lstStyle/>
+          <a:p>
+            <a:r>
+              <a:rPr lang="zh-TW" altLang="en-US" sz="3600" dirty="0">
+                <a:latin typeface="方正兰亭黑Pro_GB18030 DemiBold" panose="02000700000000000000" pitchFamily="50" charset="-122"/>
+                <a:ea typeface="方正兰亭黑Pro_GB18030 DemiBold" panose="02000700000000000000" pitchFamily="50" charset="-122"/>
+              </a:rPr>
+              <a:t>系統架構</a:t>
+            </a:r>
+          </a:p>
+        </p:txBody>
+      </p:sp>
+      <p:pic>
+        <p:nvPicPr>
+          <p:cNvPr id="8" name="圖片 7">
+            <a:extLst>
+              <a:ext uri="{FF2B5EF4-FFF2-40B4-BE49-F238E27FC236}">
+                <a16:creationId xmlns:a16="http://schemas.microsoft.com/office/drawing/2014/main" id="{ECF7F942-C3C0-4E4D-B2D3-BB4F565E7619}"/>
+              </a:ext>
+            </a:extLst>
+          </p:cNvPr>
+          <p:cNvPicPr>
+            <a:picLocks noChangeAspect="1"/>
+          </p:cNvPicPr>
+          <p:nvPr/>
+        </p:nvPicPr>
+        <p:blipFill>
+          <a:blip r:embed="rId3">
+            <a:extLst>
+              <a:ext uri="{28A0092B-C50C-407E-A947-70E740481C1C}">
+                <a14:useLocalDpi xmlns:a14="http://schemas.microsoft.com/office/drawing/2010/main" val="0"/>
+              </a:ext>
+            </a:extLst>
+          </a:blip>
+          <a:stretch>
+            <a:fillRect/>
+          </a:stretch>
+        </p:blipFill>
+        <p:spPr>
+          <a:xfrm>
+            <a:off x="328545" y="972823"/>
+            <a:ext cx="8486910" cy="5792653"/>
+          </a:xfrm>
+          <a:prstGeom prst="rect">
+            <a:avLst/>
+          </a:prstGeom>
+        </p:spPr>
+      </p:pic>
+    </p:spTree>
+    <p:extLst>
+      <p:ext uri="{BB962C8B-B14F-4D97-AF65-F5344CB8AC3E}">
+        <p14:creationId xmlns:p14="http://schemas.microsoft.com/office/powerpoint/2010/main" val="1980000817"/>
+      </p:ext>
+    </p:extLst>
+  </p:cSld>
+  <p:clrMapOvr>
+    <a:masterClrMapping/>
+  </p:clrMapOvr>
+  <p:timing>
+    <p:tnLst>
+      <p:par>
+        <p:cTn id="1" dur="indefinite" restart="never" nodeType="tmRoot">
+          <p:childTnLst>
+            <p:seq concurrent="1" nextAc="seek">
+              <p:cTn id="2" dur="indefinite" nodeType="mainSeq">
+                <p:childTnLst>
+                  <p:par>
+                    <p:cTn id="3" fill="hold">
+                      <p:stCondLst>
+                        <p:cond delay="indefinite"/>
+                      </p:stCondLst>
+                      <p:childTnLst>
+                        <p:par>
+                          <p:cTn id="4" fill="hold">
+                            <p:stCondLst>
+                              <p:cond delay="0"/>
+                            </p:stCondLst>
+                            <p:childTnLst>
+                              <p:par>
+                                <p:cTn id="5" presetID="22" presetClass="entr" presetSubtype="8" fill="hold" grpId="0" nodeType="clickEffect">
+                                  <p:stCondLst>
+                                    <p:cond delay="0"/>
+                                  </p:stCondLst>
+                                  <p:childTnLst>
+                                    <p:set>
+                                      <p:cBhvr>
+                                        <p:cTn id="6" dur="1" fill="hold">
+                                          <p:stCondLst>
+                                            <p:cond delay="0"/>
+                                          </p:stCondLst>
+                                        </p:cTn>
+                                        <p:tgtEl>
+                                          <p:spTgt spid="6"/>
+                                        </p:tgtEl>
+                                        <p:attrNameLst>
+                                          <p:attrName>style.visibility</p:attrName>
+                                        </p:attrNameLst>
+                                      </p:cBhvr>
+                                      <p:to>
+                                        <p:strVal val="visible"/>
+                                      </p:to>
+                                    </p:set>
+                                    <p:animEffect transition="in" filter="wipe(left)">
+                                      <p:cBhvr>
+                                        <p:cTn id="7" dur="500"/>
+                                        <p:tgtEl>
+                                          <p:spTgt spid="6"/>
+                                        </p:tgtEl>
+                                      </p:cBhvr>
+                                    </p:animEffect>
+                                  </p:childTnLst>
+                                </p:cTn>
+                              </p:par>
+                            </p:childTnLst>
+                          </p:cTn>
+                        </p:par>
+                        <p:par>
+                          <p:cTn id="8" fill="hold">
+                            <p:stCondLst>
+                              <p:cond delay="500"/>
+                            </p:stCondLst>
+                            <p:childTnLst>
+                              <p:par>
+                                <p:cTn id="9" presetID="10" presetClass="entr" presetSubtype="0" fill="hold" nodeType="afterEffect">
+                                  <p:stCondLst>
+                                    <p:cond delay="0"/>
+                                  </p:stCondLst>
+                                  <p:childTnLst>
+                                    <p:set>
+                                      <p:cBhvr>
+                                        <p:cTn id="10" dur="1" fill="hold">
+                                          <p:stCondLst>
+                                            <p:cond delay="0"/>
+                                          </p:stCondLst>
+                                        </p:cTn>
+                                        <p:tgtEl>
+                                          <p:spTgt spid="8"/>
+                                        </p:tgtEl>
+                                        <p:attrNameLst>
+                                          <p:attrName>style.visibility</p:attrName>
+                                        </p:attrNameLst>
+                                      </p:cBhvr>
+                                      <p:to>
+                                        <p:strVal val="visible"/>
+                                      </p:to>
+                                    </p:set>
+                                    <p:animEffect transition="in" filter="fade">
+                                      <p:cBhvr>
+                                        <p:cTn id="11" dur="500"/>
+                                        <p:tgtEl>
+                                          <p:spTgt spid="8"/>
+                                        </p:tgtEl>
+                                      </p:cBhvr>
+                                    </p:animEffect>
+                                  </p:childTnLst>
+                                </p:cTn>
+                              </p:par>
+                            </p:childTnLst>
+                          </p:cTn>
+                        </p:par>
+                      </p:childTnLst>
+                    </p:cTn>
+                  </p:par>
+                </p:childTnLst>
+              </p:cTn>
+              <p:prevCondLst>
+                <p:cond evt="onPrev" delay="0">
+                  <p:tgtEl>
+                    <p:sldTgt/>
+                  </p:tgtEl>
+                </p:cond>
+              </p:prevCondLst>
+              <p:nextCondLst>
+                <p:cond evt="onNext" delay="0">
+                  <p:tgtEl>
+                    <p:sldTgt/>
+                  </p:tgtEl>
+                </p:cond>
+              </p:nextCondLst>
+            </p:seq>
+          </p:childTnLst>
+        </p:cTn>
+      </p:par>
+    </p:tnLst>
+    <p:bldLst>
+      <p:bldP spid="6" grpId="0" animBg="1"/>
+    </p:bldLst>
+  </p:timing>
+</p:sld>
+</file>
+
+<file path=ppt/slides/slide5.xml><?xml version="1.0" encoding="utf-8"?>
 <p:sld xmlns:a="http://schemas.openxmlformats.org/drawingml/2006/main" xmlns:r="http://schemas.openxmlformats.org/officeDocument/2006/relationships" xmlns:p="http://schemas.openxmlformats.org/presentationml/2006/main">
   <p:cSld>
     <p:spTree>
@@ -4383,7 +5095,7 @@
         </p:nvSpPr>
         <p:spPr>
           <a:xfrm>
-            <a:off x="233757" y="164770"/>
+            <a:off x="147242" y="156852"/>
             <a:ext cx="2180703" cy="646331"/>
           </a:xfrm>
           <a:prstGeom prst="rect">
@@ -7841,7 +8553,239 @@
 </p:sld>
 </file>
 
-<file path=ppt/slides/slide5.xml><?xml version="1.0" encoding="utf-8"?>
+<file path=ppt/slides/slide6.xml><?xml version="1.0" encoding="utf-8"?>
+<p:sld xmlns:a="http://schemas.openxmlformats.org/drawingml/2006/main" xmlns:r="http://schemas.openxmlformats.org/officeDocument/2006/relationships" xmlns:p="http://schemas.openxmlformats.org/presentationml/2006/main">
+  <p:cSld>
+    <p:spTree>
+      <p:nvGrpSpPr>
+        <p:cNvPr id="1" name=""/>
+        <p:cNvGrpSpPr/>
+        <p:nvPr/>
+      </p:nvGrpSpPr>
+      <p:grpSpPr>
+        <a:xfrm>
+          <a:off x="0" y="0"/>
+          <a:ext cx="0" cy="0"/>
+          <a:chOff x="0" y="0"/>
+          <a:chExt cx="0" cy="0"/>
+        </a:xfrm>
+      </p:grpSpPr>
+      <p:sp>
+        <p:nvSpPr>
+          <p:cNvPr id="4" name="文字方塊 3">
+            <a:extLst>
+              <a:ext uri="{FF2B5EF4-FFF2-40B4-BE49-F238E27FC236}">
+                <a16:creationId xmlns:a16="http://schemas.microsoft.com/office/drawing/2014/main" id="{2D8181A4-D351-4DC2-9456-1EC327BB8E07}"/>
+              </a:ext>
+            </a:extLst>
+          </p:cNvPr>
+          <p:cNvSpPr txBox="1"/>
+          <p:nvPr/>
+        </p:nvSpPr>
+        <p:spPr>
+          <a:xfrm>
+            <a:off x="147242" y="156852"/>
+            <a:ext cx="2180703" cy="646331"/>
+          </a:xfrm>
+          <a:prstGeom prst="rect">
+            <a:avLst/>
+          </a:prstGeom>
+          <a:blipFill dpi="0" rotWithShape="1">
+            <a:blip r:embed="rId2"/>
+            <a:srcRect/>
+            <a:tile tx="0" ty="0" sx="100000" sy="100000" flip="none" algn="tl"/>
+          </a:blipFill>
+        </p:spPr>
+        <p:txBody>
+          <a:bodyPr wrap="square" rtlCol="0">
+            <a:spAutoFit/>
+          </a:bodyPr>
+          <a:lstStyle/>
+          <a:p>
+            <a:r>
+              <a:rPr lang="zh-TW" altLang="en-US" sz="3600" dirty="0">
+                <a:latin typeface="方正兰亭黑Pro_GB18030 DemiBold" panose="02000700000000000000" pitchFamily="50" charset="-122"/>
+                <a:ea typeface="方正兰亭黑Pro_GB18030 DemiBold" panose="02000700000000000000" pitchFamily="50" charset="-122"/>
+              </a:rPr>
+              <a:t>新建角色</a:t>
+            </a:r>
+          </a:p>
+        </p:txBody>
+      </p:sp>
+      <p:pic>
+        <p:nvPicPr>
+          <p:cNvPr id="8" name="圖片 7">
+            <a:extLst>
+              <a:ext uri="{FF2B5EF4-FFF2-40B4-BE49-F238E27FC236}">
+                <a16:creationId xmlns:a16="http://schemas.microsoft.com/office/drawing/2014/main" id="{21D46E20-E348-4636-8EC0-E61148D06F3B}"/>
+              </a:ext>
+            </a:extLst>
+          </p:cNvPr>
+          <p:cNvPicPr>
+            <a:picLocks noChangeAspect="1"/>
+          </p:cNvPicPr>
+          <p:nvPr/>
+        </p:nvPicPr>
+        <p:blipFill>
+          <a:blip r:embed="rId3"/>
+          <a:stretch>
+            <a:fillRect/>
+          </a:stretch>
+        </p:blipFill>
+        <p:spPr>
+          <a:xfrm>
+            <a:off x="713836" y="956917"/>
+            <a:ext cx="7716327" cy="4944165"/>
+          </a:xfrm>
+          <a:prstGeom prst="rect">
+            <a:avLst/>
+          </a:prstGeom>
+        </p:spPr>
+      </p:pic>
+    </p:spTree>
+    <p:extLst>
+      <p:ext uri="{BB962C8B-B14F-4D97-AF65-F5344CB8AC3E}">
+        <p14:creationId xmlns:p14="http://schemas.microsoft.com/office/powerpoint/2010/main" val="1635981293"/>
+      </p:ext>
+    </p:extLst>
+  </p:cSld>
+  <p:clrMapOvr>
+    <a:masterClrMapping/>
+  </p:clrMapOvr>
+  <p:timing>
+    <p:tnLst>
+      <p:par>
+        <p:cTn id="1" dur="indefinite" restart="never" nodeType="tmRoot">
+          <p:childTnLst>
+            <p:seq concurrent="1" nextAc="seek">
+              <p:cTn id="2" dur="indefinite" nodeType="mainSeq">
+                <p:childTnLst>
+                  <p:par>
+                    <p:cTn id="3" fill="hold">
+                      <p:stCondLst>
+                        <p:cond delay="indefinite"/>
+                      </p:stCondLst>
+                      <p:childTnLst>
+                        <p:par>
+                          <p:cTn id="4" fill="hold">
+                            <p:stCondLst>
+                              <p:cond delay="0"/>
+                            </p:stCondLst>
+                            <p:childTnLst>
+                              <p:par>
+                                <p:cTn id="5" presetID="22" presetClass="entr" presetSubtype="8" fill="hold" grpId="0" nodeType="clickEffect">
+                                  <p:stCondLst>
+                                    <p:cond delay="0"/>
+                                  </p:stCondLst>
+                                  <p:childTnLst>
+                                    <p:set>
+                                      <p:cBhvr>
+                                        <p:cTn id="6" dur="1" fill="hold">
+                                          <p:stCondLst>
+                                            <p:cond delay="0"/>
+                                          </p:stCondLst>
+                                        </p:cTn>
+                                        <p:tgtEl>
+                                          <p:spTgt spid="4"/>
+                                        </p:tgtEl>
+                                        <p:attrNameLst>
+                                          <p:attrName>style.visibility</p:attrName>
+                                        </p:attrNameLst>
+                                      </p:cBhvr>
+                                      <p:to>
+                                        <p:strVal val="visible"/>
+                                      </p:to>
+                                    </p:set>
+                                    <p:animEffect transition="in" filter="wipe(left)">
+                                      <p:cBhvr>
+                                        <p:cTn id="7" dur="500"/>
+                                        <p:tgtEl>
+                                          <p:spTgt spid="4"/>
+                                        </p:tgtEl>
+                                      </p:cBhvr>
+                                    </p:animEffect>
+                                  </p:childTnLst>
+                                </p:cTn>
+                              </p:par>
+                            </p:childTnLst>
+                          </p:cTn>
+                        </p:par>
+                        <p:par>
+                          <p:cTn id="8" fill="hold">
+                            <p:stCondLst>
+                              <p:cond delay="500"/>
+                            </p:stCondLst>
+                            <p:childTnLst>
+                              <p:par>
+                                <p:cTn id="9" presetID="22" presetClass="entr" presetSubtype="8" fill="hold" nodeType="afterEffect">
+                                  <p:stCondLst>
+                                    <p:cond delay="0"/>
+                                  </p:stCondLst>
+                                  <p:childTnLst>
+                                    <p:set>
+                                      <p:cBhvr>
+                                        <p:cTn id="10" dur="1" fill="hold">
+                                          <p:stCondLst>
+                                            <p:cond delay="0"/>
+                                          </p:stCondLst>
+                                        </p:cTn>
+                                        <p:tgtEl>
+                                          <p:spTgt spid="8"/>
+                                        </p:tgtEl>
+                                        <p:attrNameLst>
+                                          <p:attrName>style.visibility</p:attrName>
+                                        </p:attrNameLst>
+                                      </p:cBhvr>
+                                      <p:to>
+                                        <p:strVal val="visible"/>
+                                      </p:to>
+                                    </p:set>
+                                    <p:animEffect transition="in" filter="wipe(left)">
+                                      <p:cBhvr>
+                                        <p:cTn id="11" dur="500"/>
+                                        <p:tgtEl>
+                                          <p:spTgt spid="8"/>
+                                        </p:tgtEl>
+                                      </p:cBhvr>
+                                    </p:animEffect>
+                                  </p:childTnLst>
+                                </p:cTn>
+                              </p:par>
+                            </p:childTnLst>
+                          </p:cTn>
+                        </p:par>
+                      </p:childTnLst>
+                    </p:cTn>
+                  </p:par>
+                </p:childTnLst>
+              </p:cTn>
+              <p:prevCondLst>
+                <p:cond evt="onPrev" delay="0">
+                  <p:tgtEl>
+                    <p:sldTgt/>
+                  </p:tgtEl>
+                </p:cond>
+              </p:prevCondLst>
+              <p:nextCondLst>
+                <p:cond evt="onNext" delay="0">
+                  <p:tgtEl>
+                    <p:sldTgt/>
+                  </p:tgtEl>
+                </p:cond>
+              </p:nextCondLst>
+            </p:seq>
+          </p:childTnLst>
+        </p:cTn>
+      </p:par>
+    </p:tnLst>
+    <p:bldLst>
+      <p:bldP spid="4" grpId="0" animBg="1"/>
+    </p:bldLst>
+  </p:timing>
+</p:sld>
+</file>
+
+<file path=ppt/slides/slide7.xml><?xml version="1.0" encoding="utf-8"?>
 <p:sld xmlns:a="http://schemas.openxmlformats.org/drawingml/2006/main" xmlns:r="http://schemas.openxmlformats.org/officeDocument/2006/relationships" xmlns:p="http://schemas.openxmlformats.org/presentationml/2006/main">
   <p:cSld>
     <p:spTree>
@@ -8198,7 +9142,7 @@
 </p:sld>
 </file>
 
-<file path=ppt/slides/slide6.xml><?xml version="1.0" encoding="utf-8"?>
+<file path=ppt/slides/slide8.xml><?xml version="1.0" encoding="utf-8"?>
 <p:sld xmlns:a="http://schemas.openxmlformats.org/drawingml/2006/main" xmlns:r="http://schemas.openxmlformats.org/officeDocument/2006/relationships" xmlns:p="http://schemas.openxmlformats.org/presentationml/2006/main">
   <p:cSld>
     <p:spTree>
@@ -8237,7 +9181,7 @@
         </p:blipFill>
         <p:spPr>
           <a:xfrm>
-            <a:off x="713836" y="1658775"/>
+            <a:off x="713836" y="1193105"/>
             <a:ext cx="7716327" cy="4944165"/>
           </a:xfrm>
           <a:prstGeom prst="rect">
@@ -8307,7 +9251,7 @@
         </p:blipFill>
         <p:spPr>
           <a:xfrm>
-            <a:off x="713835" y="1658775"/>
+            <a:off x="713835" y="1193104"/>
             <a:ext cx="7716327" cy="4944165"/>
           </a:xfrm>
           <a:prstGeom prst="rect">
@@ -8464,7 +9408,7 @@
 </p:sld>
 </file>
 
-<file path=ppt/slides/slide7.xml><?xml version="1.0" encoding="utf-8"?>
+<file path=ppt/slides/slide9.xml><?xml version="1.0" encoding="utf-8"?>
 <p:sld xmlns:a="http://schemas.openxmlformats.org/drawingml/2006/main" xmlns:r="http://schemas.openxmlformats.org/officeDocument/2006/relationships" xmlns:p="http://schemas.openxmlformats.org/presentationml/2006/main">
   <p:cSld>
     <p:spTree>
@@ -8976,664 +9920,6 @@
       </p:par>
     </p:tnLst>
   </p:timing>
-</p:sld>
-</file>
-
-<file path=ppt/slides/slide8.xml><?xml version="1.0" encoding="utf-8"?>
-<p:sld xmlns:a="http://schemas.openxmlformats.org/drawingml/2006/main" xmlns:r="http://schemas.openxmlformats.org/officeDocument/2006/relationships" xmlns:p="http://schemas.openxmlformats.org/presentationml/2006/main">
-  <p:cSld>
-    <p:spTree>
-      <p:nvGrpSpPr>
-        <p:cNvPr id="1" name=""/>
-        <p:cNvGrpSpPr/>
-        <p:nvPr/>
-      </p:nvGrpSpPr>
-      <p:grpSpPr>
-        <a:xfrm>
-          <a:off x="0" y="0"/>
-          <a:ext cx="0" cy="0"/>
-          <a:chOff x="0" y="0"/>
-          <a:chExt cx="0" cy="0"/>
-        </a:xfrm>
-      </p:grpSpPr>
-      <p:sp>
-        <p:nvSpPr>
-          <p:cNvPr id="4" name="標題 1">
-            <a:extLst>
-              <a:ext uri="{FF2B5EF4-FFF2-40B4-BE49-F238E27FC236}">
-                <a16:creationId xmlns:a16="http://schemas.microsoft.com/office/drawing/2014/main" id="{14DE5FB5-8580-4E59-A524-122C750EEF0A}"/>
-              </a:ext>
-            </a:extLst>
-          </p:cNvPr>
-          <p:cNvSpPr>
-            <a:spLocks noGrp="1"/>
-          </p:cNvSpPr>
-          <p:nvPr>
-            <p:ph type="title"/>
-          </p:nvPr>
-        </p:nvSpPr>
-        <p:spPr>
-          <a:xfrm>
-            <a:off x="349251" y="255060"/>
-            <a:ext cx="1250949" cy="557741"/>
-          </a:xfrm>
-          <a:blipFill dpi="0" rotWithShape="1">
-            <a:blip r:embed="rId2"/>
-            <a:srcRect/>
-            <a:tile tx="0" ty="0" sx="100000" sy="100000" flip="none" algn="tl"/>
-          </a:blipFill>
-        </p:spPr>
-        <p:txBody>
-          <a:bodyPr>
-            <a:normAutofit fontScale="90000"/>
-          </a:bodyPr>
-          <a:lstStyle/>
-          <a:p>
-            <a:r>
-              <a:rPr lang="zh-TW" altLang="en-US" dirty="0"/>
-              <a:t>選單</a:t>
-            </a:r>
-          </a:p>
-        </p:txBody>
-      </p:sp>
-      <p:pic>
-        <p:nvPicPr>
-          <p:cNvPr id="6" name="圖片 5">
-            <a:extLst>
-              <a:ext uri="{FF2B5EF4-FFF2-40B4-BE49-F238E27FC236}">
-                <a16:creationId xmlns:a16="http://schemas.microsoft.com/office/drawing/2014/main" id="{9C76B0AA-58F8-468B-9475-D15DCB4941DE}"/>
-              </a:ext>
-            </a:extLst>
-          </p:cNvPr>
-          <p:cNvPicPr>
-            <a:picLocks noChangeAspect="1"/>
-          </p:cNvPicPr>
-          <p:nvPr/>
-        </p:nvPicPr>
-        <p:blipFill>
-          <a:blip r:embed="rId3"/>
-          <a:stretch>
-            <a:fillRect/>
-          </a:stretch>
-        </p:blipFill>
-        <p:spPr>
-          <a:xfrm>
-            <a:off x="713835" y="1439517"/>
-            <a:ext cx="7716327" cy="4944165"/>
-          </a:xfrm>
-          <a:prstGeom prst="rect">
-            <a:avLst/>
-          </a:prstGeom>
-        </p:spPr>
-      </p:pic>
-      <p:pic>
-        <p:nvPicPr>
-          <p:cNvPr id="8" name="圖片 7">
-            <a:extLst>
-              <a:ext uri="{FF2B5EF4-FFF2-40B4-BE49-F238E27FC236}">
-                <a16:creationId xmlns:a16="http://schemas.microsoft.com/office/drawing/2014/main" id="{6592142C-111F-4B8A-A5D8-B3322B15A2E0}"/>
-              </a:ext>
-            </a:extLst>
-          </p:cNvPr>
-          <p:cNvPicPr>
-            <a:picLocks noChangeAspect="1"/>
-          </p:cNvPicPr>
-          <p:nvPr/>
-        </p:nvPicPr>
-        <p:blipFill>
-          <a:blip r:embed="rId4"/>
-          <a:stretch>
-            <a:fillRect/>
-          </a:stretch>
-        </p:blipFill>
-        <p:spPr>
-          <a:xfrm>
-            <a:off x="713836" y="1439517"/>
-            <a:ext cx="7716327" cy="4944165"/>
-          </a:xfrm>
-          <a:prstGeom prst="rect">
-            <a:avLst/>
-          </a:prstGeom>
-        </p:spPr>
-      </p:pic>
-    </p:spTree>
-    <p:extLst>
-      <p:ext uri="{BB962C8B-B14F-4D97-AF65-F5344CB8AC3E}">
-        <p14:creationId xmlns:p14="http://schemas.microsoft.com/office/powerpoint/2010/main" val="2139839948"/>
-      </p:ext>
-    </p:extLst>
-  </p:cSld>
-  <p:clrMapOvr>
-    <a:masterClrMapping/>
-  </p:clrMapOvr>
-  <p:timing>
-    <p:tnLst>
-      <p:par>
-        <p:cTn id="1" dur="indefinite" restart="never" nodeType="tmRoot">
-          <p:childTnLst>
-            <p:seq concurrent="1" nextAc="seek">
-              <p:cTn id="2" dur="indefinite" nodeType="mainSeq">
-                <p:childTnLst>
-                  <p:par>
-                    <p:cTn id="3" fill="hold">
-                      <p:stCondLst>
-                        <p:cond delay="indefinite"/>
-                      </p:stCondLst>
-                      <p:childTnLst>
-                        <p:par>
-                          <p:cTn id="4" fill="hold">
-                            <p:stCondLst>
-                              <p:cond delay="0"/>
-                            </p:stCondLst>
-                            <p:childTnLst>
-                              <p:par>
-                                <p:cTn id="5" presetID="22" presetClass="entr" presetSubtype="4" fill="hold" nodeType="clickEffect">
-                                  <p:stCondLst>
-                                    <p:cond delay="0"/>
-                                  </p:stCondLst>
-                                  <p:childTnLst>
-                                    <p:set>
-                                      <p:cBhvr>
-                                        <p:cTn id="6" dur="1" fill="hold">
-                                          <p:stCondLst>
-                                            <p:cond delay="0"/>
-                                          </p:stCondLst>
-                                        </p:cTn>
-                                        <p:tgtEl>
-                                          <p:spTgt spid="6"/>
-                                        </p:tgtEl>
-                                        <p:attrNameLst>
-                                          <p:attrName>style.visibility</p:attrName>
-                                        </p:attrNameLst>
-                                      </p:cBhvr>
-                                      <p:to>
-                                        <p:strVal val="visible"/>
-                                      </p:to>
-                                    </p:set>
-                                    <p:animEffect transition="in" filter="wipe(down)">
-                                      <p:cBhvr>
-                                        <p:cTn id="7" dur="500"/>
-                                        <p:tgtEl>
-                                          <p:spTgt spid="6"/>
-                                        </p:tgtEl>
-                                      </p:cBhvr>
-                                    </p:animEffect>
-                                  </p:childTnLst>
-                                </p:cTn>
-                              </p:par>
-                            </p:childTnLst>
-                          </p:cTn>
-                        </p:par>
-                      </p:childTnLst>
-                    </p:cTn>
-                  </p:par>
-                  <p:par>
-                    <p:cTn id="8" fill="hold">
-                      <p:stCondLst>
-                        <p:cond delay="indefinite"/>
-                      </p:stCondLst>
-                      <p:childTnLst>
-                        <p:par>
-                          <p:cTn id="9" fill="hold">
-                            <p:stCondLst>
-                              <p:cond delay="0"/>
-                            </p:stCondLst>
-                            <p:childTnLst>
-                              <p:par>
-                                <p:cTn id="10" presetID="22" presetClass="entr" presetSubtype="4" fill="hold" nodeType="clickEffect">
-                                  <p:stCondLst>
-                                    <p:cond delay="0"/>
-                                  </p:stCondLst>
-                                  <p:childTnLst>
-                                    <p:set>
-                                      <p:cBhvr>
-                                        <p:cTn id="11" dur="1" fill="hold">
-                                          <p:stCondLst>
-                                            <p:cond delay="0"/>
-                                          </p:stCondLst>
-                                        </p:cTn>
-                                        <p:tgtEl>
-                                          <p:spTgt spid="8"/>
-                                        </p:tgtEl>
-                                        <p:attrNameLst>
-                                          <p:attrName>style.visibility</p:attrName>
-                                        </p:attrNameLst>
-                                      </p:cBhvr>
-                                      <p:to>
-                                        <p:strVal val="visible"/>
-                                      </p:to>
-                                    </p:set>
-                                    <p:animEffect transition="in" filter="wipe(down)">
-                                      <p:cBhvr>
-                                        <p:cTn id="12" dur="500"/>
-                                        <p:tgtEl>
-                                          <p:spTgt spid="8"/>
-                                        </p:tgtEl>
-                                      </p:cBhvr>
-                                    </p:animEffect>
-                                  </p:childTnLst>
-                                </p:cTn>
-                              </p:par>
-                            </p:childTnLst>
-                          </p:cTn>
-                        </p:par>
-                      </p:childTnLst>
-                    </p:cTn>
-                  </p:par>
-                </p:childTnLst>
-              </p:cTn>
-              <p:prevCondLst>
-                <p:cond evt="onPrev" delay="0">
-                  <p:tgtEl>
-                    <p:sldTgt/>
-                  </p:tgtEl>
-                </p:cond>
-              </p:prevCondLst>
-              <p:nextCondLst>
-                <p:cond evt="onNext" delay="0">
-                  <p:tgtEl>
-                    <p:sldTgt/>
-                  </p:tgtEl>
-                </p:cond>
-              </p:nextCondLst>
-            </p:seq>
-          </p:childTnLst>
-        </p:cTn>
-      </p:par>
-    </p:tnLst>
-  </p:timing>
-</p:sld>
-</file>
-
-<file path=ppt/slides/slide9.xml><?xml version="1.0" encoding="utf-8"?>
-<p:sld xmlns:a="http://schemas.openxmlformats.org/drawingml/2006/main" xmlns:r="http://schemas.openxmlformats.org/officeDocument/2006/relationships" xmlns:p="http://schemas.openxmlformats.org/presentationml/2006/main">
-  <p:cSld>
-    <p:spTree>
-      <p:nvGrpSpPr>
-        <p:cNvPr id="1" name=""/>
-        <p:cNvGrpSpPr/>
-        <p:nvPr/>
-      </p:nvGrpSpPr>
-      <p:grpSpPr>
-        <a:xfrm>
-          <a:off x="0" y="0"/>
-          <a:ext cx="0" cy="0"/>
-          <a:chOff x="0" y="0"/>
-          <a:chExt cx="0" cy="0"/>
-        </a:xfrm>
-      </p:grpSpPr>
-      <p:graphicFrame>
-        <p:nvGraphicFramePr>
-          <p:cNvPr id="5" name="物件 4">
-            <a:extLst>
-              <a:ext uri="{FF2B5EF4-FFF2-40B4-BE49-F238E27FC236}">
-                <a16:creationId xmlns:a16="http://schemas.microsoft.com/office/drawing/2014/main" id="{AC3086A6-77FD-46BC-BFB5-74EF7F547465}"/>
-              </a:ext>
-            </a:extLst>
-          </p:cNvPr>
-          <p:cNvGraphicFramePr>
-            <a:graphicFrameLocks noChangeAspect="1"/>
-          </p:cNvGraphicFramePr>
-          <p:nvPr>
-            <p:extLst>
-              <p:ext uri="{D42A27DB-BD31-4B8C-83A1-F6EECF244321}">
-                <p14:modId xmlns:p14="http://schemas.microsoft.com/office/powerpoint/2010/main" val="1497338768"/>
-              </p:ext>
-            </p:extLst>
-          </p:nvPr>
-        </p:nvGraphicFramePr>
-        <p:xfrm>
-          <a:off x="30908" y="1604168"/>
-          <a:ext cx="9082184" cy="3649663"/>
-        </p:xfrm>
-        <a:graphic>
-          <a:graphicData uri="http://schemas.openxmlformats.org/presentationml/2006/ole">
-            <mc:AlternateContent xmlns:mc="http://schemas.openxmlformats.org/markup-compatibility/2006">
-              <mc:Choice xmlns:v="urn:schemas-microsoft-com:vml" Requires="v">
-                <p:oleObj spid="_x0000_s1029" name="Worksheet" r:id="rId3" imgW="11953798" imgH="3990864" progId="Excel.Sheet.12">
-                  <p:embed/>
-                </p:oleObj>
-              </mc:Choice>
-              <mc:Fallback>
-                <p:oleObj name="Worksheet" r:id="rId3" imgW="11953798" imgH="3990864" progId="Excel.Sheet.12">
-                  <p:embed/>
-                  <p:pic>
-                    <p:nvPicPr>
-                      <p:cNvPr id="0" name=""/>
-                      <p:cNvPicPr/>
-                      <p:nvPr/>
-                    </p:nvPicPr>
-                    <p:blipFill>
-                      <a:blip r:embed="rId4"/>
-                      <a:stretch>
-                        <a:fillRect/>
-                      </a:stretch>
-                    </p:blipFill>
-                    <p:spPr>
-                      <a:xfrm>
-                        <a:off x="30908" y="1604168"/>
-                        <a:ext cx="9082184" cy="3649663"/>
-                      </a:xfrm>
-                      <a:prstGeom prst="rect">
-                        <a:avLst/>
-                      </a:prstGeom>
-                    </p:spPr>
-                  </p:pic>
-                </p:oleObj>
-              </mc:Fallback>
-            </mc:AlternateContent>
-          </a:graphicData>
-        </a:graphic>
-      </p:graphicFrame>
-      <p:sp>
-        <p:nvSpPr>
-          <p:cNvPr id="6" name="標題 1">
-            <a:extLst>
-              <a:ext uri="{FF2B5EF4-FFF2-40B4-BE49-F238E27FC236}">
-                <a16:creationId xmlns:a16="http://schemas.microsoft.com/office/drawing/2014/main" id="{C468DEEA-2BF8-456E-B904-E76DD8525AB9}"/>
-              </a:ext>
-            </a:extLst>
-          </p:cNvPr>
-          <p:cNvSpPr>
-            <a:spLocks noGrp="1"/>
-          </p:cNvSpPr>
-          <p:nvPr>
-            <p:ph type="title"/>
-          </p:nvPr>
-        </p:nvSpPr>
-        <p:spPr>
-          <a:xfrm>
-            <a:off x="349251" y="255060"/>
-            <a:ext cx="2266949" cy="557741"/>
-          </a:xfrm>
-          <a:blipFill dpi="0" rotWithShape="1">
-            <a:blip r:embed="rId5"/>
-            <a:srcRect/>
-            <a:tile tx="0" ty="0" sx="100000" sy="100000" flip="none" algn="tl"/>
-          </a:blipFill>
-        </p:spPr>
-        <p:txBody>
-          <a:bodyPr>
-            <a:normAutofit fontScale="90000"/>
-          </a:bodyPr>
-          <a:lstStyle/>
-          <a:p>
-            <a:r>
-              <a:rPr lang="zh-TW" altLang="en-US" dirty="0"/>
-              <a:t>開發日誌</a:t>
-            </a:r>
-          </a:p>
-        </p:txBody>
-      </p:sp>
-      <p:graphicFrame>
-        <p:nvGraphicFramePr>
-          <p:cNvPr id="8" name="表格 8">
-            <a:extLst>
-              <a:ext uri="{FF2B5EF4-FFF2-40B4-BE49-F238E27FC236}">
-                <a16:creationId xmlns:a16="http://schemas.microsoft.com/office/drawing/2014/main" id="{3194788F-0F20-413C-8F96-88BB25E11A73}"/>
-              </a:ext>
-            </a:extLst>
-          </p:cNvPr>
-          <p:cNvGraphicFramePr>
-            <a:graphicFrameLocks noGrp="1"/>
-          </p:cNvGraphicFramePr>
-          <p:nvPr>
-            <p:extLst>
-              <p:ext uri="{D42A27DB-BD31-4B8C-83A1-F6EECF244321}">
-                <p14:modId xmlns:p14="http://schemas.microsoft.com/office/powerpoint/2010/main" val="3951268543"/>
-              </p:ext>
-            </p:extLst>
-          </p:nvPr>
-        </p:nvGraphicFramePr>
-        <p:xfrm>
-          <a:off x="0" y="5674358"/>
-          <a:ext cx="9144000" cy="370840"/>
-        </p:xfrm>
-        <a:graphic>
-          <a:graphicData uri="http://schemas.openxmlformats.org/drawingml/2006/table">
-            <a:tbl>
-              <a:tblPr firstRow="1" bandRow="1">
-                <a:tableStyleId>{5C22544A-7EE6-4342-B048-85BDC9FD1C3A}</a:tableStyleId>
-              </a:tblPr>
-              <a:tblGrid>
-                <a:gridCol w="1143000">
-                  <a:extLst>
-                    <a:ext uri="{9D8B030D-6E8A-4147-A177-3AD203B41FA5}">
-                      <a16:colId xmlns:a16="http://schemas.microsoft.com/office/drawing/2014/main" val="2987149438"/>
-                    </a:ext>
-                  </a:extLst>
-                </a:gridCol>
-                <a:gridCol w="1143000">
-                  <a:extLst>
-                    <a:ext uri="{9D8B030D-6E8A-4147-A177-3AD203B41FA5}">
-                      <a16:colId xmlns:a16="http://schemas.microsoft.com/office/drawing/2014/main" val="929843618"/>
-                    </a:ext>
-                  </a:extLst>
-                </a:gridCol>
-                <a:gridCol w="1143000">
-                  <a:extLst>
-                    <a:ext uri="{9D8B030D-6E8A-4147-A177-3AD203B41FA5}">
-                      <a16:colId xmlns:a16="http://schemas.microsoft.com/office/drawing/2014/main" val="1302300580"/>
-                    </a:ext>
-                  </a:extLst>
-                </a:gridCol>
-                <a:gridCol w="1143000">
-                  <a:extLst>
-                    <a:ext uri="{9D8B030D-6E8A-4147-A177-3AD203B41FA5}">
-                      <a16:colId xmlns:a16="http://schemas.microsoft.com/office/drawing/2014/main" val="3012901688"/>
-                    </a:ext>
-                  </a:extLst>
-                </a:gridCol>
-                <a:gridCol w="1143000">
-                  <a:extLst>
-                    <a:ext uri="{9D8B030D-6E8A-4147-A177-3AD203B41FA5}">
-                      <a16:colId xmlns:a16="http://schemas.microsoft.com/office/drawing/2014/main" val="2851238487"/>
-                    </a:ext>
-                  </a:extLst>
-                </a:gridCol>
-                <a:gridCol w="1143000">
-                  <a:extLst>
-                    <a:ext uri="{9D8B030D-6E8A-4147-A177-3AD203B41FA5}">
-                      <a16:colId xmlns:a16="http://schemas.microsoft.com/office/drawing/2014/main" val="2989070361"/>
-                    </a:ext>
-                  </a:extLst>
-                </a:gridCol>
-                <a:gridCol w="1143000">
-                  <a:extLst>
-                    <a:ext uri="{9D8B030D-6E8A-4147-A177-3AD203B41FA5}">
-                      <a16:colId xmlns:a16="http://schemas.microsoft.com/office/drawing/2014/main" val="1181675318"/>
-                    </a:ext>
-                  </a:extLst>
-                </a:gridCol>
-                <a:gridCol w="1143000">
-                  <a:extLst>
-                    <a:ext uri="{9D8B030D-6E8A-4147-A177-3AD203B41FA5}">
-                      <a16:colId xmlns:a16="http://schemas.microsoft.com/office/drawing/2014/main" val="3362786275"/>
-                    </a:ext>
-                  </a:extLst>
-                </a:gridCol>
-              </a:tblGrid>
-              <a:tr h="370840">
-                <a:tc>
-                  <a:txBody>
-                    <a:bodyPr/>
-                    <a:lstStyle/>
-                    <a:p>
-                      <a:r>
-                        <a:rPr lang="zh-TW" altLang="en-US" dirty="0">
-                          <a:solidFill>
-                            <a:schemeClr val="tx1"/>
-                          </a:solidFill>
-                        </a:rPr>
-                        <a:t>三人一起</a:t>
-                      </a:r>
-                    </a:p>
-                  </a:txBody>
-                  <a:tcPr>
-                    <a:solidFill>
-                      <a:schemeClr val="bg1"/>
-                    </a:solidFill>
-                  </a:tcPr>
-                </a:tc>
-                <a:tc>
-                  <a:txBody>
-                    <a:bodyPr/>
-                    <a:lstStyle/>
-                    <a:p>
-                      <a:endParaRPr lang="zh-TW" altLang="en-US" dirty="0"/>
-                    </a:p>
-                  </a:txBody>
-                  <a:tcPr>
-                    <a:solidFill>
-                      <a:srgbClr val="FF0000"/>
-                    </a:solidFill>
-                  </a:tcPr>
-                </a:tc>
-                <a:tc>
-                  <a:txBody>
-                    <a:bodyPr/>
-                    <a:lstStyle/>
-                    <a:p>
-                      <a:r>
-                        <a:rPr lang="zh-TW" altLang="zh-TW" sz="1800" b="1" kern="1200" dirty="0">
-                          <a:solidFill>
-                            <a:schemeClr val="tx1"/>
-                          </a:solidFill>
-                          <a:effectLst/>
-                          <a:latin typeface="+mn-lt"/>
-                          <a:ea typeface="+mn-ea"/>
-                          <a:cs typeface="+mn-cs"/>
-                        </a:rPr>
-                        <a:t>宋佳瑋</a:t>
-                      </a:r>
-                      <a:endParaRPr lang="zh-TW" altLang="en-US" dirty="0">
-                        <a:solidFill>
-                          <a:schemeClr val="tx1"/>
-                        </a:solidFill>
-                      </a:endParaRPr>
-                    </a:p>
-                  </a:txBody>
-                  <a:tcPr>
-                    <a:solidFill>
-                      <a:schemeClr val="bg1"/>
-                    </a:solidFill>
-                  </a:tcPr>
-                </a:tc>
-                <a:tc>
-                  <a:txBody>
-                    <a:bodyPr/>
-                    <a:lstStyle/>
-                    <a:p>
-                      <a:endParaRPr lang="zh-TW" altLang="en-US" dirty="0">
-                        <a:solidFill>
-                          <a:schemeClr val="tx1"/>
-                        </a:solidFill>
-                      </a:endParaRPr>
-                    </a:p>
-                  </a:txBody>
-                  <a:tcPr>
-                    <a:solidFill>
-                      <a:srgbClr val="92D050"/>
-                    </a:solidFill>
-                  </a:tcPr>
-                </a:tc>
-                <a:tc>
-                  <a:txBody>
-                    <a:bodyPr/>
-                    <a:lstStyle/>
-                    <a:p>
-                      <a:r>
-                        <a:rPr lang="zh-TW" altLang="en-US" dirty="0">
-                          <a:solidFill>
-                            <a:schemeClr val="tx1"/>
-                          </a:solidFill>
-                          <a:latin typeface="思源宋体 CN Medium" panose="02020500000000000000" pitchFamily="18" charset="-128"/>
-                          <a:ea typeface="思源宋体 CN Medium" panose="02020500000000000000" pitchFamily="18" charset="-128"/>
-                        </a:rPr>
-                        <a:t>王福賢</a:t>
-                      </a:r>
-                      <a:endParaRPr lang="zh-TW" altLang="en-US" dirty="0">
-                        <a:solidFill>
-                          <a:schemeClr val="tx1"/>
-                        </a:solidFill>
-                      </a:endParaRPr>
-                    </a:p>
-                  </a:txBody>
-                  <a:tcPr>
-                    <a:solidFill>
-                      <a:schemeClr val="bg1"/>
-                    </a:solidFill>
-                  </a:tcPr>
-                </a:tc>
-                <a:tc>
-                  <a:txBody>
-                    <a:bodyPr/>
-                    <a:lstStyle/>
-                    <a:p>
-                      <a:endParaRPr lang="zh-TW" altLang="en-US" dirty="0"/>
-                    </a:p>
-                  </a:txBody>
-                  <a:tcPr>
-                    <a:solidFill>
-                      <a:srgbClr val="FFC000"/>
-                    </a:solidFill>
-                  </a:tcPr>
-                </a:tc>
-                <a:tc>
-                  <a:txBody>
-                    <a:bodyPr/>
-                    <a:lstStyle/>
-                    <a:p>
-                      <a:r>
-                        <a:rPr lang="zh-TW" altLang="en-US" dirty="0">
-                          <a:solidFill>
-                            <a:sysClr val="windowText" lastClr="000000"/>
-                          </a:solidFill>
-                        </a:rPr>
-                        <a:t>王郁恩</a:t>
-                      </a:r>
-                    </a:p>
-                  </a:txBody>
-                  <a:tcPr>
-                    <a:solidFill>
-                      <a:schemeClr val="bg1"/>
-                    </a:solidFill>
-                  </a:tcPr>
-                </a:tc>
-                <a:tc>
-                  <a:txBody>
-                    <a:bodyPr/>
-                    <a:lstStyle/>
-                    <a:p>
-                      <a:endParaRPr lang="zh-TW" altLang="en-US" dirty="0"/>
-                    </a:p>
-                  </a:txBody>
-                  <a:tcPr>
-                    <a:solidFill>
-                      <a:srgbClr val="00B0F0"/>
-                    </a:solidFill>
-                  </a:tcPr>
-                </a:tc>
-                <a:extLst>
-                  <a:ext uri="{0D108BD9-81ED-4DB2-BD59-A6C34878D82A}">
-                    <a16:rowId xmlns:a16="http://schemas.microsoft.com/office/drawing/2014/main" val="3702871106"/>
-                  </a:ext>
-                </a:extLst>
-              </a:tr>
-            </a:tbl>
-          </a:graphicData>
-        </a:graphic>
-      </p:graphicFrame>
-    </p:spTree>
-    <p:extLst>
-      <p:ext uri="{BB962C8B-B14F-4D97-AF65-F5344CB8AC3E}">
-        <p14:creationId xmlns:p14="http://schemas.microsoft.com/office/powerpoint/2010/main" val="212352473"/>
-      </p:ext>
-    </p:extLst>
-  </p:cSld>
-  <p:clrMapOvr>
-    <a:masterClrMapping/>
-  </p:clrMapOvr>
 </p:sld>
 </file>
 

--- a/掛機 RPG 小遊戲.pptx
+++ b/掛機 RPG 小遊戲.pptx
@@ -254,7 +254,7 @@
           <a:p>
             <a:fld id="{F21A4056-824F-48F0-9624-F9D26622DF00}" type="datetimeFigureOut">
               <a:rPr lang="zh-TW" altLang="en-US" smtClean="0"/>
-              <a:t>2022/1/8</a:t>
+              <a:t>2022/1/17</a:t>
             </a:fld>
             <a:endParaRPr lang="zh-TW" altLang="en-US"/>
           </a:p>
@@ -424,7 +424,7 @@
           <a:p>
             <a:fld id="{F21A4056-824F-48F0-9624-F9D26622DF00}" type="datetimeFigureOut">
               <a:rPr lang="zh-TW" altLang="en-US" smtClean="0"/>
-              <a:t>2022/1/8</a:t>
+              <a:t>2022/1/17</a:t>
             </a:fld>
             <a:endParaRPr lang="zh-TW" altLang="en-US"/>
           </a:p>
@@ -604,7 +604,7 @@
           <a:p>
             <a:fld id="{F21A4056-824F-48F0-9624-F9D26622DF00}" type="datetimeFigureOut">
               <a:rPr lang="zh-TW" altLang="en-US" smtClean="0"/>
-              <a:t>2022/1/8</a:t>
+              <a:t>2022/1/17</a:t>
             </a:fld>
             <a:endParaRPr lang="zh-TW" altLang="en-US"/>
           </a:p>
@@ -774,7 +774,7 @@
           <a:p>
             <a:fld id="{F21A4056-824F-48F0-9624-F9D26622DF00}" type="datetimeFigureOut">
               <a:rPr lang="zh-TW" altLang="en-US" smtClean="0"/>
-              <a:t>2022/1/8</a:t>
+              <a:t>2022/1/17</a:t>
             </a:fld>
             <a:endParaRPr lang="zh-TW" altLang="en-US"/>
           </a:p>
@@ -1018,7 +1018,7 @@
           <a:p>
             <a:fld id="{F21A4056-824F-48F0-9624-F9D26622DF00}" type="datetimeFigureOut">
               <a:rPr lang="zh-TW" altLang="en-US" smtClean="0"/>
-              <a:t>2022/1/8</a:t>
+              <a:t>2022/1/17</a:t>
             </a:fld>
             <a:endParaRPr lang="zh-TW" altLang="en-US"/>
           </a:p>
@@ -1250,7 +1250,7 @@
           <a:p>
             <a:fld id="{F21A4056-824F-48F0-9624-F9D26622DF00}" type="datetimeFigureOut">
               <a:rPr lang="zh-TW" altLang="en-US" smtClean="0"/>
-              <a:t>2022/1/8</a:t>
+              <a:t>2022/1/17</a:t>
             </a:fld>
             <a:endParaRPr lang="zh-TW" altLang="en-US"/>
           </a:p>
@@ -1617,7 +1617,7 @@
           <a:p>
             <a:fld id="{F21A4056-824F-48F0-9624-F9D26622DF00}" type="datetimeFigureOut">
               <a:rPr lang="zh-TW" altLang="en-US" smtClean="0"/>
-              <a:t>2022/1/8</a:t>
+              <a:t>2022/1/17</a:t>
             </a:fld>
             <a:endParaRPr lang="zh-TW" altLang="en-US"/>
           </a:p>
@@ -1735,7 +1735,7 @@
           <a:p>
             <a:fld id="{F21A4056-824F-48F0-9624-F9D26622DF00}" type="datetimeFigureOut">
               <a:rPr lang="zh-TW" altLang="en-US" smtClean="0"/>
-              <a:t>2022/1/8</a:t>
+              <a:t>2022/1/17</a:t>
             </a:fld>
             <a:endParaRPr lang="zh-TW" altLang="en-US"/>
           </a:p>
@@ -1830,7 +1830,7 @@
           <a:p>
             <a:fld id="{F21A4056-824F-48F0-9624-F9D26622DF00}" type="datetimeFigureOut">
               <a:rPr lang="zh-TW" altLang="en-US" smtClean="0"/>
-              <a:t>2022/1/8</a:t>
+              <a:t>2022/1/17</a:t>
             </a:fld>
             <a:endParaRPr lang="zh-TW" altLang="en-US"/>
           </a:p>
@@ -2107,7 +2107,7 @@
           <a:p>
             <a:fld id="{F21A4056-824F-48F0-9624-F9D26622DF00}" type="datetimeFigureOut">
               <a:rPr lang="zh-TW" altLang="en-US" smtClean="0"/>
-              <a:t>2022/1/8</a:t>
+              <a:t>2022/1/17</a:t>
             </a:fld>
             <a:endParaRPr lang="zh-TW" altLang="en-US"/>
           </a:p>
@@ -2364,7 +2364,7 @@
           <a:p>
             <a:fld id="{F21A4056-824F-48F0-9624-F9D26622DF00}" type="datetimeFigureOut">
               <a:rPr lang="zh-TW" altLang="en-US" smtClean="0"/>
-              <a:t>2022/1/8</a:t>
+              <a:t>2022/1/17</a:t>
             </a:fld>
             <a:endParaRPr lang="zh-TW" altLang="en-US"/>
           </a:p>
@@ -2587,7 +2587,7 @@
           <a:p>
             <a:fld id="{F21A4056-824F-48F0-9624-F9D26622DF00}" type="datetimeFigureOut">
               <a:rPr lang="zh-TW" altLang="en-US" smtClean="0"/>
-              <a:t>2022/1/8</a:t>
+              <a:t>2022/1/17</a:t>
             </a:fld>
             <a:endParaRPr lang="zh-TW" altLang="en-US"/>
           </a:p>
@@ -3314,6 +3314,96 @@
           </a:prstGeom>
         </p:spPr>
       </p:pic>
+      <p:pic>
+        <p:nvPicPr>
+          <p:cNvPr id="3" name="圖片 2">
+            <a:extLst>
+              <a:ext uri="{FF2B5EF4-FFF2-40B4-BE49-F238E27FC236}">
+                <a16:creationId xmlns:a16="http://schemas.microsoft.com/office/drawing/2014/main" id="{4474B1EC-7A25-4D4D-9A48-0C50590AAA22}"/>
+              </a:ext>
+            </a:extLst>
+          </p:cNvPr>
+          <p:cNvPicPr>
+            <a:picLocks noChangeAspect="1"/>
+          </p:cNvPicPr>
+          <p:nvPr/>
+        </p:nvPicPr>
+        <p:blipFill>
+          <a:blip r:embed="rId5"/>
+          <a:stretch>
+            <a:fillRect/>
+          </a:stretch>
+        </p:blipFill>
+        <p:spPr>
+          <a:xfrm>
+            <a:off x="714912" y="1440207"/>
+            <a:ext cx="7715250" cy="4943475"/>
+          </a:xfrm>
+          <a:prstGeom prst="rect">
+            <a:avLst/>
+          </a:prstGeom>
+        </p:spPr>
+      </p:pic>
+      <p:pic>
+        <p:nvPicPr>
+          <p:cNvPr id="7" name="圖片 6">
+            <a:extLst>
+              <a:ext uri="{FF2B5EF4-FFF2-40B4-BE49-F238E27FC236}">
+                <a16:creationId xmlns:a16="http://schemas.microsoft.com/office/drawing/2014/main" id="{A0B95C61-302F-4A35-AC8E-85F0D0218761}"/>
+              </a:ext>
+            </a:extLst>
+          </p:cNvPr>
+          <p:cNvPicPr>
+            <a:picLocks noChangeAspect="1"/>
+          </p:cNvPicPr>
+          <p:nvPr/>
+        </p:nvPicPr>
+        <p:blipFill>
+          <a:blip r:embed="rId6"/>
+          <a:stretch>
+            <a:fillRect/>
+          </a:stretch>
+        </p:blipFill>
+        <p:spPr>
+          <a:xfrm>
+            <a:off x="676273" y="1406524"/>
+            <a:ext cx="7791450" cy="5010150"/>
+          </a:xfrm>
+          <a:prstGeom prst="rect">
+            <a:avLst/>
+          </a:prstGeom>
+        </p:spPr>
+      </p:pic>
+      <p:pic>
+        <p:nvPicPr>
+          <p:cNvPr id="10" name="圖片 9">
+            <a:extLst>
+              <a:ext uri="{FF2B5EF4-FFF2-40B4-BE49-F238E27FC236}">
+                <a16:creationId xmlns:a16="http://schemas.microsoft.com/office/drawing/2014/main" id="{9CCFF1CE-9BB9-446F-A166-954F2CB02309}"/>
+              </a:ext>
+            </a:extLst>
+          </p:cNvPr>
+          <p:cNvPicPr>
+            <a:picLocks noChangeAspect="1"/>
+          </p:cNvPicPr>
+          <p:nvPr/>
+        </p:nvPicPr>
+        <p:blipFill>
+          <a:blip r:embed="rId7"/>
+          <a:stretch>
+            <a:fillRect/>
+          </a:stretch>
+        </p:blipFill>
+        <p:spPr>
+          <a:xfrm>
+            <a:off x="-2" y="1032680"/>
+            <a:ext cx="9144000" cy="5351002"/>
+          </a:xfrm>
+          <a:prstGeom prst="rect">
+            <a:avLst/>
+          </a:prstGeom>
+        </p:spPr>
+      </p:pic>
     </p:spTree>
     <p:extLst>
       <p:ext uri="{BB962C8B-B14F-4D97-AF65-F5344CB8AC3E}">
@@ -3426,6 +3516,165 @@
                                         <p:cTn id="12" dur="500"/>
                                         <p:tgtEl>
                                           <p:spTgt spid="8"/>
+                                        </p:tgtEl>
+                                      </p:cBhvr>
+                                    </p:animEffect>
+                                  </p:childTnLst>
+                                </p:cTn>
+                              </p:par>
+                            </p:childTnLst>
+                          </p:cTn>
+                        </p:par>
+                      </p:childTnLst>
+                    </p:cTn>
+                  </p:par>
+                  <p:par>
+                    <p:cTn id="13" fill="hold">
+                      <p:stCondLst>
+                        <p:cond delay="indefinite"/>
+                      </p:stCondLst>
+                      <p:childTnLst>
+                        <p:par>
+                          <p:cTn id="14" fill="hold">
+                            <p:stCondLst>
+                              <p:cond delay="0"/>
+                            </p:stCondLst>
+                            <p:childTnLst>
+                              <p:par>
+                                <p:cTn id="15" presetID="22" presetClass="entr" presetSubtype="4" fill="hold" nodeType="clickEffect">
+                                  <p:stCondLst>
+                                    <p:cond delay="0"/>
+                                  </p:stCondLst>
+                                  <p:childTnLst>
+                                    <p:set>
+                                      <p:cBhvr>
+                                        <p:cTn id="16" dur="1" fill="hold">
+                                          <p:stCondLst>
+                                            <p:cond delay="0"/>
+                                          </p:stCondLst>
+                                        </p:cTn>
+                                        <p:tgtEl>
+                                          <p:spTgt spid="3"/>
+                                        </p:tgtEl>
+                                        <p:attrNameLst>
+                                          <p:attrName>style.visibility</p:attrName>
+                                        </p:attrNameLst>
+                                      </p:cBhvr>
+                                      <p:to>
+                                        <p:strVal val="visible"/>
+                                      </p:to>
+                                    </p:set>
+                                    <p:animEffect transition="in" filter="wipe(down)">
+                                      <p:cBhvr>
+                                        <p:cTn id="17" dur="500"/>
+                                        <p:tgtEl>
+                                          <p:spTgt spid="3"/>
+                                        </p:tgtEl>
+                                      </p:cBhvr>
+                                    </p:animEffect>
+                                  </p:childTnLst>
+                                </p:cTn>
+                              </p:par>
+                            </p:childTnLst>
+                          </p:cTn>
+                        </p:par>
+                      </p:childTnLst>
+                    </p:cTn>
+                  </p:par>
+                  <p:par>
+                    <p:cTn id="18" fill="hold">
+                      <p:stCondLst>
+                        <p:cond delay="indefinite"/>
+                      </p:stCondLst>
+                      <p:childTnLst>
+                        <p:par>
+                          <p:cTn id="19" fill="hold">
+                            <p:stCondLst>
+                              <p:cond delay="0"/>
+                            </p:stCondLst>
+                            <p:childTnLst>
+                              <p:par>
+                                <p:cTn id="20" presetID="22" presetClass="entr" presetSubtype="4" fill="hold" nodeType="clickEffect">
+                                  <p:stCondLst>
+                                    <p:cond delay="0"/>
+                                  </p:stCondLst>
+                                  <p:childTnLst>
+                                    <p:set>
+                                      <p:cBhvr>
+                                        <p:cTn id="21" dur="1" fill="hold">
+                                          <p:stCondLst>
+                                            <p:cond delay="0"/>
+                                          </p:stCondLst>
+                                        </p:cTn>
+                                        <p:tgtEl>
+                                          <p:spTgt spid="7"/>
+                                        </p:tgtEl>
+                                        <p:attrNameLst>
+                                          <p:attrName>style.visibility</p:attrName>
+                                        </p:attrNameLst>
+                                      </p:cBhvr>
+                                      <p:to>
+                                        <p:strVal val="visible"/>
+                                      </p:to>
+                                    </p:set>
+                                    <p:animEffect transition="in" filter="wipe(down)">
+                                      <p:cBhvr>
+                                        <p:cTn id="22" dur="500"/>
+                                        <p:tgtEl>
+                                          <p:spTgt spid="7"/>
+                                        </p:tgtEl>
+                                      </p:cBhvr>
+                                    </p:animEffect>
+                                  </p:childTnLst>
+                                </p:cTn>
+                              </p:par>
+                            </p:childTnLst>
+                          </p:cTn>
+                        </p:par>
+                      </p:childTnLst>
+                    </p:cTn>
+                  </p:par>
+                  <p:par>
+                    <p:cTn id="23" fill="hold">
+                      <p:stCondLst>
+                        <p:cond delay="indefinite"/>
+                      </p:stCondLst>
+                      <p:childTnLst>
+                        <p:par>
+                          <p:cTn id="24" fill="hold">
+                            <p:stCondLst>
+                              <p:cond delay="0"/>
+                            </p:stCondLst>
+                            <p:childTnLst>
+                              <p:par>
+                                <p:cTn id="25" presetID="22" presetClass="entr" presetSubtype="4" fill="hold" nodeType="clickEffect">
+                                  <p:stCondLst>
+                                    <p:cond delay="0"/>
+                                  </p:stCondLst>
+                                  <p:childTnLst>
+                                    <p:set>
+                                      <p:cBhvr>
+                                        <p:cTn id="26" dur="1" fill="hold">
+                                          <p:stCondLst>
+                                            <p:cond delay="0"/>
+                                          </p:stCondLst>
+                                        </p:cTn>
+                                        <p:tgtEl>
+                                          <p:spTgt spid="10"/>
+                                        </p:tgtEl>
+                                        <p:attrNameLst>
+                                          <p:attrName>style.visibility</p:attrName>
+                                        </p:attrNameLst>
+                                      </p:cBhvr>
+                                      <p:to>
+                                        <p:strVal val="visible"/>
+                                      </p:to>
+                                    </p:set>
+                                    <p:animEffect transition="in" filter="wipe(down)">
+                                      <p:cBhvr>
+                                        <p:cTn id="27" dur="500"/>
+                                        <p:tgtEl>
+                                          <p:spTgt spid="10"/>
                                         </p:tgtEl>
                                       </p:cBhvr>
                                     </p:animEffect>
@@ -3793,10 +4042,10 @@
       </p:graphicFrame>
       <p:graphicFrame>
         <p:nvGraphicFramePr>
-          <p:cNvPr id="3" name="物件 2">
+          <p:cNvPr id="2" name="物件 1">
             <a:extLst>
               <a:ext uri="{FF2B5EF4-FFF2-40B4-BE49-F238E27FC236}">
-                <a16:creationId xmlns:a16="http://schemas.microsoft.com/office/drawing/2014/main" id="{78C068FC-C24C-46AB-B00D-92DBBA5C9C10}"/>
+                <a16:creationId xmlns:a16="http://schemas.microsoft.com/office/drawing/2014/main" id="{08C788D5-CEE2-4197-AAB7-A512954EDA7B}"/>
               </a:ext>
             </a:extLst>
           </p:cNvPr>
@@ -3806,25 +4055,25 @@
           <p:nvPr>
             <p:extLst>
               <p:ext uri="{D42A27DB-BD31-4B8C-83A1-F6EECF244321}">
-                <p14:modId xmlns:p14="http://schemas.microsoft.com/office/powerpoint/2010/main" val="3653738867"/>
+                <p14:modId xmlns:p14="http://schemas.microsoft.com/office/powerpoint/2010/main" val="284282396"/>
               </p:ext>
             </p:extLst>
           </p:nvPr>
         </p:nvGraphicFramePr>
         <p:xfrm>
-          <a:off x="18894" y="1669414"/>
-          <a:ext cx="9106211" cy="3519171"/>
+          <a:off x="0" y="812801"/>
+          <a:ext cx="9125480" cy="3911599"/>
         </p:xfrm>
         <a:graphic>
           <a:graphicData uri="http://schemas.openxmlformats.org/presentationml/2006/ole">
             <mc:AlternateContent xmlns:mc="http://schemas.openxmlformats.org/markup-compatibility/2006">
               <mc:Choice xmlns:v="urn:schemas-microsoft-com:vml" Requires="v">
-                <p:oleObj spid="_x0000_s1035" name="Worksheet" r:id="rId4" imgW="11953798" imgH="4619671" progId="Excel.Sheet.12">
+                <p:oleObj spid="_x0000_s1039" name="Worksheet" r:id="rId4" imgW="11064240" imgH="4739656" progId="Excel.Sheet.12">
                   <p:embed/>
                 </p:oleObj>
               </mc:Choice>
               <mc:Fallback>
-                <p:oleObj name="Worksheet" r:id="rId4" imgW="11953798" imgH="4619671" progId="Excel.Sheet.12">
+                <p:oleObj name="Worksheet" r:id="rId4" imgW="11064240" imgH="4739656" progId="Excel.Sheet.12">
                   <p:embed/>
                   <p:pic>
                     <p:nvPicPr>
@@ -3840,8 +4089,8 @@
                     </p:blipFill>
                     <p:spPr>
                       <a:xfrm>
-                        <a:off x="18894" y="1669414"/>
-                        <a:ext cx="9106211" cy="3519171"/>
+                        <a:off x="0" y="812801"/>
+                        <a:ext cx="9125480" cy="3911599"/>
                       </a:xfrm>
                       <a:prstGeom prst="rect">
                         <a:avLst/>

--- a/掛機 RPG 小遊戲.pptx
+++ b/掛機 RPG 小遊戲.pptx
@@ -4042,10 +4042,10 @@
       </p:graphicFrame>
       <p:graphicFrame>
         <p:nvGraphicFramePr>
-          <p:cNvPr id="2" name="物件 1">
+          <p:cNvPr id="4" name="物件 3">
             <a:extLst>
               <a:ext uri="{FF2B5EF4-FFF2-40B4-BE49-F238E27FC236}">
-                <a16:creationId xmlns:a16="http://schemas.microsoft.com/office/drawing/2014/main" id="{08C788D5-CEE2-4197-AAB7-A512954EDA7B}"/>
+                <a16:creationId xmlns:a16="http://schemas.microsoft.com/office/drawing/2014/main" id="{386940D0-3E57-49CA-A4FC-D8D5F11B736B}"/>
               </a:ext>
             </a:extLst>
           </p:cNvPr>
@@ -4055,25 +4055,25 @@
           <p:nvPr>
             <p:extLst>
               <p:ext uri="{D42A27DB-BD31-4B8C-83A1-F6EECF244321}">
-                <p14:modId xmlns:p14="http://schemas.microsoft.com/office/powerpoint/2010/main" val="284282396"/>
+                <p14:modId xmlns:p14="http://schemas.microsoft.com/office/powerpoint/2010/main" val="3774776089"/>
               </p:ext>
             </p:extLst>
           </p:nvPr>
         </p:nvGraphicFramePr>
         <p:xfrm>
           <a:off x="0" y="812801"/>
-          <a:ext cx="9125480" cy="3911599"/>
+          <a:ext cx="9145260" cy="4260644"/>
         </p:xfrm>
         <a:graphic>
           <a:graphicData uri="http://schemas.openxmlformats.org/presentationml/2006/ole">
             <mc:AlternateContent xmlns:mc="http://schemas.openxmlformats.org/markup-compatibility/2006">
               <mc:Choice xmlns:v="urn:schemas-microsoft-com:vml" Requires="v">
-                <p:oleObj spid="_x0000_s1039" name="Worksheet" r:id="rId4" imgW="11064240" imgH="4739656" progId="Excel.Sheet.12">
+                <p:oleObj spid="_x0000_s1042" name="Worksheet" r:id="rId4" imgW="11064240" imgH="5151136" progId="Excel.Sheet.12">
                   <p:embed/>
                 </p:oleObj>
               </mc:Choice>
               <mc:Fallback>
-                <p:oleObj name="Worksheet" r:id="rId4" imgW="11064240" imgH="4739656" progId="Excel.Sheet.12">
+                <p:oleObj name="Worksheet" r:id="rId4" imgW="11064240" imgH="5151136" progId="Excel.Sheet.12">
                   <p:embed/>
                   <p:pic>
                     <p:nvPicPr>
@@ -4090,7 +4090,7 @@
                     <p:spPr>
                       <a:xfrm>
                         <a:off x="0" y="812801"/>
-                        <a:ext cx="9125480" cy="3911599"/>
+                        <a:ext cx="9145260" cy="4260644"/>
                       </a:xfrm>
                       <a:prstGeom prst="rect">
                         <a:avLst/>
@@ -8863,10 +8863,10 @@
       </p:sp>
       <p:pic>
         <p:nvPicPr>
-          <p:cNvPr id="8" name="圖片 7">
+          <p:cNvPr id="2" name="圖片 1">
             <a:extLst>
               <a:ext uri="{FF2B5EF4-FFF2-40B4-BE49-F238E27FC236}">
-                <a16:creationId xmlns:a16="http://schemas.microsoft.com/office/drawing/2014/main" id="{21D46E20-E348-4636-8EC0-E61148D06F3B}"/>
+                <a16:creationId xmlns:a16="http://schemas.microsoft.com/office/drawing/2014/main" id="{7D7A8DE0-B3C7-4A6F-B6CE-5FF16FED5267}"/>
               </a:ext>
             </a:extLst>
           </p:cNvPr>
@@ -8883,8 +8883,8 @@
         </p:blipFill>
         <p:spPr>
           <a:xfrm>
-            <a:off x="713836" y="956917"/>
-            <a:ext cx="7716327" cy="4944165"/>
+            <a:off x="823473" y="994771"/>
+            <a:ext cx="7497054" cy="4868457"/>
           </a:xfrm>
           <a:prstGeom prst="rect">
             <a:avLst/>
@@ -8950,50 +8950,6 @@
                                         <p:cTn id="7" dur="500"/>
                                         <p:tgtEl>
                                           <p:spTgt spid="4"/>
-                                        </p:tgtEl>
-                                      </p:cBhvr>
-                                    </p:animEffect>
-                                  </p:childTnLst>
-                                </p:cTn>
-                              </p:par>
-                            </p:childTnLst>
-                          </p:cTn>
-                        </p:par>
-                        <p:par>
-                          <p:cTn id="8" fill="hold">
-                            <p:stCondLst>
-                              <p:cond delay="500"/>
-                            </p:stCondLst>
-                            <p:childTnLst>
-                              <p:par>
-                                <p:cTn id="9" presetID="22" presetClass="entr" presetSubtype="8" fill="hold" nodeType="afterEffect">
-                                  <p:stCondLst>
-                                    <p:cond delay="0"/>
-                                  </p:stCondLst>
-                                  <p:childTnLst>
-                                    <p:set>
-                                      <p:cBhvr>
-                                        <p:cTn id="10" dur="1" fill="hold">
-                                          <p:stCondLst>
-                                            <p:cond delay="0"/>
-                                          </p:stCondLst>
-                                        </p:cTn>
-                                        <p:tgtEl>
-                                          <p:spTgt spid="8"/>
-                                        </p:tgtEl>
-                                        <p:attrNameLst>
-                                          <p:attrName>style.visibility</p:attrName>
-                                        </p:attrNameLst>
-                                      </p:cBhvr>
-                                      <p:to>
-                                        <p:strVal val="visible"/>
-                                      </p:to>
-                                    </p:set>
-                                    <p:animEffect transition="in" filter="wipe(left)">
-                                      <p:cBhvr>
-                                        <p:cTn id="11" dur="500"/>
-                                        <p:tgtEl>
-                                          <p:spTgt spid="8"/>
                                         </p:tgtEl>
                                       </p:cBhvr>
                                     </p:animEffect>

--- a/掛機 RPG 小遊戲.pptx
+++ b/掛機 RPG 小遊戲.pptx
@@ -9,8 +9,8 @@
     <p:sldId id="257" r:id="rId3"/>
     <p:sldId id="263" r:id="rId4"/>
     <p:sldId id="267" r:id="rId5"/>
-    <p:sldId id="258" r:id="rId6"/>
-    <p:sldId id="266" r:id="rId7"/>
+    <p:sldId id="266" r:id="rId6"/>
+    <p:sldId id="258" r:id="rId7"/>
     <p:sldId id="259" r:id="rId8"/>
     <p:sldId id="260" r:id="rId9"/>
     <p:sldId id="261" r:id="rId10"/>
@@ -4068,7 +4068,7 @@
           <a:graphicData uri="http://schemas.openxmlformats.org/presentationml/2006/ole">
             <mc:AlternateContent xmlns:mc="http://schemas.openxmlformats.org/markup-compatibility/2006">
               <mc:Choice xmlns:v="urn:schemas-microsoft-com:vml" Requires="v">
-                <p:oleObj spid="_x0000_s1042" name="Worksheet" r:id="rId4" imgW="11064240" imgH="5151136" progId="Excel.Sheet.12">
+                <p:oleObj spid="_x0000_s1044" name="Worksheet" r:id="rId4" imgW="11064240" imgH="5151136" progId="Excel.Sheet.12">
                   <p:embed/>
                 </p:oleObj>
               </mc:Choice>
@@ -5300,12 +5300,200 @@
           <a:chExt cx="0" cy="0"/>
         </a:xfrm>
       </p:grpSpPr>
+      <p:sp>
+        <p:nvSpPr>
+          <p:cNvPr id="4" name="文字方塊 3">
+            <a:extLst>
+              <a:ext uri="{FF2B5EF4-FFF2-40B4-BE49-F238E27FC236}">
+                <a16:creationId xmlns:a16="http://schemas.microsoft.com/office/drawing/2014/main" id="{2D8181A4-D351-4DC2-9456-1EC327BB8E07}"/>
+              </a:ext>
+            </a:extLst>
+          </p:cNvPr>
+          <p:cNvSpPr txBox="1"/>
+          <p:nvPr/>
+        </p:nvSpPr>
+        <p:spPr>
+          <a:xfrm>
+            <a:off x="147242" y="156852"/>
+            <a:ext cx="2180703" cy="646331"/>
+          </a:xfrm>
+          <a:prstGeom prst="rect">
+            <a:avLst/>
+          </a:prstGeom>
+          <a:blipFill dpi="0" rotWithShape="1">
+            <a:blip r:embed="rId2"/>
+            <a:srcRect/>
+            <a:tile tx="0" ty="0" sx="100000" sy="100000" flip="none" algn="tl"/>
+          </a:blipFill>
+        </p:spPr>
+        <p:txBody>
+          <a:bodyPr wrap="square" rtlCol="0">
+            <a:spAutoFit/>
+          </a:bodyPr>
+          <a:lstStyle/>
+          <a:p>
+            <a:r>
+              <a:rPr lang="zh-TW" altLang="en-US" sz="3600" dirty="0">
+                <a:latin typeface="方正兰亭黑Pro_GB18030 DemiBold" panose="02000700000000000000" pitchFamily="50" charset="-122"/>
+                <a:ea typeface="方正兰亭黑Pro_GB18030 DemiBold" panose="02000700000000000000" pitchFamily="50" charset="-122"/>
+              </a:rPr>
+              <a:t>新建角色</a:t>
+            </a:r>
+          </a:p>
+        </p:txBody>
+      </p:sp>
       <p:pic>
         <p:nvPicPr>
-          <p:cNvPr id="5" name="圖片 4">
+          <p:cNvPr id="2" name="圖片 1">
             <a:extLst>
               <a:ext uri="{FF2B5EF4-FFF2-40B4-BE49-F238E27FC236}">
-                <a16:creationId xmlns:a16="http://schemas.microsoft.com/office/drawing/2014/main" id="{C5739BDF-C1CF-46BE-9CA2-209E319F6C08}"/>
+                <a16:creationId xmlns:a16="http://schemas.microsoft.com/office/drawing/2014/main" id="{7D7A8DE0-B3C7-4A6F-B6CE-5FF16FED5267}"/>
+              </a:ext>
+            </a:extLst>
+          </p:cNvPr>
+          <p:cNvPicPr>
+            <a:picLocks noChangeAspect="1"/>
+          </p:cNvPicPr>
+          <p:nvPr/>
+        </p:nvPicPr>
+        <p:blipFill>
+          <a:blip r:embed="rId3"/>
+          <a:stretch>
+            <a:fillRect/>
+          </a:stretch>
+        </p:blipFill>
+        <p:spPr>
+          <a:xfrm>
+            <a:off x="823473" y="994771"/>
+            <a:ext cx="7497054" cy="4868457"/>
+          </a:xfrm>
+          <a:prstGeom prst="rect">
+            <a:avLst/>
+          </a:prstGeom>
+        </p:spPr>
+      </p:pic>
+    </p:spTree>
+    <p:extLst>
+      <p:ext uri="{BB962C8B-B14F-4D97-AF65-F5344CB8AC3E}">
+        <p14:creationId xmlns:p14="http://schemas.microsoft.com/office/powerpoint/2010/main" val="1635981293"/>
+      </p:ext>
+    </p:extLst>
+  </p:cSld>
+  <p:clrMapOvr>
+    <a:masterClrMapping/>
+  </p:clrMapOvr>
+  <p:timing>
+    <p:tnLst>
+      <p:par>
+        <p:cTn id="1" dur="indefinite" restart="never" nodeType="tmRoot">
+          <p:childTnLst>
+            <p:seq concurrent="1" nextAc="seek">
+              <p:cTn id="2" dur="indefinite" nodeType="mainSeq">
+                <p:childTnLst>
+                  <p:par>
+                    <p:cTn id="3" fill="hold">
+                      <p:stCondLst>
+                        <p:cond delay="indefinite"/>
+                      </p:stCondLst>
+                      <p:childTnLst>
+                        <p:par>
+                          <p:cTn id="4" fill="hold">
+                            <p:stCondLst>
+                              <p:cond delay="0"/>
+                            </p:stCondLst>
+                            <p:childTnLst>
+                              <p:par>
+                                <p:cTn id="5" presetID="22" presetClass="entr" presetSubtype="8" fill="hold" grpId="0" nodeType="clickEffect">
+                                  <p:stCondLst>
+                                    <p:cond delay="0"/>
+                                  </p:stCondLst>
+                                  <p:childTnLst>
+                                    <p:set>
+                                      <p:cBhvr>
+                                        <p:cTn id="6" dur="1" fill="hold">
+                                          <p:stCondLst>
+                                            <p:cond delay="0"/>
+                                          </p:stCondLst>
+                                        </p:cTn>
+                                        <p:tgtEl>
+                                          <p:spTgt spid="4"/>
+                                        </p:tgtEl>
+                                        <p:attrNameLst>
+                                          <p:attrName>style.visibility</p:attrName>
+                                        </p:attrNameLst>
+                                      </p:cBhvr>
+                                      <p:to>
+                                        <p:strVal val="visible"/>
+                                      </p:to>
+                                    </p:set>
+                                    <p:animEffect transition="in" filter="wipe(left)">
+                                      <p:cBhvr>
+                                        <p:cTn id="7" dur="500"/>
+                                        <p:tgtEl>
+                                          <p:spTgt spid="4"/>
+                                        </p:tgtEl>
+                                      </p:cBhvr>
+                                    </p:animEffect>
+                                  </p:childTnLst>
+                                </p:cTn>
+                              </p:par>
+                            </p:childTnLst>
+                          </p:cTn>
+                        </p:par>
+                      </p:childTnLst>
+                    </p:cTn>
+                  </p:par>
+                </p:childTnLst>
+              </p:cTn>
+              <p:prevCondLst>
+                <p:cond evt="onPrev" delay="0">
+                  <p:tgtEl>
+                    <p:sldTgt/>
+                  </p:tgtEl>
+                </p:cond>
+              </p:prevCondLst>
+              <p:nextCondLst>
+                <p:cond evt="onNext" delay="0">
+                  <p:tgtEl>
+                    <p:sldTgt/>
+                  </p:tgtEl>
+                </p:cond>
+              </p:nextCondLst>
+            </p:seq>
+          </p:childTnLst>
+        </p:cTn>
+      </p:par>
+    </p:tnLst>
+    <p:bldLst>
+      <p:bldP spid="4" grpId="0" animBg="1"/>
+    </p:bldLst>
+  </p:timing>
+</p:sld>
+</file>
+
+<file path=ppt/slides/slide6.xml><?xml version="1.0" encoding="utf-8"?>
+<p:sld xmlns:a="http://schemas.openxmlformats.org/drawingml/2006/main" xmlns:r="http://schemas.openxmlformats.org/officeDocument/2006/relationships" xmlns:p="http://schemas.openxmlformats.org/presentationml/2006/main">
+  <p:cSld>
+    <p:spTree>
+      <p:nvGrpSpPr>
+        <p:cNvPr id="1" name=""/>
+        <p:cNvGrpSpPr/>
+        <p:nvPr/>
+      </p:nvGrpSpPr>
+      <p:grpSpPr>
+        <a:xfrm>
+          <a:off x="0" y="0"/>
+          <a:ext cx="0" cy="0"/>
+          <a:chOff x="0" y="0"/>
+          <a:chExt cx="0" cy="0"/>
+        </a:xfrm>
+      </p:grpSpPr>
+      <p:pic>
+        <p:nvPicPr>
+          <p:cNvPr id="2" name="圖片 1">
+            <a:extLst>
+              <a:ext uri="{FF2B5EF4-FFF2-40B4-BE49-F238E27FC236}">
+                <a16:creationId xmlns:a16="http://schemas.microsoft.com/office/drawing/2014/main" id="{3DFD3539-48C3-484D-B170-E4DC1D3CF805}"/>
               </a:ext>
             </a:extLst>
           </p:cNvPr>
@@ -5322,8 +5510,8 @@
         </p:blipFill>
         <p:spPr>
           <a:xfrm>
-            <a:off x="1508914" y="1911785"/>
-            <a:ext cx="6593433" cy="4224681"/>
+            <a:off x="1692336" y="1918469"/>
+            <a:ext cx="6172735" cy="4008467"/>
           </a:xfrm>
           <a:prstGeom prst="rect">
             <a:avLst/>
@@ -5490,7 +5678,7 @@
         </p:nvSpPr>
         <p:spPr>
           <a:xfrm rot="11327613" flipH="1">
-            <a:off x="500419" y="5254828"/>
+            <a:off x="550541" y="5077478"/>
             <a:ext cx="909850" cy="853840"/>
           </a:xfrm>
           <a:prstGeom prst="bentArrow">
@@ -5543,8 +5731,8 @@
         </p:nvSpPr>
         <p:spPr>
           <a:xfrm>
-            <a:off x="2790007" y="6173197"/>
-            <a:ext cx="2386007" cy="538716"/>
+            <a:off x="1831119" y="6122602"/>
+            <a:ext cx="3438141" cy="538716"/>
           </a:xfrm>
           <a:prstGeom prst="rect">
             <a:avLst/>
@@ -5576,7 +5764,7 @@
                 <a:latin typeface="思源黑体 CN Bold" panose="020B0800000000000000" pitchFamily="34" charset="-128"/>
                 <a:ea typeface="思源黑体 CN Bold" panose="020B0800000000000000" pitchFamily="34" charset="-128"/>
               </a:rPr>
-              <a:t>遊戲開始與暫停</a:t>
+              <a:t>遊戲開始、技能與暫停</a:t>
             </a:r>
           </a:p>
         </p:txBody>
@@ -6069,8 +6257,8 @@
         </p:nvSpPr>
         <p:spPr>
           <a:xfrm>
-            <a:off x="3920065" y="5452534"/>
-            <a:ext cx="1494367" cy="355599"/>
+            <a:off x="3805694" y="5316945"/>
+            <a:ext cx="1667435" cy="355599"/>
           </a:xfrm>
           <a:prstGeom prst="rect">
             <a:avLst/>
@@ -6121,7 +6309,7 @@
         </p:nvSpPr>
         <p:spPr>
           <a:xfrm>
-            <a:off x="1562589" y="5872630"/>
+            <a:off x="1513621" y="5667382"/>
             <a:ext cx="6530164" cy="216229"/>
           </a:xfrm>
           <a:prstGeom prst="rect">
@@ -6173,7 +6361,7 @@
         </p:nvSpPr>
         <p:spPr>
           <a:xfrm rot="16200000" flipV="1">
-            <a:off x="5170295" y="5609761"/>
+            <a:off x="5195461" y="5430096"/>
             <a:ext cx="1024339" cy="770530"/>
           </a:xfrm>
           <a:prstGeom prst="uturnArrow">
@@ -6902,7 +7090,7 @@
                                           </p:stCondLst>
                                         </p:cTn>
                                         <p:tgtEl>
-                                          <p:spTgt spid="5"/>
+                                          <p:spTgt spid="2"/>
                                         </p:tgtEl>
                                         <p:attrNameLst>
                                           <p:attrName>style.visibility</p:attrName>
@@ -6916,7 +7104,7 @@
                                       <p:cBhvr>
                                         <p:cTn id="25" dur="500"/>
                                         <p:tgtEl>
-                                          <p:spTgt spid="5"/>
+                                          <p:spTgt spid="2"/>
                                         </p:tgtEl>
                                       </p:cBhvr>
                                     </p:animEffect>
@@ -8797,194 +8985,6 @@
       <p:bldP spid="30" grpId="0" animBg="1"/>
       <p:bldP spid="32" grpId="0" animBg="1"/>
       <p:bldP spid="34" grpId="0" animBg="1"/>
-    </p:bldLst>
-  </p:timing>
-</p:sld>
-</file>
-
-<file path=ppt/slides/slide6.xml><?xml version="1.0" encoding="utf-8"?>
-<p:sld xmlns:a="http://schemas.openxmlformats.org/drawingml/2006/main" xmlns:r="http://schemas.openxmlformats.org/officeDocument/2006/relationships" xmlns:p="http://schemas.openxmlformats.org/presentationml/2006/main">
-  <p:cSld>
-    <p:spTree>
-      <p:nvGrpSpPr>
-        <p:cNvPr id="1" name=""/>
-        <p:cNvGrpSpPr/>
-        <p:nvPr/>
-      </p:nvGrpSpPr>
-      <p:grpSpPr>
-        <a:xfrm>
-          <a:off x="0" y="0"/>
-          <a:ext cx="0" cy="0"/>
-          <a:chOff x="0" y="0"/>
-          <a:chExt cx="0" cy="0"/>
-        </a:xfrm>
-      </p:grpSpPr>
-      <p:sp>
-        <p:nvSpPr>
-          <p:cNvPr id="4" name="文字方塊 3">
-            <a:extLst>
-              <a:ext uri="{FF2B5EF4-FFF2-40B4-BE49-F238E27FC236}">
-                <a16:creationId xmlns:a16="http://schemas.microsoft.com/office/drawing/2014/main" id="{2D8181A4-D351-4DC2-9456-1EC327BB8E07}"/>
-              </a:ext>
-            </a:extLst>
-          </p:cNvPr>
-          <p:cNvSpPr txBox="1"/>
-          <p:nvPr/>
-        </p:nvSpPr>
-        <p:spPr>
-          <a:xfrm>
-            <a:off x="147242" y="156852"/>
-            <a:ext cx="2180703" cy="646331"/>
-          </a:xfrm>
-          <a:prstGeom prst="rect">
-            <a:avLst/>
-          </a:prstGeom>
-          <a:blipFill dpi="0" rotWithShape="1">
-            <a:blip r:embed="rId2"/>
-            <a:srcRect/>
-            <a:tile tx="0" ty="0" sx="100000" sy="100000" flip="none" algn="tl"/>
-          </a:blipFill>
-        </p:spPr>
-        <p:txBody>
-          <a:bodyPr wrap="square" rtlCol="0">
-            <a:spAutoFit/>
-          </a:bodyPr>
-          <a:lstStyle/>
-          <a:p>
-            <a:r>
-              <a:rPr lang="zh-TW" altLang="en-US" sz="3600" dirty="0">
-                <a:latin typeface="方正兰亭黑Pro_GB18030 DemiBold" panose="02000700000000000000" pitchFamily="50" charset="-122"/>
-                <a:ea typeface="方正兰亭黑Pro_GB18030 DemiBold" panose="02000700000000000000" pitchFamily="50" charset="-122"/>
-              </a:rPr>
-              <a:t>新建角色</a:t>
-            </a:r>
-          </a:p>
-        </p:txBody>
-      </p:sp>
-      <p:pic>
-        <p:nvPicPr>
-          <p:cNvPr id="2" name="圖片 1">
-            <a:extLst>
-              <a:ext uri="{FF2B5EF4-FFF2-40B4-BE49-F238E27FC236}">
-                <a16:creationId xmlns:a16="http://schemas.microsoft.com/office/drawing/2014/main" id="{7D7A8DE0-B3C7-4A6F-B6CE-5FF16FED5267}"/>
-              </a:ext>
-            </a:extLst>
-          </p:cNvPr>
-          <p:cNvPicPr>
-            <a:picLocks noChangeAspect="1"/>
-          </p:cNvPicPr>
-          <p:nvPr/>
-        </p:nvPicPr>
-        <p:blipFill>
-          <a:blip r:embed="rId3"/>
-          <a:stretch>
-            <a:fillRect/>
-          </a:stretch>
-        </p:blipFill>
-        <p:spPr>
-          <a:xfrm>
-            <a:off x="823473" y="994771"/>
-            <a:ext cx="7497054" cy="4868457"/>
-          </a:xfrm>
-          <a:prstGeom prst="rect">
-            <a:avLst/>
-          </a:prstGeom>
-        </p:spPr>
-      </p:pic>
-    </p:spTree>
-    <p:extLst>
-      <p:ext uri="{BB962C8B-B14F-4D97-AF65-F5344CB8AC3E}">
-        <p14:creationId xmlns:p14="http://schemas.microsoft.com/office/powerpoint/2010/main" val="1635981293"/>
-      </p:ext>
-    </p:extLst>
-  </p:cSld>
-  <p:clrMapOvr>
-    <a:masterClrMapping/>
-  </p:clrMapOvr>
-  <p:timing>
-    <p:tnLst>
-      <p:par>
-        <p:cTn id="1" dur="indefinite" restart="never" nodeType="tmRoot">
-          <p:childTnLst>
-            <p:seq concurrent="1" nextAc="seek">
-              <p:cTn id="2" dur="indefinite" nodeType="mainSeq">
-                <p:childTnLst>
-                  <p:par>
-                    <p:cTn id="3" fill="hold">
-                      <p:stCondLst>
-                        <p:cond delay="indefinite"/>
-                      </p:stCondLst>
-                      <p:childTnLst>
-                        <p:par>
-                          <p:cTn id="4" fill="hold">
-                            <p:stCondLst>
-                              <p:cond delay="0"/>
-                            </p:stCondLst>
-                            <p:childTnLst>
-                              <p:par>
-                                <p:cTn id="5" presetID="22" presetClass="entr" presetSubtype="8" fill="hold" grpId="0" nodeType="clickEffect">
-                                  <p:stCondLst>
-                                    <p:cond delay="0"/>
-                                  </p:stCondLst>
-                                  <p:childTnLst>
-                                    <p:set>
-                                      <p:cBhvr>
-                                        <p:cTn id="6" dur="1" fill="hold">
-                                          <p:stCondLst>
-                                            <p:cond delay="0"/>
-                                          </p:stCondLst>
-                                        </p:cTn>
-                                        <p:tgtEl>
-                                          <p:spTgt spid="4"/>
-                                        </p:tgtEl>
-                                        <p:attrNameLst>
-                                          <p:attrName>style.visibility</p:attrName>
-                                        </p:attrNameLst>
-                                      </p:cBhvr>
-                                      <p:to>
-                                        <p:strVal val="visible"/>
-                                      </p:to>
-                                    </p:set>
-                                    <p:animEffect transition="in" filter="wipe(left)">
-                                      <p:cBhvr>
-                                        <p:cTn id="7" dur="500"/>
-                                        <p:tgtEl>
-                                          <p:spTgt spid="4"/>
-                                        </p:tgtEl>
-                                      </p:cBhvr>
-                                    </p:animEffect>
-                                  </p:childTnLst>
-                                </p:cTn>
-                              </p:par>
-                            </p:childTnLst>
-                          </p:cTn>
-                        </p:par>
-                      </p:childTnLst>
-                    </p:cTn>
-                  </p:par>
-                </p:childTnLst>
-              </p:cTn>
-              <p:prevCondLst>
-                <p:cond evt="onPrev" delay="0">
-                  <p:tgtEl>
-                    <p:sldTgt/>
-                  </p:tgtEl>
-                </p:cond>
-              </p:prevCondLst>
-              <p:nextCondLst>
-                <p:cond evt="onNext" delay="0">
-                  <p:tgtEl>
-                    <p:sldTgt/>
-                  </p:tgtEl>
-                </p:cond>
-              </p:nextCondLst>
-            </p:seq>
-          </p:childTnLst>
-        </p:cTn>
-      </p:par>
-    </p:tnLst>
-    <p:bldLst>
-      <p:bldP spid="4" grpId="0" animBg="1"/>
     </p:bldLst>
   </p:timing>
 </p:sld>

--- a/掛機 RPG 小遊戲.pptx
+++ b/掛機 RPG 小遊戲.pptx
@@ -11,12 +11,11 @@
     <p:sldId id="267" r:id="rId5"/>
     <p:sldId id="266" r:id="rId6"/>
     <p:sldId id="258" r:id="rId7"/>
-    <p:sldId id="259" r:id="rId8"/>
-    <p:sldId id="260" r:id="rId9"/>
-    <p:sldId id="261" r:id="rId10"/>
-    <p:sldId id="262" r:id="rId11"/>
-    <p:sldId id="264" r:id="rId12"/>
-    <p:sldId id="265" r:id="rId13"/>
+    <p:sldId id="260" r:id="rId8"/>
+    <p:sldId id="261" r:id="rId9"/>
+    <p:sldId id="262" r:id="rId10"/>
+    <p:sldId id="264" r:id="rId11"/>
+    <p:sldId id="265" r:id="rId12"/>
   </p:sldIdLst>
   <p:sldSz cx="9144000" cy="6858000" type="screen4x3"/>
   <p:notesSz cx="6858000" cy="9144000"/>
@@ -3216,521 +3215,6 @@
       </p:grpSpPr>
       <p:sp>
         <p:nvSpPr>
-          <p:cNvPr id="4" name="標題 1">
-            <a:extLst>
-              <a:ext uri="{FF2B5EF4-FFF2-40B4-BE49-F238E27FC236}">
-                <a16:creationId xmlns:a16="http://schemas.microsoft.com/office/drawing/2014/main" id="{14DE5FB5-8580-4E59-A524-122C750EEF0A}"/>
-              </a:ext>
-            </a:extLst>
-          </p:cNvPr>
-          <p:cNvSpPr>
-            <a:spLocks noGrp="1"/>
-          </p:cNvSpPr>
-          <p:nvPr>
-            <p:ph type="title"/>
-          </p:nvPr>
-        </p:nvSpPr>
-        <p:spPr>
-          <a:xfrm>
-            <a:off x="349251" y="255060"/>
-            <a:ext cx="1250949" cy="557741"/>
-          </a:xfrm>
-          <a:blipFill dpi="0" rotWithShape="1">
-            <a:blip r:embed="rId2"/>
-            <a:srcRect/>
-            <a:tile tx="0" ty="0" sx="100000" sy="100000" flip="none" algn="tl"/>
-          </a:blipFill>
-        </p:spPr>
-        <p:txBody>
-          <a:bodyPr>
-            <a:normAutofit fontScale="90000"/>
-          </a:bodyPr>
-          <a:lstStyle/>
-          <a:p>
-            <a:r>
-              <a:rPr lang="zh-TW" altLang="en-US" dirty="0"/>
-              <a:t>選單</a:t>
-            </a:r>
-          </a:p>
-        </p:txBody>
-      </p:sp>
-      <p:pic>
-        <p:nvPicPr>
-          <p:cNvPr id="6" name="圖片 5">
-            <a:extLst>
-              <a:ext uri="{FF2B5EF4-FFF2-40B4-BE49-F238E27FC236}">
-                <a16:creationId xmlns:a16="http://schemas.microsoft.com/office/drawing/2014/main" id="{9C76B0AA-58F8-468B-9475-D15DCB4941DE}"/>
-              </a:ext>
-            </a:extLst>
-          </p:cNvPr>
-          <p:cNvPicPr>
-            <a:picLocks noChangeAspect="1"/>
-          </p:cNvPicPr>
-          <p:nvPr/>
-        </p:nvPicPr>
-        <p:blipFill>
-          <a:blip r:embed="rId3"/>
-          <a:stretch>
-            <a:fillRect/>
-          </a:stretch>
-        </p:blipFill>
-        <p:spPr>
-          <a:xfrm>
-            <a:off x="713835" y="1439517"/>
-            <a:ext cx="7716327" cy="4944165"/>
-          </a:xfrm>
-          <a:prstGeom prst="rect">
-            <a:avLst/>
-          </a:prstGeom>
-        </p:spPr>
-      </p:pic>
-      <p:pic>
-        <p:nvPicPr>
-          <p:cNvPr id="8" name="圖片 7">
-            <a:extLst>
-              <a:ext uri="{FF2B5EF4-FFF2-40B4-BE49-F238E27FC236}">
-                <a16:creationId xmlns:a16="http://schemas.microsoft.com/office/drawing/2014/main" id="{6592142C-111F-4B8A-A5D8-B3322B15A2E0}"/>
-              </a:ext>
-            </a:extLst>
-          </p:cNvPr>
-          <p:cNvPicPr>
-            <a:picLocks noChangeAspect="1"/>
-          </p:cNvPicPr>
-          <p:nvPr/>
-        </p:nvPicPr>
-        <p:blipFill>
-          <a:blip r:embed="rId4"/>
-          <a:stretch>
-            <a:fillRect/>
-          </a:stretch>
-        </p:blipFill>
-        <p:spPr>
-          <a:xfrm>
-            <a:off x="713836" y="1439517"/>
-            <a:ext cx="7716327" cy="4944165"/>
-          </a:xfrm>
-          <a:prstGeom prst="rect">
-            <a:avLst/>
-          </a:prstGeom>
-        </p:spPr>
-      </p:pic>
-      <p:pic>
-        <p:nvPicPr>
-          <p:cNvPr id="3" name="圖片 2">
-            <a:extLst>
-              <a:ext uri="{FF2B5EF4-FFF2-40B4-BE49-F238E27FC236}">
-                <a16:creationId xmlns:a16="http://schemas.microsoft.com/office/drawing/2014/main" id="{4474B1EC-7A25-4D4D-9A48-0C50590AAA22}"/>
-              </a:ext>
-            </a:extLst>
-          </p:cNvPr>
-          <p:cNvPicPr>
-            <a:picLocks noChangeAspect="1"/>
-          </p:cNvPicPr>
-          <p:nvPr/>
-        </p:nvPicPr>
-        <p:blipFill>
-          <a:blip r:embed="rId5"/>
-          <a:stretch>
-            <a:fillRect/>
-          </a:stretch>
-        </p:blipFill>
-        <p:spPr>
-          <a:xfrm>
-            <a:off x="714912" y="1440207"/>
-            <a:ext cx="7715250" cy="4943475"/>
-          </a:xfrm>
-          <a:prstGeom prst="rect">
-            <a:avLst/>
-          </a:prstGeom>
-        </p:spPr>
-      </p:pic>
-      <p:pic>
-        <p:nvPicPr>
-          <p:cNvPr id="7" name="圖片 6">
-            <a:extLst>
-              <a:ext uri="{FF2B5EF4-FFF2-40B4-BE49-F238E27FC236}">
-                <a16:creationId xmlns:a16="http://schemas.microsoft.com/office/drawing/2014/main" id="{A0B95C61-302F-4A35-AC8E-85F0D0218761}"/>
-              </a:ext>
-            </a:extLst>
-          </p:cNvPr>
-          <p:cNvPicPr>
-            <a:picLocks noChangeAspect="1"/>
-          </p:cNvPicPr>
-          <p:nvPr/>
-        </p:nvPicPr>
-        <p:blipFill>
-          <a:blip r:embed="rId6"/>
-          <a:stretch>
-            <a:fillRect/>
-          </a:stretch>
-        </p:blipFill>
-        <p:spPr>
-          <a:xfrm>
-            <a:off x="676273" y="1406524"/>
-            <a:ext cx="7791450" cy="5010150"/>
-          </a:xfrm>
-          <a:prstGeom prst="rect">
-            <a:avLst/>
-          </a:prstGeom>
-        </p:spPr>
-      </p:pic>
-      <p:pic>
-        <p:nvPicPr>
-          <p:cNvPr id="10" name="圖片 9">
-            <a:extLst>
-              <a:ext uri="{FF2B5EF4-FFF2-40B4-BE49-F238E27FC236}">
-                <a16:creationId xmlns:a16="http://schemas.microsoft.com/office/drawing/2014/main" id="{9CCFF1CE-9BB9-446F-A166-954F2CB02309}"/>
-              </a:ext>
-            </a:extLst>
-          </p:cNvPr>
-          <p:cNvPicPr>
-            <a:picLocks noChangeAspect="1"/>
-          </p:cNvPicPr>
-          <p:nvPr/>
-        </p:nvPicPr>
-        <p:blipFill>
-          <a:blip r:embed="rId7"/>
-          <a:stretch>
-            <a:fillRect/>
-          </a:stretch>
-        </p:blipFill>
-        <p:spPr>
-          <a:xfrm>
-            <a:off x="-2" y="1032680"/>
-            <a:ext cx="9144000" cy="5351002"/>
-          </a:xfrm>
-          <a:prstGeom prst="rect">
-            <a:avLst/>
-          </a:prstGeom>
-        </p:spPr>
-      </p:pic>
-    </p:spTree>
-    <p:extLst>
-      <p:ext uri="{BB962C8B-B14F-4D97-AF65-F5344CB8AC3E}">
-        <p14:creationId xmlns:p14="http://schemas.microsoft.com/office/powerpoint/2010/main" val="2139839948"/>
-      </p:ext>
-    </p:extLst>
-  </p:cSld>
-  <p:clrMapOvr>
-    <a:masterClrMapping/>
-  </p:clrMapOvr>
-  <p:timing>
-    <p:tnLst>
-      <p:par>
-        <p:cTn id="1" dur="indefinite" restart="never" nodeType="tmRoot">
-          <p:childTnLst>
-            <p:seq concurrent="1" nextAc="seek">
-              <p:cTn id="2" dur="indefinite" nodeType="mainSeq">
-                <p:childTnLst>
-                  <p:par>
-                    <p:cTn id="3" fill="hold">
-                      <p:stCondLst>
-                        <p:cond delay="indefinite"/>
-                      </p:stCondLst>
-                      <p:childTnLst>
-                        <p:par>
-                          <p:cTn id="4" fill="hold">
-                            <p:stCondLst>
-                              <p:cond delay="0"/>
-                            </p:stCondLst>
-                            <p:childTnLst>
-                              <p:par>
-                                <p:cTn id="5" presetID="22" presetClass="entr" presetSubtype="4" fill="hold" nodeType="clickEffect">
-                                  <p:stCondLst>
-                                    <p:cond delay="0"/>
-                                  </p:stCondLst>
-                                  <p:childTnLst>
-                                    <p:set>
-                                      <p:cBhvr>
-                                        <p:cTn id="6" dur="1" fill="hold">
-                                          <p:stCondLst>
-                                            <p:cond delay="0"/>
-                                          </p:stCondLst>
-                                        </p:cTn>
-                                        <p:tgtEl>
-                                          <p:spTgt spid="6"/>
-                                        </p:tgtEl>
-                                        <p:attrNameLst>
-                                          <p:attrName>style.visibility</p:attrName>
-                                        </p:attrNameLst>
-                                      </p:cBhvr>
-                                      <p:to>
-                                        <p:strVal val="visible"/>
-                                      </p:to>
-                                    </p:set>
-                                    <p:animEffect transition="in" filter="wipe(down)">
-                                      <p:cBhvr>
-                                        <p:cTn id="7" dur="500"/>
-                                        <p:tgtEl>
-                                          <p:spTgt spid="6"/>
-                                        </p:tgtEl>
-                                      </p:cBhvr>
-                                    </p:animEffect>
-                                  </p:childTnLst>
-                                </p:cTn>
-                              </p:par>
-                            </p:childTnLst>
-                          </p:cTn>
-                        </p:par>
-                      </p:childTnLst>
-                    </p:cTn>
-                  </p:par>
-                  <p:par>
-                    <p:cTn id="8" fill="hold">
-                      <p:stCondLst>
-                        <p:cond delay="indefinite"/>
-                      </p:stCondLst>
-                      <p:childTnLst>
-                        <p:par>
-                          <p:cTn id="9" fill="hold">
-                            <p:stCondLst>
-                              <p:cond delay="0"/>
-                            </p:stCondLst>
-                            <p:childTnLst>
-                              <p:par>
-                                <p:cTn id="10" presetID="22" presetClass="entr" presetSubtype="4" fill="hold" nodeType="clickEffect">
-                                  <p:stCondLst>
-                                    <p:cond delay="0"/>
-                                  </p:stCondLst>
-                                  <p:childTnLst>
-                                    <p:set>
-                                      <p:cBhvr>
-                                        <p:cTn id="11" dur="1" fill="hold">
-                                          <p:stCondLst>
-                                            <p:cond delay="0"/>
-                                          </p:stCondLst>
-                                        </p:cTn>
-                                        <p:tgtEl>
-                                          <p:spTgt spid="8"/>
-                                        </p:tgtEl>
-                                        <p:attrNameLst>
-                                          <p:attrName>style.visibility</p:attrName>
-                                        </p:attrNameLst>
-                                      </p:cBhvr>
-                                      <p:to>
-                                        <p:strVal val="visible"/>
-                                      </p:to>
-                                    </p:set>
-                                    <p:animEffect transition="in" filter="wipe(down)">
-                                      <p:cBhvr>
-                                        <p:cTn id="12" dur="500"/>
-                                        <p:tgtEl>
-                                          <p:spTgt spid="8"/>
-                                        </p:tgtEl>
-                                      </p:cBhvr>
-                                    </p:animEffect>
-                                  </p:childTnLst>
-                                </p:cTn>
-                              </p:par>
-                            </p:childTnLst>
-                          </p:cTn>
-                        </p:par>
-                      </p:childTnLst>
-                    </p:cTn>
-                  </p:par>
-                  <p:par>
-                    <p:cTn id="13" fill="hold">
-                      <p:stCondLst>
-                        <p:cond delay="indefinite"/>
-                      </p:stCondLst>
-                      <p:childTnLst>
-                        <p:par>
-                          <p:cTn id="14" fill="hold">
-                            <p:stCondLst>
-                              <p:cond delay="0"/>
-                            </p:stCondLst>
-                            <p:childTnLst>
-                              <p:par>
-                                <p:cTn id="15" presetID="22" presetClass="entr" presetSubtype="4" fill="hold" nodeType="clickEffect">
-                                  <p:stCondLst>
-                                    <p:cond delay="0"/>
-                                  </p:stCondLst>
-                                  <p:childTnLst>
-                                    <p:set>
-                                      <p:cBhvr>
-                                        <p:cTn id="16" dur="1" fill="hold">
-                                          <p:stCondLst>
-                                            <p:cond delay="0"/>
-                                          </p:stCondLst>
-                                        </p:cTn>
-                                        <p:tgtEl>
-                                          <p:spTgt spid="3"/>
-                                        </p:tgtEl>
-                                        <p:attrNameLst>
-                                          <p:attrName>style.visibility</p:attrName>
-                                        </p:attrNameLst>
-                                      </p:cBhvr>
-                                      <p:to>
-                                        <p:strVal val="visible"/>
-                                      </p:to>
-                                    </p:set>
-                                    <p:animEffect transition="in" filter="wipe(down)">
-                                      <p:cBhvr>
-                                        <p:cTn id="17" dur="500"/>
-                                        <p:tgtEl>
-                                          <p:spTgt spid="3"/>
-                                        </p:tgtEl>
-                                      </p:cBhvr>
-                                    </p:animEffect>
-                                  </p:childTnLst>
-                                </p:cTn>
-                              </p:par>
-                            </p:childTnLst>
-                          </p:cTn>
-                        </p:par>
-                      </p:childTnLst>
-                    </p:cTn>
-                  </p:par>
-                  <p:par>
-                    <p:cTn id="18" fill="hold">
-                      <p:stCondLst>
-                        <p:cond delay="indefinite"/>
-                      </p:stCondLst>
-                      <p:childTnLst>
-                        <p:par>
-                          <p:cTn id="19" fill="hold">
-                            <p:stCondLst>
-                              <p:cond delay="0"/>
-                            </p:stCondLst>
-                            <p:childTnLst>
-                              <p:par>
-                                <p:cTn id="20" presetID="22" presetClass="entr" presetSubtype="4" fill="hold" nodeType="clickEffect">
-                                  <p:stCondLst>
-                                    <p:cond delay="0"/>
-                                  </p:stCondLst>
-                                  <p:childTnLst>
-                                    <p:set>
-                                      <p:cBhvr>
-                                        <p:cTn id="21" dur="1" fill="hold">
-                                          <p:stCondLst>
-                                            <p:cond delay="0"/>
-                                          </p:stCondLst>
-                                        </p:cTn>
-                                        <p:tgtEl>
-                                          <p:spTgt spid="7"/>
-                                        </p:tgtEl>
-                                        <p:attrNameLst>
-                                          <p:attrName>style.visibility</p:attrName>
-                                        </p:attrNameLst>
-                                      </p:cBhvr>
-                                      <p:to>
-                                        <p:strVal val="visible"/>
-                                      </p:to>
-                                    </p:set>
-                                    <p:animEffect transition="in" filter="wipe(down)">
-                                      <p:cBhvr>
-                                        <p:cTn id="22" dur="500"/>
-                                        <p:tgtEl>
-                                          <p:spTgt spid="7"/>
-                                        </p:tgtEl>
-                                      </p:cBhvr>
-                                    </p:animEffect>
-                                  </p:childTnLst>
-                                </p:cTn>
-                              </p:par>
-                            </p:childTnLst>
-                          </p:cTn>
-                        </p:par>
-                      </p:childTnLst>
-                    </p:cTn>
-                  </p:par>
-                  <p:par>
-                    <p:cTn id="23" fill="hold">
-                      <p:stCondLst>
-                        <p:cond delay="indefinite"/>
-                      </p:stCondLst>
-                      <p:childTnLst>
-                        <p:par>
-                          <p:cTn id="24" fill="hold">
-                            <p:stCondLst>
-                              <p:cond delay="0"/>
-                            </p:stCondLst>
-                            <p:childTnLst>
-                              <p:par>
-                                <p:cTn id="25" presetID="22" presetClass="entr" presetSubtype="4" fill="hold" nodeType="clickEffect">
-                                  <p:stCondLst>
-                                    <p:cond delay="0"/>
-                                  </p:stCondLst>
-                                  <p:childTnLst>
-                                    <p:set>
-                                      <p:cBhvr>
-                                        <p:cTn id="26" dur="1" fill="hold">
-                                          <p:stCondLst>
-                                            <p:cond delay="0"/>
-                                          </p:stCondLst>
-                                        </p:cTn>
-                                        <p:tgtEl>
-                                          <p:spTgt spid="10"/>
-                                        </p:tgtEl>
-                                        <p:attrNameLst>
-                                          <p:attrName>style.visibility</p:attrName>
-                                        </p:attrNameLst>
-                                      </p:cBhvr>
-                                      <p:to>
-                                        <p:strVal val="visible"/>
-                                      </p:to>
-                                    </p:set>
-                                    <p:animEffect transition="in" filter="wipe(down)">
-                                      <p:cBhvr>
-                                        <p:cTn id="27" dur="500"/>
-                                        <p:tgtEl>
-                                          <p:spTgt spid="10"/>
-                                        </p:tgtEl>
-                                      </p:cBhvr>
-                                    </p:animEffect>
-                                  </p:childTnLst>
-                                </p:cTn>
-                              </p:par>
-                            </p:childTnLst>
-                          </p:cTn>
-                        </p:par>
-                      </p:childTnLst>
-                    </p:cTn>
-                  </p:par>
-                </p:childTnLst>
-              </p:cTn>
-              <p:prevCondLst>
-                <p:cond evt="onPrev" delay="0">
-                  <p:tgtEl>
-                    <p:sldTgt/>
-                  </p:tgtEl>
-                </p:cond>
-              </p:prevCondLst>
-              <p:nextCondLst>
-                <p:cond evt="onNext" delay="0">
-                  <p:tgtEl>
-                    <p:sldTgt/>
-                  </p:tgtEl>
-                </p:cond>
-              </p:nextCondLst>
-            </p:seq>
-          </p:childTnLst>
-        </p:cTn>
-      </p:par>
-    </p:tnLst>
-  </p:timing>
-</p:sld>
-</file>
-
-<file path=ppt/slides/slide11.xml><?xml version="1.0" encoding="utf-8"?>
-<p:sld xmlns:a="http://schemas.openxmlformats.org/drawingml/2006/main" xmlns:r="http://schemas.openxmlformats.org/officeDocument/2006/relationships" xmlns:p="http://schemas.openxmlformats.org/presentationml/2006/main">
-  <p:cSld>
-    <p:spTree>
-      <p:nvGrpSpPr>
-        <p:cNvPr id="1" name=""/>
-        <p:cNvGrpSpPr/>
-        <p:nvPr/>
-      </p:nvGrpSpPr>
-      <p:grpSpPr>
-        <a:xfrm>
-          <a:off x="0" y="0"/>
-          <a:ext cx="0" cy="0"/>
-          <a:chOff x="0" y="0"/>
-          <a:chExt cx="0" cy="0"/>
-        </a:xfrm>
-      </p:grpSpPr>
-      <p:sp>
-        <p:nvSpPr>
           <p:cNvPr id="6" name="標題 1">
             <a:extLst>
               <a:ext uri="{FF2B5EF4-FFF2-40B4-BE49-F238E27FC236}">
@@ -4068,7 +3552,7 @@
           <a:graphicData uri="http://schemas.openxmlformats.org/presentationml/2006/ole">
             <mc:AlternateContent xmlns:mc="http://schemas.openxmlformats.org/markup-compatibility/2006">
               <mc:Choice xmlns:v="urn:schemas-microsoft-com:vml" Requires="v">
-                <p:oleObj spid="_x0000_s1044" name="Worksheet" r:id="rId4" imgW="11064240" imgH="5151136" progId="Excel.Sheet.12">
+                <p:oleObj spid="_x0000_s1054" name="Worksheet" r:id="rId4" imgW="11064240" imgH="5151136" progId="Excel.Sheet.12">
                   <p:embed/>
                 </p:oleObj>
               </mc:Choice>
@@ -4116,7 +3600,7 @@
 </p:sld>
 </file>
 
-<file path=ppt/slides/slide12.xml><?xml version="1.0" encoding="utf-8"?>
+<file path=ppt/slides/slide11.xml><?xml version="1.0" encoding="utf-8"?>
 <p:sld xmlns:a="http://schemas.openxmlformats.org/drawingml/2006/main" xmlns:r="http://schemas.openxmlformats.org/officeDocument/2006/relationships" xmlns:p="http://schemas.openxmlformats.org/presentationml/2006/main">
   <p:cSld>
     <p:spTree>
@@ -4454,30 +3938,21 @@
                             </p:childTnLst>
                           </p:cTn>
                         </p:par>
-                      </p:childTnLst>
-                    </p:cTn>
-                  </p:par>
-                  <p:par>
-                    <p:cTn id="8" fill="hold">
-                      <p:stCondLst>
-                        <p:cond delay="indefinite"/>
-                      </p:stCondLst>
-                      <p:childTnLst>
                         <p:par>
-                          <p:cTn id="9" fill="hold">
+                          <p:cTn id="8" fill="hold">
                             <p:stCondLst>
-                              <p:cond delay="0"/>
+                              <p:cond delay="500"/>
                             </p:stCondLst>
                             <p:childTnLst>
                               <p:par>
-                                <p:cTn id="10" presetID="10" presetClass="entr" presetSubtype="0" fill="hold" grpId="0" nodeType="clickEffect">
+                                <p:cTn id="9" presetID="10" presetClass="entr" presetSubtype="0" fill="hold" grpId="0" nodeType="afterEffect">
                                   <p:stCondLst>
                                     <p:cond delay="0"/>
                                   </p:stCondLst>
                                   <p:childTnLst>
                                     <p:set>
                                       <p:cBhvr>
-                                        <p:cTn id="11" dur="1" fill="hold">
+                                        <p:cTn id="10" dur="1" fill="hold">
                                           <p:stCondLst>
                                             <p:cond delay="0"/>
                                           </p:stCondLst>
@@ -4499,7 +3974,7 @@
                                     </p:set>
                                     <p:animEffect transition="in" filter="fade">
                                       <p:cBhvr>
-                                        <p:cTn id="12" dur="500"/>
+                                        <p:cTn id="11" dur="500"/>
                                         <p:tgtEl>
                                           <p:spTgt spid="4">
                                             <p:txEl>
@@ -4516,20 +3991,20 @@
                           </p:cTn>
                         </p:par>
                         <p:par>
-                          <p:cTn id="13" fill="hold">
+                          <p:cTn id="12" fill="hold">
                             <p:stCondLst>
-                              <p:cond delay="500"/>
+                              <p:cond delay="1000"/>
                             </p:stCondLst>
                             <p:childTnLst>
                               <p:par>
-                                <p:cTn id="14" presetID="2" presetClass="entr" presetSubtype="8" fill="hold" grpId="0" nodeType="afterEffect">
+                                <p:cTn id="13" presetID="2" presetClass="entr" presetSubtype="8" fill="hold" grpId="0" nodeType="afterEffect">
                                   <p:stCondLst>
                                     <p:cond delay="0"/>
                                   </p:stCondLst>
                                   <p:childTnLst>
                                     <p:set>
                                       <p:cBhvr>
-                                        <p:cTn id="15" dur="1" fill="hold">
+                                        <p:cTn id="14" dur="1" fill="hold">
                                           <p:stCondLst>
                                             <p:cond delay="0"/>
                                           </p:stCondLst>
@@ -4547,7 +4022,7 @@
                                     </p:set>
                                     <p:anim calcmode="lin" valueType="num">
                                       <p:cBhvr additive="base">
-                                        <p:cTn id="16" dur="500" fill="hold"/>
+                                        <p:cTn id="15" dur="500" fill="hold"/>
                                         <p:tgtEl>
                                           <p:spTgt spid="5"/>
                                         </p:tgtEl>
@@ -4570,7 +4045,7 @@
                                     </p:anim>
                                     <p:anim calcmode="lin" valueType="num">
                                       <p:cBhvr additive="base">
-                                        <p:cTn id="17" dur="500" fill="hold"/>
+                                        <p:cTn id="16" dur="500" fill="hold"/>
                                         <p:tgtEl>
                                           <p:spTgt spid="5"/>
                                         </p:tgtEl>
@@ -4598,20 +4073,20 @@
                           </p:cTn>
                         </p:par>
                         <p:par>
-                          <p:cTn id="18" fill="hold">
+                          <p:cTn id="17" fill="hold">
                             <p:stCondLst>
-                              <p:cond delay="1000"/>
+                              <p:cond delay="1500"/>
                             </p:stCondLst>
                             <p:childTnLst>
                               <p:par>
-                                <p:cTn id="19" presetID="2" presetClass="entr" presetSubtype="8" fill="hold" grpId="0" nodeType="afterEffect">
+                                <p:cTn id="18" presetID="2" presetClass="entr" presetSubtype="8" fill="hold" grpId="0" nodeType="afterEffect">
                                   <p:stCondLst>
                                     <p:cond delay="0"/>
                                   </p:stCondLst>
                                   <p:childTnLst>
                                     <p:set>
                                       <p:cBhvr>
-                                        <p:cTn id="20" dur="1" fill="hold">
+                                        <p:cTn id="19" dur="1" fill="hold">
                                           <p:stCondLst>
                                             <p:cond delay="0"/>
                                           </p:stCondLst>
@@ -4629,7 +4104,7 @@
                                     </p:set>
                                     <p:anim calcmode="lin" valueType="num">
                                       <p:cBhvr additive="base">
-                                        <p:cTn id="21" dur="500" fill="hold"/>
+                                        <p:cTn id="20" dur="500" fill="hold"/>
                                         <p:tgtEl>
                                           <p:spTgt spid="6"/>
                                         </p:tgtEl>
@@ -4652,7 +4127,7 @@
                                     </p:anim>
                                     <p:anim calcmode="lin" valueType="num">
                                       <p:cBhvr additive="base">
-                                        <p:cTn id="22" dur="500" fill="hold"/>
+                                        <p:cTn id="21" dur="500" fill="hold"/>
                                         <p:tgtEl>
                                           <p:spTgt spid="6"/>
                                         </p:tgtEl>
@@ -4680,20 +4155,20 @@
                           </p:cTn>
                         </p:par>
                         <p:par>
-                          <p:cTn id="23" fill="hold">
+                          <p:cTn id="22" fill="hold">
                             <p:stCondLst>
-                              <p:cond delay="1500"/>
+                              <p:cond delay="2000"/>
                             </p:stCondLst>
                             <p:childTnLst>
                               <p:par>
-                                <p:cTn id="24" presetID="2" presetClass="entr" presetSubtype="8" fill="hold" nodeType="afterEffect">
+                                <p:cTn id="23" presetID="2" presetClass="entr" presetSubtype="8" fill="hold" nodeType="afterEffect">
                                   <p:stCondLst>
                                     <p:cond delay="0"/>
                                   </p:stCondLst>
                                   <p:childTnLst>
                                     <p:set>
                                       <p:cBhvr>
-                                        <p:cTn id="25" dur="1" fill="hold">
+                                        <p:cTn id="24" dur="1" fill="hold">
                                           <p:stCondLst>
                                             <p:cond delay="0"/>
                                           </p:stCondLst>
@@ -4715,7 +4190,7 @@
                                     </p:set>
                                     <p:anim calcmode="lin" valueType="num">
                                       <p:cBhvr additive="base">
-                                        <p:cTn id="26" dur="500" fill="hold"/>
+                                        <p:cTn id="25" dur="500" fill="hold"/>
                                         <p:tgtEl>
                                           <p:spTgt spid="7">
                                             <p:txEl>
@@ -4742,7 +4217,7 @@
                                     </p:anim>
                                     <p:anim calcmode="lin" valueType="num">
                                       <p:cBhvr additive="base">
-                                        <p:cTn id="27" dur="500" fill="hold"/>
+                                        <p:cTn id="26" dur="500" fill="hold"/>
                                         <p:tgtEl>
                                           <p:spTgt spid="7">
                                             <p:txEl>
@@ -4798,7 +4273,7 @@
       </p:par>
     </p:tnLst>
     <p:bldLst>
-      <p:bldP spid="4" grpId="0" build="p" animBg="1"/>
+      <p:bldP spid="4" grpId="0" uiExpand="1" build="p" animBg="1"/>
       <p:bldP spid="5" grpId="0"/>
       <p:bldP spid="6" grpId="0"/>
     </p:bldLst>
@@ -5431,6 +4906,50 @@
                                         <p:cTn id="7" dur="500"/>
                                         <p:tgtEl>
                                           <p:spTgt spid="4"/>
+                                        </p:tgtEl>
+                                      </p:cBhvr>
+                                    </p:animEffect>
+                                  </p:childTnLst>
+                                </p:cTn>
+                              </p:par>
+                            </p:childTnLst>
+                          </p:cTn>
+                        </p:par>
+                        <p:par>
+                          <p:cTn id="8" fill="hold">
+                            <p:stCondLst>
+                              <p:cond delay="500"/>
+                            </p:stCondLst>
+                            <p:childTnLst>
+                              <p:par>
+                                <p:cTn id="9" presetID="10" presetClass="entr" presetSubtype="0" fill="hold" nodeType="afterEffect">
+                                  <p:stCondLst>
+                                    <p:cond delay="0"/>
+                                  </p:stCondLst>
+                                  <p:childTnLst>
+                                    <p:set>
+                                      <p:cBhvr>
+                                        <p:cTn id="10" dur="1" fill="hold">
+                                          <p:stCondLst>
+                                            <p:cond delay="0"/>
+                                          </p:stCondLst>
+                                        </p:cTn>
+                                        <p:tgtEl>
+                                          <p:spTgt spid="2"/>
+                                        </p:tgtEl>
+                                        <p:attrNameLst>
+                                          <p:attrName>style.visibility</p:attrName>
+                                        </p:attrNameLst>
+                                      </p:cBhvr>
+                                      <p:to>
+                                        <p:strVal val="visible"/>
+                                      </p:to>
+                                    </p:set>
+                                    <p:animEffect transition="in" filter="fade">
+                                      <p:cBhvr>
+                                        <p:cTn id="11" dur="500"/>
+                                        <p:tgtEl>
+                                          <p:spTgt spid="2"/>
                                         </p:tgtEl>
                                       </p:cBhvr>
                                     </p:animEffect>
@@ -9009,10 +8528,10 @@
       </p:grpSpPr>
       <p:sp>
         <p:nvSpPr>
-          <p:cNvPr id="2" name="標題 1">
+          <p:cNvPr id="6" name="標題 1">
             <a:extLst>
               <a:ext uri="{FF2B5EF4-FFF2-40B4-BE49-F238E27FC236}">
-                <a16:creationId xmlns:a16="http://schemas.microsoft.com/office/drawing/2014/main" id="{377ACBAA-E614-492F-A41A-DE09DCB606F6}"/>
+                <a16:creationId xmlns:a16="http://schemas.microsoft.com/office/drawing/2014/main" id="{A9B2DC3A-9045-4E74-99B8-FE7CD5255552}"/>
               </a:ext>
             </a:extLst>
           </p:cNvPr>
@@ -9026,7 +8545,7 @@
         <p:spPr>
           <a:xfrm>
             <a:off x="349251" y="255060"/>
-            <a:ext cx="1852083" cy="557741"/>
+            <a:ext cx="1250949" cy="557741"/>
           </a:xfrm>
           <a:blipFill dpi="0" rotWithShape="1">
             <a:blip r:embed="rId2"/>
@@ -9042,17 +8561,17 @@
           <a:p>
             <a:r>
               <a:rPr lang="zh-TW" altLang="en-US" dirty="0"/>
-              <a:t>主遊戲</a:t>
+              <a:t>商店</a:t>
             </a:r>
           </a:p>
         </p:txBody>
       </p:sp>
       <p:pic>
         <p:nvPicPr>
-          <p:cNvPr id="5" name="圖片 4">
+          <p:cNvPr id="8" name="圖片 7">
             <a:extLst>
               <a:ext uri="{FF2B5EF4-FFF2-40B4-BE49-F238E27FC236}">
-                <a16:creationId xmlns:a16="http://schemas.microsoft.com/office/drawing/2014/main" id="{EE9E9320-645D-44ED-A278-CAAB82BA6227}"/>
+                <a16:creationId xmlns:a16="http://schemas.microsoft.com/office/drawing/2014/main" id="{9D890E4B-5F14-434E-B052-67C2FCCB252E}"/>
               </a:ext>
             </a:extLst>
           </p:cNvPr>
@@ -9069,68 +8588,8 @@
         </p:blipFill>
         <p:spPr>
           <a:xfrm>
-            <a:off x="713836" y="849231"/>
-            <a:ext cx="7716327" cy="4944165"/>
-          </a:xfrm>
-          <a:prstGeom prst="rect">
-            <a:avLst/>
-          </a:prstGeom>
-        </p:spPr>
-      </p:pic>
-      <p:pic>
-        <p:nvPicPr>
-          <p:cNvPr id="7" name="圖片 6">
-            <a:extLst>
-              <a:ext uri="{FF2B5EF4-FFF2-40B4-BE49-F238E27FC236}">
-                <a16:creationId xmlns:a16="http://schemas.microsoft.com/office/drawing/2014/main" id="{7842147F-DDF1-4F1D-BBC0-48223DC06E30}"/>
-              </a:ext>
-            </a:extLst>
-          </p:cNvPr>
-          <p:cNvPicPr>
-            <a:picLocks noChangeAspect="1"/>
-          </p:cNvPicPr>
-          <p:nvPr/>
-        </p:nvPicPr>
-        <p:blipFill>
-          <a:blip r:embed="rId4"/>
-          <a:stretch>
-            <a:fillRect/>
-          </a:stretch>
-        </p:blipFill>
-        <p:spPr>
-          <a:xfrm>
-            <a:off x="713836" y="849231"/>
-            <a:ext cx="7716327" cy="4944165"/>
-          </a:xfrm>
-          <a:prstGeom prst="rect">
-            <a:avLst/>
-          </a:prstGeom>
-        </p:spPr>
-      </p:pic>
-      <p:pic>
-        <p:nvPicPr>
-          <p:cNvPr id="9" name="圖片 8">
-            <a:extLst>
-              <a:ext uri="{FF2B5EF4-FFF2-40B4-BE49-F238E27FC236}">
-                <a16:creationId xmlns:a16="http://schemas.microsoft.com/office/drawing/2014/main" id="{A7C5FB6A-21DB-4B31-B967-D5EC32642363}"/>
-              </a:ext>
-            </a:extLst>
-          </p:cNvPr>
-          <p:cNvPicPr>
-            <a:picLocks noChangeAspect="1"/>
-          </p:cNvPicPr>
-          <p:nvPr/>
-        </p:nvPicPr>
-        <p:blipFill>
-          <a:blip r:embed="rId5"/>
-          <a:stretch>
-            <a:fillRect/>
-          </a:stretch>
-        </p:blipFill>
-        <p:spPr>
-          <a:xfrm>
-            <a:off x="713836" y="849230"/>
-            <a:ext cx="7716327" cy="4944165"/>
+            <a:off x="714375" y="923925"/>
+            <a:ext cx="7715250" cy="5010150"/>
           </a:xfrm>
           <a:prstGeom prst="rect">
             <a:avLst/>
@@ -9140,21 +8599,13 @@
     </p:spTree>
     <p:extLst>
       <p:ext uri="{BB962C8B-B14F-4D97-AF65-F5344CB8AC3E}">
-        <p14:creationId xmlns:p14="http://schemas.microsoft.com/office/powerpoint/2010/main" val="894312949"/>
+        <p14:creationId xmlns:p14="http://schemas.microsoft.com/office/powerpoint/2010/main" val="3332505565"/>
       </p:ext>
     </p:extLst>
   </p:cSld>
   <p:clrMapOvr>
     <a:masterClrMapping/>
   </p:clrMapOvr>
-  <mc:AlternateContent xmlns:mc="http://schemas.openxmlformats.org/markup-compatibility/2006" xmlns:p14="http://schemas.microsoft.com/office/powerpoint/2010/main">
-    <mc:Choice Requires="p14">
-      <p:transition p14:dur="10"/>
-    </mc:Choice>
-    <mc:Fallback xmlns="">
-      <p:transition/>
-    </mc:Fallback>
-  </mc:AlternateContent>
   <p:timing>
     <p:tnLst>
       <p:par>
@@ -9176,7 +8627,7 @@
                             </p:stCondLst>
                             <p:childTnLst>
                               <p:par>
-                                <p:cTn id="5" presetID="22" presetClass="entr" presetSubtype="4" fill="hold" nodeType="clickEffect">
+                                <p:cTn id="5" presetID="10" presetClass="entr" presetSubtype="0" fill="hold" nodeType="clickEffect">
                                   <p:stCondLst>
                                     <p:cond delay="0"/>
                                   </p:stCondLst>
@@ -9189,7 +8640,7 @@
                                           </p:stCondLst>
                                         </p:cTn>
                                         <p:tgtEl>
-                                          <p:spTgt spid="5"/>
+                                          <p:spTgt spid="8"/>
                                         </p:tgtEl>
                                         <p:attrNameLst>
                                           <p:attrName>style.visibility</p:attrName>
@@ -9199,117 +8650,11 @@
                                         <p:strVal val="visible"/>
                                       </p:to>
                                     </p:set>
-                                    <p:animEffect transition="in" filter="wipe(down)">
+                                    <p:animEffect transition="in" filter="fade">
                                       <p:cBhvr>
                                         <p:cTn id="7" dur="500"/>
                                         <p:tgtEl>
-                                          <p:spTgt spid="5"/>
-                                        </p:tgtEl>
-                                      </p:cBhvr>
-                                    </p:animEffect>
-                                  </p:childTnLst>
-                                </p:cTn>
-                              </p:par>
-                            </p:childTnLst>
-                          </p:cTn>
-                        </p:par>
-                      </p:childTnLst>
-                    </p:cTn>
-                  </p:par>
-                  <p:par>
-                    <p:cTn id="8" fill="hold">
-                      <p:stCondLst>
-                        <p:cond delay="indefinite"/>
-                      </p:stCondLst>
-                      <p:childTnLst>
-                        <p:par>
-                          <p:cTn id="9" fill="hold">
-                            <p:stCondLst>
-                              <p:cond delay="0"/>
-                            </p:stCondLst>
-                            <p:childTnLst>
-                              <p:par>
-                                <p:cTn id="10" presetID="22" presetClass="entr" presetSubtype="4" fill="hold" nodeType="clickEffect">
-                                  <p:stCondLst>
-                                    <p:cond delay="0"/>
-                                  </p:stCondLst>
-                                  <p:childTnLst>
-                                    <p:set>
-                                      <p:cBhvr>
-                                        <p:cTn id="11" dur="1" fill="hold">
-                                          <p:stCondLst>
-                                            <p:cond delay="0"/>
-                                          </p:stCondLst>
-                                        </p:cTn>
-                                        <p:tgtEl>
-                                          <p:spTgt spid="7"/>
-                                        </p:tgtEl>
-                                        <p:attrNameLst>
-                                          <p:attrName>style.visibility</p:attrName>
-                                        </p:attrNameLst>
-                                      </p:cBhvr>
-                                      <p:to>
-                                        <p:strVal val="visible"/>
-                                      </p:to>
-                                    </p:set>
-                                    <p:animEffect transition="in" filter="wipe(down)">
-                                      <p:cBhvr>
-                                        <p:cTn id="12" dur="500"/>
-                                        <p:tgtEl>
-                                          <p:spTgt spid="7"/>
-                                        </p:tgtEl>
-                                      </p:cBhvr>
-                                    </p:animEffect>
-                                  </p:childTnLst>
-                                </p:cTn>
-                              </p:par>
-                            </p:childTnLst>
-                          </p:cTn>
-                        </p:par>
-                      </p:childTnLst>
-                    </p:cTn>
-                  </p:par>
-                  <p:par>
-                    <p:cTn id="13" fill="hold">
-                      <p:stCondLst>
-                        <p:cond delay="indefinite"/>
-                      </p:stCondLst>
-                      <p:childTnLst>
-                        <p:par>
-                          <p:cTn id="14" fill="hold">
-                            <p:stCondLst>
-                              <p:cond delay="0"/>
-                            </p:stCondLst>
-                            <p:childTnLst>
-                              <p:par>
-                                <p:cTn id="15" presetID="22" presetClass="entr" presetSubtype="4" fill="hold" nodeType="clickEffect">
-                                  <p:stCondLst>
-                                    <p:cond delay="0"/>
-                                  </p:stCondLst>
-                                  <p:childTnLst>
-                                    <p:set>
-                                      <p:cBhvr>
-                                        <p:cTn id="16" dur="1" fill="hold">
-                                          <p:stCondLst>
-                                            <p:cond delay="0"/>
-                                          </p:stCondLst>
-                                        </p:cTn>
-                                        <p:tgtEl>
-                                          <p:spTgt spid="9"/>
-                                        </p:tgtEl>
-                                        <p:attrNameLst>
-                                          <p:attrName>style.visibility</p:attrName>
-                                        </p:attrNameLst>
-                                      </p:cBhvr>
-                                      <p:to>
-                                        <p:strVal val="visible"/>
-                                      </p:to>
-                                    </p:set>
-                                    <p:animEffect transition="in" filter="wipe(down)">
-                                      <p:cBhvr>
-                                        <p:cTn id="17" dur="500"/>
-                                        <p:tgtEl>
-                                          <p:spTgt spid="9"/>
+                                          <p:spTgt spid="8"/>
                                         </p:tgtEl>
                                       </p:cBhvr>
                                     </p:animEffect>
@@ -9364,12 +8709,52 @@
           <a:chExt cx="0" cy="0"/>
         </a:xfrm>
       </p:grpSpPr>
+      <p:sp>
+        <p:nvSpPr>
+          <p:cNvPr id="4" name="標題 1">
+            <a:extLst>
+              <a:ext uri="{FF2B5EF4-FFF2-40B4-BE49-F238E27FC236}">
+                <a16:creationId xmlns:a16="http://schemas.microsoft.com/office/drawing/2014/main" id="{40A70469-DEA8-40AC-AF61-BBB7D81524AA}"/>
+              </a:ext>
+            </a:extLst>
+          </p:cNvPr>
+          <p:cNvSpPr>
+            <a:spLocks noGrp="1"/>
+          </p:cNvSpPr>
+          <p:nvPr>
+            <p:ph type="title"/>
+          </p:nvPr>
+        </p:nvSpPr>
+        <p:spPr>
+          <a:xfrm>
+            <a:off x="349251" y="255060"/>
+            <a:ext cx="1250949" cy="557741"/>
+          </a:xfrm>
+          <a:blipFill dpi="0" rotWithShape="1">
+            <a:blip r:embed="rId2"/>
+            <a:srcRect/>
+            <a:tile tx="0" ty="0" sx="100000" sy="100000" flip="none" algn="tl"/>
+          </a:blipFill>
+        </p:spPr>
+        <p:txBody>
+          <a:bodyPr>
+            <a:normAutofit fontScale="90000"/>
+          </a:bodyPr>
+          <a:lstStyle/>
+          <a:p>
+            <a:r>
+              <a:rPr lang="zh-TW" altLang="en-US" dirty="0"/>
+              <a:t>裝備</a:t>
+            </a:r>
+          </a:p>
+        </p:txBody>
+      </p:sp>
       <p:pic>
         <p:nvPicPr>
-          <p:cNvPr id="5" name="圖片 4">
+          <p:cNvPr id="2" name="圖片 1">
             <a:extLst>
               <a:ext uri="{FF2B5EF4-FFF2-40B4-BE49-F238E27FC236}">
-                <a16:creationId xmlns:a16="http://schemas.microsoft.com/office/drawing/2014/main" id="{2C76656A-8B9D-4196-9B3D-30F1769A713D}"/>
+                <a16:creationId xmlns:a16="http://schemas.microsoft.com/office/drawing/2014/main" id="{F4B2E894-DD09-4523-B1E7-DCCDB72137CA}"/>
               </a:ext>
             </a:extLst>
           </p:cNvPr>
@@ -9379,27 +8764,57 @@
           <p:nvPr/>
         </p:nvPicPr>
         <p:blipFill>
-          <a:blip r:embed="rId2"/>
+          <a:blip r:embed="rId3"/>
           <a:stretch>
             <a:fillRect/>
           </a:stretch>
         </p:blipFill>
         <p:spPr>
           <a:xfrm>
-            <a:off x="713836" y="1193105"/>
-            <a:ext cx="7716327" cy="4944165"/>
+            <a:off x="706130" y="1234143"/>
+            <a:ext cx="7731739" cy="5020857"/>
           </a:xfrm>
           <a:prstGeom prst="rect">
             <a:avLst/>
           </a:prstGeom>
         </p:spPr>
       </p:pic>
-      <p:sp>
-        <p:nvSpPr>
-          <p:cNvPr id="6" name="標題 1">
+    </p:spTree>
+    <p:extLst>
+      <p:ext uri="{BB962C8B-B14F-4D97-AF65-F5344CB8AC3E}">
+        <p14:creationId xmlns:p14="http://schemas.microsoft.com/office/powerpoint/2010/main" val="3237955586"/>
+      </p:ext>
+    </p:extLst>
+  </p:cSld>
+  <p:clrMapOvr>
+    <a:masterClrMapping/>
+  </p:clrMapOvr>
+</p:sld>
+</file>
+
+<file path=ppt/slides/slide9.xml><?xml version="1.0" encoding="utf-8"?>
+<p:sld xmlns:a="http://schemas.openxmlformats.org/drawingml/2006/main" xmlns:r="http://schemas.openxmlformats.org/officeDocument/2006/relationships" xmlns:p="http://schemas.openxmlformats.org/presentationml/2006/main">
+  <p:cSld>
+    <p:spTree>
+      <p:nvGrpSpPr>
+        <p:cNvPr id="1" name=""/>
+        <p:cNvGrpSpPr/>
+        <p:nvPr/>
+      </p:nvGrpSpPr>
+      <p:grpSpPr>
+        <a:xfrm>
+          <a:off x="0" y="0"/>
+          <a:ext cx="0" cy="0"/>
+          <a:chOff x="0" y="0"/>
+          <a:chExt cx="0" cy="0"/>
+        </a:xfrm>
+      </p:grpSpPr>
+      <p:sp>
+        <p:nvSpPr>
+          <p:cNvPr id="4" name="標題 1">
             <a:extLst>
               <a:ext uri="{FF2B5EF4-FFF2-40B4-BE49-F238E27FC236}">
-                <a16:creationId xmlns:a16="http://schemas.microsoft.com/office/drawing/2014/main" id="{A9B2DC3A-9045-4E74-99B8-FE7CD5255552}"/>
+                <a16:creationId xmlns:a16="http://schemas.microsoft.com/office/drawing/2014/main" id="{14DE5FB5-8580-4E59-A524-122C750EEF0A}"/>
               </a:ext>
             </a:extLst>
           </p:cNvPr>
@@ -9416,7 +8831,7 @@
             <a:ext cx="1250949" cy="557741"/>
           </a:xfrm>
           <a:blipFill dpi="0" rotWithShape="1">
-            <a:blip r:embed="rId3"/>
+            <a:blip r:embed="rId2"/>
             <a:srcRect/>
             <a:tile tx="0" ty="0" sx="100000" sy="100000" flip="none" algn="tl"/>
           </a:blipFill>
@@ -9429,17 +8844,47 @@
           <a:p>
             <a:r>
               <a:rPr lang="zh-TW" altLang="en-US" dirty="0"/>
-              <a:t>商店</a:t>
+              <a:t>選單</a:t>
             </a:r>
           </a:p>
         </p:txBody>
       </p:sp>
       <p:pic>
         <p:nvPicPr>
-          <p:cNvPr id="9" name="圖片 8">
+          <p:cNvPr id="6" name="圖片 5">
             <a:extLst>
               <a:ext uri="{FF2B5EF4-FFF2-40B4-BE49-F238E27FC236}">
-                <a16:creationId xmlns:a16="http://schemas.microsoft.com/office/drawing/2014/main" id="{496729DA-663E-4D76-A523-B338075A06DA}"/>
+                <a16:creationId xmlns:a16="http://schemas.microsoft.com/office/drawing/2014/main" id="{9C76B0AA-58F8-468B-9475-D15DCB4941DE}"/>
+              </a:ext>
+            </a:extLst>
+          </p:cNvPr>
+          <p:cNvPicPr>
+            <a:picLocks noChangeAspect="1"/>
+          </p:cNvPicPr>
+          <p:nvPr/>
+        </p:nvPicPr>
+        <p:blipFill>
+          <a:blip r:embed="rId3"/>
+          <a:stretch>
+            <a:fillRect/>
+          </a:stretch>
+        </p:blipFill>
+        <p:spPr>
+          <a:xfrm>
+            <a:off x="713835" y="1439517"/>
+            <a:ext cx="7716327" cy="4944165"/>
+          </a:xfrm>
+          <a:prstGeom prst="rect">
+            <a:avLst/>
+          </a:prstGeom>
+        </p:spPr>
+      </p:pic>
+      <p:pic>
+        <p:nvPicPr>
+          <p:cNvPr id="8" name="圖片 7">
+            <a:extLst>
+              <a:ext uri="{FF2B5EF4-FFF2-40B4-BE49-F238E27FC236}">
+                <a16:creationId xmlns:a16="http://schemas.microsoft.com/office/drawing/2014/main" id="{6592142C-111F-4B8A-A5D8-B3322B15A2E0}"/>
               </a:ext>
             </a:extLst>
           </p:cNvPr>
@@ -9456,8 +8901,68 @@
         </p:blipFill>
         <p:spPr>
           <a:xfrm>
-            <a:off x="713835" y="1193104"/>
+            <a:off x="713836" y="1439517"/>
             <a:ext cx="7716327" cy="4944165"/>
+          </a:xfrm>
+          <a:prstGeom prst="rect">
+            <a:avLst/>
+          </a:prstGeom>
+        </p:spPr>
+      </p:pic>
+      <p:pic>
+        <p:nvPicPr>
+          <p:cNvPr id="3" name="圖片 2">
+            <a:extLst>
+              <a:ext uri="{FF2B5EF4-FFF2-40B4-BE49-F238E27FC236}">
+                <a16:creationId xmlns:a16="http://schemas.microsoft.com/office/drawing/2014/main" id="{4474B1EC-7A25-4D4D-9A48-0C50590AAA22}"/>
+              </a:ext>
+            </a:extLst>
+          </p:cNvPr>
+          <p:cNvPicPr>
+            <a:picLocks noChangeAspect="1"/>
+          </p:cNvPicPr>
+          <p:nvPr/>
+        </p:nvPicPr>
+        <p:blipFill>
+          <a:blip r:embed="rId5"/>
+          <a:stretch>
+            <a:fillRect/>
+          </a:stretch>
+        </p:blipFill>
+        <p:spPr>
+          <a:xfrm>
+            <a:off x="714912" y="1440207"/>
+            <a:ext cx="7715250" cy="4943475"/>
+          </a:xfrm>
+          <a:prstGeom prst="rect">
+            <a:avLst/>
+          </a:prstGeom>
+        </p:spPr>
+      </p:pic>
+      <p:pic>
+        <p:nvPicPr>
+          <p:cNvPr id="7" name="圖片 6">
+            <a:extLst>
+              <a:ext uri="{FF2B5EF4-FFF2-40B4-BE49-F238E27FC236}">
+                <a16:creationId xmlns:a16="http://schemas.microsoft.com/office/drawing/2014/main" id="{A0B95C61-302F-4A35-AC8E-85F0D0218761}"/>
+              </a:ext>
+            </a:extLst>
+          </p:cNvPr>
+          <p:cNvPicPr>
+            <a:picLocks noChangeAspect="1"/>
+          </p:cNvPicPr>
+          <p:nvPr/>
+        </p:nvPicPr>
+        <p:blipFill>
+          <a:blip r:embed="rId6"/>
+          <a:stretch>
+            <a:fillRect/>
+          </a:stretch>
+        </p:blipFill>
+        <p:spPr>
+          <a:xfrm>
+            <a:off x="676273" y="1406524"/>
+            <a:ext cx="7791450" cy="5010150"/>
           </a:xfrm>
           <a:prstGeom prst="rect">
             <a:avLst/>
@@ -9467,7 +8972,7 @@
     </p:spTree>
     <p:extLst>
       <p:ext uri="{BB962C8B-B14F-4D97-AF65-F5344CB8AC3E}">
-        <p14:creationId xmlns:p14="http://schemas.microsoft.com/office/powerpoint/2010/main" val="3332505565"/>
+        <p14:creationId xmlns:p14="http://schemas.microsoft.com/office/powerpoint/2010/main" val="2139839948"/>
       </p:ext>
     </p:extLst>
   </p:cSld>
@@ -9508,7 +9013,7 @@
                                           </p:stCondLst>
                                         </p:cTn>
                                         <p:tgtEl>
-                                          <p:spTgt spid="5"/>
+                                          <p:spTgt spid="6"/>
                                         </p:tgtEl>
                                         <p:attrNameLst>
                                           <p:attrName>style.visibility</p:attrName>
@@ -9522,7 +9027,7 @@
                                       <p:cBhvr>
                                         <p:cTn id="7" dur="500"/>
                                         <p:tgtEl>
-                                          <p:spTgt spid="5"/>
+                                          <p:spTgt spid="6"/>
                                         </p:tgtEl>
                                       </p:cBhvr>
                                     </p:animEffect>
@@ -9561,7 +9066,7 @@
                                           </p:stCondLst>
                                         </p:cTn>
                                         <p:tgtEl>
-                                          <p:spTgt spid="9"/>
+                                          <p:spTgt spid="8"/>
                                         </p:tgtEl>
                                         <p:attrNameLst>
                                           <p:attrName>style.visibility</p:attrName>
@@ -9575,363 +9080,7 @@
                                       <p:cBhvr>
                                         <p:cTn id="12" dur="500"/>
                                         <p:tgtEl>
-                                          <p:spTgt spid="9"/>
-                                        </p:tgtEl>
-                                      </p:cBhvr>
-                                    </p:animEffect>
-                                  </p:childTnLst>
-                                </p:cTn>
-                              </p:par>
-                            </p:childTnLst>
-                          </p:cTn>
-                        </p:par>
-                      </p:childTnLst>
-                    </p:cTn>
-                  </p:par>
-                </p:childTnLst>
-              </p:cTn>
-              <p:prevCondLst>
-                <p:cond evt="onPrev" delay="0">
-                  <p:tgtEl>
-                    <p:sldTgt/>
-                  </p:tgtEl>
-                </p:cond>
-              </p:prevCondLst>
-              <p:nextCondLst>
-                <p:cond evt="onNext" delay="0">
-                  <p:tgtEl>
-                    <p:sldTgt/>
-                  </p:tgtEl>
-                </p:cond>
-              </p:nextCondLst>
-            </p:seq>
-          </p:childTnLst>
-        </p:cTn>
-      </p:par>
-    </p:tnLst>
-  </p:timing>
-</p:sld>
-</file>
-
-<file path=ppt/slides/slide9.xml><?xml version="1.0" encoding="utf-8"?>
-<p:sld xmlns:a="http://schemas.openxmlformats.org/drawingml/2006/main" xmlns:r="http://schemas.openxmlformats.org/officeDocument/2006/relationships" xmlns:p="http://schemas.openxmlformats.org/presentationml/2006/main">
-  <p:cSld>
-    <p:spTree>
-      <p:nvGrpSpPr>
-        <p:cNvPr id="1" name=""/>
-        <p:cNvGrpSpPr/>
-        <p:nvPr/>
-      </p:nvGrpSpPr>
-      <p:grpSpPr>
-        <a:xfrm>
-          <a:off x="0" y="0"/>
-          <a:ext cx="0" cy="0"/>
-          <a:chOff x="0" y="0"/>
-          <a:chExt cx="0" cy="0"/>
-        </a:xfrm>
-      </p:grpSpPr>
-      <p:sp>
-        <p:nvSpPr>
-          <p:cNvPr id="4" name="標題 1">
-            <a:extLst>
-              <a:ext uri="{FF2B5EF4-FFF2-40B4-BE49-F238E27FC236}">
-                <a16:creationId xmlns:a16="http://schemas.microsoft.com/office/drawing/2014/main" id="{40A70469-DEA8-40AC-AF61-BBB7D81524AA}"/>
-              </a:ext>
-            </a:extLst>
-          </p:cNvPr>
-          <p:cNvSpPr>
-            <a:spLocks noGrp="1"/>
-          </p:cNvSpPr>
-          <p:nvPr>
-            <p:ph type="title"/>
-          </p:nvPr>
-        </p:nvSpPr>
-        <p:spPr>
-          <a:xfrm>
-            <a:off x="349251" y="255060"/>
-            <a:ext cx="1250949" cy="557741"/>
-          </a:xfrm>
-          <a:blipFill dpi="0" rotWithShape="1">
-            <a:blip r:embed="rId2"/>
-            <a:srcRect/>
-            <a:tile tx="0" ty="0" sx="100000" sy="100000" flip="none" algn="tl"/>
-          </a:blipFill>
-        </p:spPr>
-        <p:txBody>
-          <a:bodyPr>
-            <a:normAutofit fontScale="90000"/>
-          </a:bodyPr>
-          <a:lstStyle/>
-          <a:p>
-            <a:r>
-              <a:rPr lang="zh-TW" altLang="en-US" dirty="0"/>
-              <a:t>裝備</a:t>
-            </a:r>
-          </a:p>
-        </p:txBody>
-      </p:sp>
-      <p:pic>
-        <p:nvPicPr>
-          <p:cNvPr id="6" name="圖片 5">
-            <a:extLst>
-              <a:ext uri="{FF2B5EF4-FFF2-40B4-BE49-F238E27FC236}">
-                <a16:creationId xmlns:a16="http://schemas.microsoft.com/office/drawing/2014/main" id="{2DB8B109-EC7C-45FF-A369-5664180A496C}"/>
-              </a:ext>
-            </a:extLst>
-          </p:cNvPr>
-          <p:cNvPicPr>
-            <a:picLocks noChangeAspect="1"/>
-          </p:cNvPicPr>
-          <p:nvPr/>
-        </p:nvPicPr>
-        <p:blipFill>
-          <a:blip r:embed="rId3"/>
-          <a:stretch>
-            <a:fillRect/>
-          </a:stretch>
-        </p:blipFill>
-        <p:spPr>
-          <a:xfrm>
-            <a:off x="714375" y="1609723"/>
-            <a:ext cx="7715250" cy="4943475"/>
-          </a:xfrm>
-          <a:prstGeom prst="rect">
-            <a:avLst/>
-          </a:prstGeom>
-        </p:spPr>
-      </p:pic>
-      <p:pic>
-        <p:nvPicPr>
-          <p:cNvPr id="10" name="圖片 9">
-            <a:extLst>
-              <a:ext uri="{FF2B5EF4-FFF2-40B4-BE49-F238E27FC236}">
-                <a16:creationId xmlns:a16="http://schemas.microsoft.com/office/drawing/2014/main" id="{E1C91C31-22EB-4301-A484-23A7FCE8ADF1}"/>
-              </a:ext>
-            </a:extLst>
-          </p:cNvPr>
-          <p:cNvPicPr>
-            <a:picLocks noChangeAspect="1"/>
-          </p:cNvPicPr>
-          <p:nvPr/>
-        </p:nvPicPr>
-        <p:blipFill>
-          <a:blip r:embed="rId4"/>
-          <a:stretch>
-            <a:fillRect/>
-          </a:stretch>
-        </p:blipFill>
-        <p:spPr>
-          <a:xfrm>
-            <a:off x="714375" y="1609722"/>
-            <a:ext cx="7715250" cy="4943475"/>
-          </a:xfrm>
-          <a:prstGeom prst="rect">
-            <a:avLst/>
-          </a:prstGeom>
-        </p:spPr>
-      </p:pic>
-      <p:pic>
-        <p:nvPicPr>
-          <p:cNvPr id="12" name="圖片 11">
-            <a:extLst>
-              <a:ext uri="{FF2B5EF4-FFF2-40B4-BE49-F238E27FC236}">
-                <a16:creationId xmlns:a16="http://schemas.microsoft.com/office/drawing/2014/main" id="{65F5A5FA-B9EA-4A57-AA2B-280C4A63D2F4}"/>
-              </a:ext>
-            </a:extLst>
-          </p:cNvPr>
-          <p:cNvPicPr>
-            <a:picLocks noChangeAspect="1"/>
-          </p:cNvPicPr>
-          <p:nvPr/>
-        </p:nvPicPr>
-        <p:blipFill>
-          <a:blip r:embed="rId5"/>
-          <a:stretch>
-            <a:fillRect/>
-          </a:stretch>
-        </p:blipFill>
-        <p:spPr>
-          <a:xfrm>
-            <a:off x="714375" y="1609722"/>
-            <a:ext cx="7715250" cy="4943475"/>
-          </a:xfrm>
-          <a:prstGeom prst="rect">
-            <a:avLst/>
-          </a:prstGeom>
-        </p:spPr>
-      </p:pic>
-      <p:pic>
-        <p:nvPicPr>
-          <p:cNvPr id="14" name="圖片 13">
-            <a:extLst>
-              <a:ext uri="{FF2B5EF4-FFF2-40B4-BE49-F238E27FC236}">
-                <a16:creationId xmlns:a16="http://schemas.microsoft.com/office/drawing/2014/main" id="{B9C78D23-75FC-44AE-A6FD-54B6959A8B18}"/>
-              </a:ext>
-            </a:extLst>
-          </p:cNvPr>
-          <p:cNvPicPr>
-            <a:picLocks noChangeAspect="1"/>
-          </p:cNvPicPr>
-          <p:nvPr/>
-        </p:nvPicPr>
-        <p:blipFill>
-          <a:blip r:embed="rId6"/>
-          <a:stretch>
-            <a:fillRect/>
-          </a:stretch>
-        </p:blipFill>
-        <p:spPr>
-          <a:xfrm>
-            <a:off x="714375" y="1562097"/>
-            <a:ext cx="7762875" cy="4991100"/>
-          </a:xfrm>
-          <a:prstGeom prst="rect">
-            <a:avLst/>
-          </a:prstGeom>
-        </p:spPr>
-      </p:pic>
-      <p:pic>
-        <p:nvPicPr>
-          <p:cNvPr id="16" name="圖片 15">
-            <a:extLst>
-              <a:ext uri="{FF2B5EF4-FFF2-40B4-BE49-F238E27FC236}">
-                <a16:creationId xmlns:a16="http://schemas.microsoft.com/office/drawing/2014/main" id="{951E2E39-ACF6-4708-BF24-584AA9798690}"/>
-              </a:ext>
-            </a:extLst>
-          </p:cNvPr>
-          <p:cNvPicPr>
-            <a:picLocks noChangeAspect="1"/>
-          </p:cNvPicPr>
-          <p:nvPr/>
-        </p:nvPicPr>
-        <p:blipFill>
-          <a:blip r:embed="rId7"/>
-          <a:stretch>
-            <a:fillRect/>
-          </a:stretch>
-        </p:blipFill>
-        <p:spPr>
-          <a:xfrm>
-            <a:off x="714375" y="1585909"/>
-            <a:ext cx="7715250" cy="4943475"/>
-          </a:xfrm>
-          <a:prstGeom prst="rect">
-            <a:avLst/>
-          </a:prstGeom>
-        </p:spPr>
-      </p:pic>
-    </p:spTree>
-    <p:extLst>
-      <p:ext uri="{BB962C8B-B14F-4D97-AF65-F5344CB8AC3E}">
-        <p14:creationId xmlns:p14="http://schemas.microsoft.com/office/powerpoint/2010/main" val="3237955586"/>
-      </p:ext>
-    </p:extLst>
-  </p:cSld>
-  <p:clrMapOvr>
-    <a:masterClrMapping/>
-  </p:clrMapOvr>
-  <p:timing>
-    <p:tnLst>
-      <p:par>
-        <p:cTn id="1" dur="indefinite" restart="never" nodeType="tmRoot">
-          <p:childTnLst>
-            <p:seq concurrent="1" nextAc="seek">
-              <p:cTn id="2" dur="indefinite" nodeType="mainSeq">
-                <p:childTnLst>
-                  <p:par>
-                    <p:cTn id="3" fill="hold">
-                      <p:stCondLst>
-                        <p:cond delay="indefinite"/>
-                      </p:stCondLst>
-                      <p:childTnLst>
-                        <p:par>
-                          <p:cTn id="4" fill="hold">
-                            <p:stCondLst>
-                              <p:cond delay="0"/>
-                            </p:stCondLst>
-                            <p:childTnLst>
-                              <p:par>
-                                <p:cTn id="5" presetID="22" presetClass="entr" presetSubtype="4" fill="hold" nodeType="clickEffect">
-                                  <p:stCondLst>
-                                    <p:cond delay="0"/>
-                                  </p:stCondLst>
-                                  <p:childTnLst>
-                                    <p:set>
-                                      <p:cBhvr>
-                                        <p:cTn id="6" dur="1" fill="hold">
-                                          <p:stCondLst>
-                                            <p:cond delay="0"/>
-                                          </p:stCondLst>
-                                        </p:cTn>
-                                        <p:tgtEl>
-                                          <p:spTgt spid="6"/>
-                                        </p:tgtEl>
-                                        <p:attrNameLst>
-                                          <p:attrName>style.visibility</p:attrName>
-                                        </p:attrNameLst>
-                                      </p:cBhvr>
-                                      <p:to>
-                                        <p:strVal val="visible"/>
-                                      </p:to>
-                                    </p:set>
-                                    <p:animEffect transition="in" filter="wipe(down)">
-                                      <p:cBhvr>
-                                        <p:cTn id="7" dur="500"/>
-                                        <p:tgtEl>
-                                          <p:spTgt spid="6"/>
-                                        </p:tgtEl>
-                                      </p:cBhvr>
-                                    </p:animEffect>
-                                  </p:childTnLst>
-                                </p:cTn>
-                              </p:par>
-                            </p:childTnLst>
-                          </p:cTn>
-                        </p:par>
-                      </p:childTnLst>
-                    </p:cTn>
-                  </p:par>
-                  <p:par>
-                    <p:cTn id="8" fill="hold">
-                      <p:stCondLst>
-                        <p:cond delay="indefinite"/>
-                      </p:stCondLst>
-                      <p:childTnLst>
-                        <p:par>
-                          <p:cTn id="9" fill="hold">
-                            <p:stCondLst>
-                              <p:cond delay="0"/>
-                            </p:stCondLst>
-                            <p:childTnLst>
-                              <p:par>
-                                <p:cTn id="10" presetID="22" presetClass="entr" presetSubtype="4" fill="hold" nodeType="clickEffect">
-                                  <p:stCondLst>
-                                    <p:cond delay="0"/>
-                                  </p:stCondLst>
-                                  <p:childTnLst>
-                                    <p:set>
-                                      <p:cBhvr>
-                                        <p:cTn id="11" dur="1" fill="hold">
-                                          <p:stCondLst>
-                                            <p:cond delay="0"/>
-                                          </p:stCondLst>
-                                        </p:cTn>
-                                        <p:tgtEl>
-                                          <p:spTgt spid="10"/>
-                                        </p:tgtEl>
-                                        <p:attrNameLst>
-                                          <p:attrName>style.visibility</p:attrName>
-                                        </p:attrNameLst>
-                                      </p:cBhvr>
-                                      <p:to>
-                                        <p:strVal val="visible"/>
-                                      </p:to>
-                                    </p:set>
-                                    <p:animEffect transition="in" filter="wipe(down)">
-                                      <p:cBhvr>
-                                        <p:cTn id="12" dur="500"/>
-                                        <p:tgtEl>
-                                          <p:spTgt spid="10"/>
+                                          <p:spTgt spid="8"/>
                                         </p:tgtEl>
                                       </p:cBhvr>
                                     </p:animEffect>
@@ -9970,7 +9119,7 @@
                                           </p:stCondLst>
                                         </p:cTn>
                                         <p:tgtEl>
-                                          <p:spTgt spid="12"/>
+                                          <p:spTgt spid="3"/>
                                         </p:tgtEl>
                                         <p:attrNameLst>
                                           <p:attrName>style.visibility</p:attrName>
@@ -9984,7 +9133,7 @@
                                       <p:cBhvr>
                                         <p:cTn id="17" dur="500"/>
                                         <p:tgtEl>
-                                          <p:spTgt spid="12"/>
+                                          <p:spTgt spid="3"/>
                                         </p:tgtEl>
                                       </p:cBhvr>
                                     </p:animEffect>
@@ -10023,7 +9172,7 @@
                                           </p:stCondLst>
                                         </p:cTn>
                                         <p:tgtEl>
-                                          <p:spTgt spid="14"/>
+                                          <p:spTgt spid="7"/>
                                         </p:tgtEl>
                                         <p:attrNameLst>
                                           <p:attrName>style.visibility</p:attrName>
@@ -10037,60 +9186,7 @@
                                       <p:cBhvr>
                                         <p:cTn id="22" dur="500"/>
                                         <p:tgtEl>
-                                          <p:spTgt spid="14"/>
-                                        </p:tgtEl>
-                                      </p:cBhvr>
-                                    </p:animEffect>
-                                  </p:childTnLst>
-                                </p:cTn>
-                              </p:par>
-                            </p:childTnLst>
-                          </p:cTn>
-                        </p:par>
-                      </p:childTnLst>
-                    </p:cTn>
-                  </p:par>
-                  <p:par>
-                    <p:cTn id="23" fill="hold">
-                      <p:stCondLst>
-                        <p:cond delay="indefinite"/>
-                      </p:stCondLst>
-                      <p:childTnLst>
-                        <p:par>
-                          <p:cTn id="24" fill="hold">
-                            <p:stCondLst>
-                              <p:cond delay="0"/>
-                            </p:stCondLst>
-                            <p:childTnLst>
-                              <p:par>
-                                <p:cTn id="25" presetID="22" presetClass="entr" presetSubtype="4" fill="hold" nodeType="clickEffect">
-                                  <p:stCondLst>
-                                    <p:cond delay="0"/>
-                                  </p:stCondLst>
-                                  <p:childTnLst>
-                                    <p:set>
-                                      <p:cBhvr>
-                                        <p:cTn id="26" dur="1" fill="hold">
-                                          <p:stCondLst>
-                                            <p:cond delay="0"/>
-                                          </p:stCondLst>
-                                        </p:cTn>
-                                        <p:tgtEl>
-                                          <p:spTgt spid="16"/>
-                                        </p:tgtEl>
-                                        <p:attrNameLst>
-                                          <p:attrName>style.visibility</p:attrName>
-                                        </p:attrNameLst>
-                                      </p:cBhvr>
-                                      <p:to>
-                                        <p:strVal val="visible"/>
-                                      </p:to>
-                                    </p:set>
-                                    <p:animEffect transition="in" filter="wipe(down)">
-                                      <p:cBhvr>
-                                        <p:cTn id="27" dur="500"/>
-                                        <p:tgtEl>
-                                          <p:spTgt spid="16"/>
+                                          <p:spTgt spid="7"/>
                                         </p:tgtEl>
                                       </p:cBhvr>
                                     </p:animEffect>
